--- a/Excel and Powerpoints/Demo Day Presentation.pptx
+++ b/Excel and Powerpoints/Demo Day Presentation.pptx
@@ -5,35 +5,38 @@
     <p:sldMasterId id="2147483648" r:id="rId1"/>
   </p:sldMasterIdLst>
   <p:notesMasterIdLst>
-    <p:notesMasterId r:id="rId13"/>
+    <p:notesMasterId r:id="rId16"/>
   </p:notesMasterIdLst>
   <p:sldIdLst>
     <p:sldId id="256" r:id="rId2"/>
-    <p:sldId id="257" r:id="rId3"/>
-    <p:sldId id="266" r:id="rId4"/>
-    <p:sldId id="258" r:id="rId5"/>
-    <p:sldId id="259" r:id="rId6"/>
-    <p:sldId id="260" r:id="rId7"/>
-    <p:sldId id="261" r:id="rId8"/>
-    <p:sldId id="262" r:id="rId9"/>
-    <p:sldId id="263" r:id="rId10"/>
-    <p:sldId id="264" r:id="rId11"/>
-    <p:sldId id="265" r:id="rId12"/>
+    <p:sldId id="267" r:id="rId3"/>
+    <p:sldId id="268" r:id="rId4"/>
+    <p:sldId id="257" r:id="rId5"/>
+    <p:sldId id="269" r:id="rId6"/>
+    <p:sldId id="265" r:id="rId7"/>
+    <p:sldId id="266" r:id="rId8"/>
+    <p:sldId id="258" r:id="rId9"/>
+    <p:sldId id="259" r:id="rId10"/>
+    <p:sldId id="260" r:id="rId11"/>
+    <p:sldId id="261" r:id="rId12"/>
+    <p:sldId id="262" r:id="rId13"/>
+    <p:sldId id="263" r:id="rId14"/>
+    <p:sldId id="264" r:id="rId15"/>
   </p:sldIdLst>
   <p:sldSz cx="12192000" cy="6858000"/>
   <p:notesSz cx="6858000" cy="9144000"/>
   <p:embeddedFontLst>
     <p:embeddedFont>
       <p:font typeface="Calibri" panose="020F0502020204030204" pitchFamily="34" charset="0"/>
-      <p:regular r:id="rId14"/>
-      <p:bold r:id="rId15"/>
-      <p:italic r:id="rId16"/>
-      <p:boldItalic r:id="rId17"/>
+      <p:regular r:id="rId17"/>
+      <p:bold r:id="rId18"/>
+      <p:italic r:id="rId19"/>
+      <p:boldItalic r:id="rId20"/>
     </p:embeddedFont>
     <p:embeddedFont>
       <p:font typeface="Oswald" panose="020B0604020202020204" charset="0"/>
-      <p:regular r:id="rId18"/>
-      <p:bold r:id="rId19"/>
+      <p:regular r:id="rId21"/>
+      <p:bold r:id="rId22"/>
     </p:embeddedFont>
   </p:embeddedFontLst>
   <p:defaultTextStyle>
@@ -266,8 +269,11 @@
     </a:lvl9pPr>
   </p:defaultTextStyle>
   <p:extLst>
+    <p:ext uri="{EFAFB233-063F-42B5-8137-9DF3F51BA10A}">
+      <p15:sldGuideLst xmlns:p15="http://schemas.microsoft.com/office/powerpoint/2012/main"/>
+    </p:ext>
     <p:ext uri="http://customooxmlschemas.google.com/">
-      <go:slidesCustomData xmlns:go="http://customooxmlschemas.google.com/" xmlns:p15="http://schemas.microsoft.com/office/powerpoint/2012/main" xmlns:p14="http://schemas.microsoft.com/office/powerpoint/2010/main" xmlns:com="http://schemas.openxmlformats.org/drawingml/2006/compatibility" xmlns:pvml="urn:schemas-microsoft-com:office:powerpoint" xmlns:v="urn:schemas-microsoft-com:vml" xmlns:o="urn:schemas-microsoft-com:office:office" xmlns:dgm="http://schemas.openxmlformats.org/drawingml/2006/diagram" xmlns:c="http://schemas.openxmlformats.org/drawingml/2006/chart" xmlns:mv="urn:schemas-microsoft-com:mac:vml" xmlns:mc="http://schemas.openxmlformats.org/markup-compatibility/2006" xmlns="" r:id="rId20" roundtripDataSignature="AMtx7mjWYdrqZ03wlkUhOVnXVAf8lSUitg=="/>
+      <go:slidesCustomData xmlns:go="http://customooxmlschemas.google.com/" xmlns:p15="http://schemas.microsoft.com/office/powerpoint/2012/main" xmlns:p14="http://schemas.microsoft.com/office/powerpoint/2010/main" xmlns:com="http://schemas.openxmlformats.org/drawingml/2006/compatibility" xmlns:pvml="urn:schemas-microsoft-com:office:powerpoint" xmlns:v="urn:schemas-microsoft-com:vml" xmlns:o="urn:schemas-microsoft-com:office:office" xmlns:dgm="http://schemas.openxmlformats.org/drawingml/2006/diagram" xmlns:c="http://schemas.openxmlformats.org/drawingml/2006/chart" xmlns:mv="urn:schemas-microsoft-com:mac:vml" xmlns:mc="http://schemas.openxmlformats.org/markup-compatibility/2006" xmlns="" r:id="rId23" roundtripDataSignature="AMtx7mjWYdrqZ03wlkUhOVnXVAf8lSUitg=="/>
     </p:ext>
   </p:extLst>
 </p:presentation>
@@ -979,7 +985,7 @@
   <p:cSld>
     <p:spTree>
       <p:nvGrpSpPr>
-        <p:cNvPr id="1" name="Shape 138"/>
+        <p:cNvPr id="1" name="Shape 109"/>
         <p:cNvGrpSpPr/>
         <p:nvPr/>
       </p:nvGrpSpPr>
@@ -993,7 +999,7 @@
       </p:grpSpPr>
       <p:sp>
         <p:nvSpPr>
-          <p:cNvPr id="139" name="Google Shape;139;p10:notes"/>
+          <p:cNvPr id="110" name="Google Shape;110;p5:notes"/>
           <p:cNvSpPr txBox="1">
             <a:spLocks noGrp="1"/>
           </p:cNvSpPr>
@@ -1039,7 +1045,7 @@
       </p:sp>
       <p:sp>
         <p:nvSpPr>
-          <p:cNvPr id="140" name="Google Shape;140;p10:notes"/>
+          <p:cNvPr id="111" name="Google Shape;111;p5:notes"/>
           <p:cNvSpPr>
             <a:spLocks noGrp="1" noRot="1" noChangeAspect="1"/>
           </p:cNvSpPr>
@@ -1101,7 +1107,7 @@
   <p:cSld>
     <p:spTree>
       <p:nvGrpSpPr>
-        <p:cNvPr id="1" name="Shape 144"/>
+        <p:cNvPr id="1" name="Shape 116"/>
         <p:cNvGrpSpPr/>
         <p:nvPr/>
       </p:nvGrpSpPr>
@@ -1115,7 +1121,7 @@
       </p:grpSpPr>
       <p:sp>
         <p:nvSpPr>
-          <p:cNvPr id="145" name="Google Shape;145;p11:notes"/>
+          <p:cNvPr id="117" name="Google Shape;117;p6:notes"/>
           <p:cNvSpPr txBox="1">
             <a:spLocks noGrp="1"/>
           </p:cNvSpPr>
@@ -1161,7 +1167,373 @@
       </p:sp>
       <p:sp>
         <p:nvSpPr>
-          <p:cNvPr id="146" name="Google Shape;146;p11:notes"/>
+          <p:cNvPr id="118" name="Google Shape;118;p6:notes"/>
+          <p:cNvSpPr>
+            <a:spLocks noGrp="1" noRot="1" noChangeAspect="1"/>
+          </p:cNvSpPr>
+          <p:nvPr>
+            <p:ph type="sldImg" idx="2"/>
+          </p:nvPr>
+        </p:nvSpPr>
+        <p:spPr>
+          <a:xfrm>
+            <a:off x="1143225" y="685800"/>
+            <a:ext cx="4572225" cy="3429000"/>
+          </a:xfrm>
+          <a:custGeom>
+            <a:avLst/>
+            <a:gdLst/>
+            <a:ahLst/>
+            <a:cxnLst/>
+            <a:rect l="l" t="t" r="r" b="b"/>
+            <a:pathLst>
+              <a:path w="120000" h="120000" extrusionOk="0">
+                <a:moveTo>
+                  <a:pt x="0" y="0"/>
+                </a:moveTo>
+                <a:lnTo>
+                  <a:pt x="120000" y="0"/>
+                </a:lnTo>
+                <a:lnTo>
+                  <a:pt x="120000" y="120000"/>
+                </a:lnTo>
+                <a:lnTo>
+                  <a:pt x="0" y="120000"/>
+                </a:lnTo>
+                <a:close/>
+              </a:path>
+            </a:pathLst>
+          </a:custGeom>
+          <a:noFill/>
+          <a:ln w="9525" cap="flat" cmpd="sng">
+            <a:solidFill>
+              <a:srgbClr val="000000"/>
+            </a:solidFill>
+            <a:prstDash val="solid"/>
+            <a:round/>
+            <a:headEnd type="none" w="sm" len="sm"/>
+            <a:tailEnd type="none" w="sm" len="sm"/>
+          </a:ln>
+        </p:spPr>
+      </p:sp>
+    </p:spTree>
+  </p:cSld>
+  <p:clrMapOvr>
+    <a:masterClrMapping/>
+  </p:clrMapOvr>
+</p:notes>
+</file>
+
+<file path=ppt/notesSlides/notesSlide12.xml><?xml version="1.0" encoding="utf-8"?>
+<p:notes xmlns:a="http://schemas.openxmlformats.org/drawingml/2006/main" xmlns:r="http://schemas.openxmlformats.org/officeDocument/2006/relationships" xmlns:p="http://schemas.openxmlformats.org/presentationml/2006/main" showMasterSp="0" showMasterPhAnim="0">
+  <p:cSld>
+    <p:spTree>
+      <p:nvGrpSpPr>
+        <p:cNvPr id="1" name="Shape 123"/>
+        <p:cNvGrpSpPr/>
+        <p:nvPr/>
+      </p:nvGrpSpPr>
+      <p:grpSpPr>
+        <a:xfrm>
+          <a:off x="0" y="0"/>
+          <a:ext cx="0" cy="0"/>
+          <a:chOff x="0" y="0"/>
+          <a:chExt cx="0" cy="0"/>
+        </a:xfrm>
+      </p:grpSpPr>
+      <p:sp>
+        <p:nvSpPr>
+          <p:cNvPr id="124" name="Google Shape;124;p7:notes"/>
+          <p:cNvSpPr txBox="1">
+            <a:spLocks noGrp="1"/>
+          </p:cNvSpPr>
+          <p:nvPr>
+            <p:ph type="body" idx="1"/>
+          </p:nvPr>
+        </p:nvSpPr>
+        <p:spPr>
+          <a:xfrm>
+            <a:off x="685800" y="4343400"/>
+            <a:ext cx="5486400" cy="4114800"/>
+          </a:xfrm>
+          <a:prstGeom prst="rect">
+            <a:avLst/>
+          </a:prstGeom>
+          <a:noFill/>
+          <a:ln>
+            <a:noFill/>
+          </a:ln>
+        </p:spPr>
+        <p:txBody>
+          <a:bodyPr spcFirstLastPara="1" wrap="square" lIns="91425" tIns="91425" rIns="91425" bIns="91425" anchor="t" anchorCtr="0">
+            <a:noAutofit/>
+          </a:bodyPr>
+          <a:lstStyle/>
+          <a:p>
+            <a:pPr marL="0" lvl="0" indent="0" algn="l" rtl="0">
+              <a:lnSpc>
+                <a:spcPct val="100000"/>
+              </a:lnSpc>
+              <a:spcBef>
+                <a:spcPts val="0"/>
+              </a:spcBef>
+              <a:spcAft>
+                <a:spcPts val="0"/>
+              </a:spcAft>
+              <a:buSzPts val="1100"/>
+              <a:buNone/>
+            </a:pPr>
+            <a:endParaRPr/>
+          </a:p>
+        </p:txBody>
+      </p:sp>
+      <p:sp>
+        <p:nvSpPr>
+          <p:cNvPr id="125" name="Google Shape;125;p7:notes"/>
+          <p:cNvSpPr>
+            <a:spLocks noGrp="1" noRot="1" noChangeAspect="1"/>
+          </p:cNvSpPr>
+          <p:nvPr>
+            <p:ph type="sldImg" idx="2"/>
+          </p:nvPr>
+        </p:nvSpPr>
+        <p:spPr>
+          <a:xfrm>
+            <a:off x="1143225" y="685800"/>
+            <a:ext cx="4572225" cy="3429000"/>
+          </a:xfrm>
+          <a:custGeom>
+            <a:avLst/>
+            <a:gdLst/>
+            <a:ahLst/>
+            <a:cxnLst/>
+            <a:rect l="l" t="t" r="r" b="b"/>
+            <a:pathLst>
+              <a:path w="120000" h="120000" extrusionOk="0">
+                <a:moveTo>
+                  <a:pt x="0" y="0"/>
+                </a:moveTo>
+                <a:lnTo>
+                  <a:pt x="120000" y="0"/>
+                </a:lnTo>
+                <a:lnTo>
+                  <a:pt x="120000" y="120000"/>
+                </a:lnTo>
+                <a:lnTo>
+                  <a:pt x="0" y="120000"/>
+                </a:lnTo>
+                <a:close/>
+              </a:path>
+            </a:pathLst>
+          </a:custGeom>
+          <a:noFill/>
+          <a:ln w="9525" cap="flat" cmpd="sng">
+            <a:solidFill>
+              <a:srgbClr val="000000"/>
+            </a:solidFill>
+            <a:prstDash val="solid"/>
+            <a:round/>
+            <a:headEnd type="none" w="sm" len="sm"/>
+            <a:tailEnd type="none" w="sm" len="sm"/>
+          </a:ln>
+        </p:spPr>
+      </p:sp>
+    </p:spTree>
+  </p:cSld>
+  <p:clrMapOvr>
+    <a:masterClrMapping/>
+  </p:clrMapOvr>
+</p:notes>
+</file>
+
+<file path=ppt/notesSlides/notesSlide13.xml><?xml version="1.0" encoding="utf-8"?>
+<p:notes xmlns:a="http://schemas.openxmlformats.org/drawingml/2006/main" xmlns:r="http://schemas.openxmlformats.org/officeDocument/2006/relationships" xmlns:p="http://schemas.openxmlformats.org/presentationml/2006/main" showMasterSp="0" showMasterPhAnim="0">
+  <p:cSld>
+    <p:spTree>
+      <p:nvGrpSpPr>
+        <p:cNvPr id="1" name="Shape 131"/>
+        <p:cNvGrpSpPr/>
+        <p:nvPr/>
+      </p:nvGrpSpPr>
+      <p:grpSpPr>
+        <a:xfrm>
+          <a:off x="0" y="0"/>
+          <a:ext cx="0" cy="0"/>
+          <a:chOff x="0" y="0"/>
+          <a:chExt cx="0" cy="0"/>
+        </a:xfrm>
+      </p:grpSpPr>
+      <p:sp>
+        <p:nvSpPr>
+          <p:cNvPr id="132" name="Google Shape;132;p8:notes"/>
+          <p:cNvSpPr txBox="1">
+            <a:spLocks noGrp="1"/>
+          </p:cNvSpPr>
+          <p:nvPr>
+            <p:ph type="body" idx="1"/>
+          </p:nvPr>
+        </p:nvSpPr>
+        <p:spPr>
+          <a:xfrm>
+            <a:off x="685800" y="4343400"/>
+            <a:ext cx="5486400" cy="4114800"/>
+          </a:xfrm>
+          <a:prstGeom prst="rect">
+            <a:avLst/>
+          </a:prstGeom>
+          <a:noFill/>
+          <a:ln>
+            <a:noFill/>
+          </a:ln>
+        </p:spPr>
+        <p:txBody>
+          <a:bodyPr spcFirstLastPara="1" wrap="square" lIns="91425" tIns="91425" rIns="91425" bIns="91425" anchor="t" anchorCtr="0">
+            <a:noAutofit/>
+          </a:bodyPr>
+          <a:lstStyle/>
+          <a:p>
+            <a:pPr marL="0" lvl="0" indent="0" algn="l" rtl="0">
+              <a:lnSpc>
+                <a:spcPct val="100000"/>
+              </a:lnSpc>
+              <a:spcBef>
+                <a:spcPts val="0"/>
+              </a:spcBef>
+              <a:spcAft>
+                <a:spcPts val="0"/>
+              </a:spcAft>
+              <a:buSzPts val="1100"/>
+              <a:buNone/>
+            </a:pPr>
+            <a:endParaRPr/>
+          </a:p>
+        </p:txBody>
+      </p:sp>
+      <p:sp>
+        <p:nvSpPr>
+          <p:cNvPr id="133" name="Google Shape;133;p8:notes"/>
+          <p:cNvSpPr>
+            <a:spLocks noGrp="1" noRot="1" noChangeAspect="1"/>
+          </p:cNvSpPr>
+          <p:nvPr>
+            <p:ph type="sldImg" idx="2"/>
+          </p:nvPr>
+        </p:nvSpPr>
+        <p:spPr>
+          <a:xfrm>
+            <a:off x="1143225" y="685800"/>
+            <a:ext cx="4572225" cy="3429000"/>
+          </a:xfrm>
+          <a:custGeom>
+            <a:avLst/>
+            <a:gdLst/>
+            <a:ahLst/>
+            <a:cxnLst/>
+            <a:rect l="l" t="t" r="r" b="b"/>
+            <a:pathLst>
+              <a:path w="120000" h="120000" extrusionOk="0">
+                <a:moveTo>
+                  <a:pt x="0" y="0"/>
+                </a:moveTo>
+                <a:lnTo>
+                  <a:pt x="120000" y="0"/>
+                </a:lnTo>
+                <a:lnTo>
+                  <a:pt x="120000" y="120000"/>
+                </a:lnTo>
+                <a:lnTo>
+                  <a:pt x="0" y="120000"/>
+                </a:lnTo>
+                <a:close/>
+              </a:path>
+            </a:pathLst>
+          </a:custGeom>
+          <a:noFill/>
+          <a:ln w="9525" cap="flat" cmpd="sng">
+            <a:solidFill>
+              <a:srgbClr val="000000"/>
+            </a:solidFill>
+            <a:prstDash val="solid"/>
+            <a:round/>
+            <a:headEnd type="none" w="sm" len="sm"/>
+            <a:tailEnd type="none" w="sm" len="sm"/>
+          </a:ln>
+        </p:spPr>
+      </p:sp>
+    </p:spTree>
+  </p:cSld>
+  <p:clrMapOvr>
+    <a:masterClrMapping/>
+  </p:clrMapOvr>
+</p:notes>
+</file>
+
+<file path=ppt/notesSlides/notesSlide14.xml><?xml version="1.0" encoding="utf-8"?>
+<p:notes xmlns:a="http://schemas.openxmlformats.org/drawingml/2006/main" xmlns:r="http://schemas.openxmlformats.org/officeDocument/2006/relationships" xmlns:p="http://schemas.openxmlformats.org/presentationml/2006/main" showMasterSp="0" showMasterPhAnim="0">
+  <p:cSld>
+    <p:spTree>
+      <p:nvGrpSpPr>
+        <p:cNvPr id="1" name="Shape 138"/>
+        <p:cNvGrpSpPr/>
+        <p:nvPr/>
+      </p:nvGrpSpPr>
+      <p:grpSpPr>
+        <a:xfrm>
+          <a:off x="0" y="0"/>
+          <a:ext cx="0" cy="0"/>
+          <a:chOff x="0" y="0"/>
+          <a:chExt cx="0" cy="0"/>
+        </a:xfrm>
+      </p:grpSpPr>
+      <p:sp>
+        <p:nvSpPr>
+          <p:cNvPr id="139" name="Google Shape;139;p10:notes"/>
+          <p:cNvSpPr txBox="1">
+            <a:spLocks noGrp="1"/>
+          </p:cNvSpPr>
+          <p:nvPr>
+            <p:ph type="body" idx="1"/>
+          </p:nvPr>
+        </p:nvSpPr>
+        <p:spPr>
+          <a:xfrm>
+            <a:off x="685800" y="4343400"/>
+            <a:ext cx="5486400" cy="4114800"/>
+          </a:xfrm>
+          <a:prstGeom prst="rect">
+            <a:avLst/>
+          </a:prstGeom>
+          <a:noFill/>
+          <a:ln>
+            <a:noFill/>
+          </a:ln>
+        </p:spPr>
+        <p:txBody>
+          <a:bodyPr spcFirstLastPara="1" wrap="square" lIns="91425" tIns="91425" rIns="91425" bIns="91425" anchor="t" anchorCtr="0">
+            <a:noAutofit/>
+          </a:bodyPr>
+          <a:lstStyle/>
+          <a:p>
+            <a:pPr marL="0" lvl="0" indent="0" algn="l" rtl="0">
+              <a:lnSpc>
+                <a:spcPct val="100000"/>
+              </a:lnSpc>
+              <a:spcBef>
+                <a:spcPts val="0"/>
+              </a:spcBef>
+              <a:spcAft>
+                <a:spcPts val="0"/>
+              </a:spcAft>
+              <a:buSzPts val="1100"/>
+              <a:buNone/>
+            </a:pPr>
+            <a:endParaRPr/>
+          </a:p>
+        </p:txBody>
+      </p:sp>
+      <p:sp>
+        <p:nvSpPr>
+          <p:cNvPr id="140" name="Google Shape;140;p10:notes"/>
           <p:cNvSpPr>
             <a:spLocks noGrp="1" noRot="1" noChangeAspect="1"/>
           </p:cNvSpPr>
@@ -1333,6 +1705,11 @@
         </p:spPr>
       </p:sp>
     </p:spTree>
+    <p:extLst>
+      <p:ext uri="{BB962C8B-B14F-4D97-AF65-F5344CB8AC3E}">
+        <p14:creationId xmlns:p14="http://schemas.microsoft.com/office/powerpoint/2010/main" val="3360832397"/>
+      </p:ext>
+    </p:extLst>
   </p:cSld>
   <p:clrMapOvr>
     <a:masterClrMapping/>
@@ -1341,6 +1718,504 @@
 </file>
 
 <file path=ppt/notesSlides/notesSlide3.xml><?xml version="1.0" encoding="utf-8"?>
+<p:notes xmlns:a="http://schemas.openxmlformats.org/drawingml/2006/main" xmlns:r="http://schemas.openxmlformats.org/officeDocument/2006/relationships" xmlns:p="http://schemas.openxmlformats.org/presentationml/2006/main" showMasterSp="0" showMasterPhAnim="0">
+  <p:cSld>
+    <p:spTree>
+      <p:nvGrpSpPr>
+        <p:cNvPr id="1" name="Shape 90"/>
+        <p:cNvGrpSpPr/>
+        <p:nvPr/>
+      </p:nvGrpSpPr>
+      <p:grpSpPr>
+        <a:xfrm>
+          <a:off x="0" y="0"/>
+          <a:ext cx="0" cy="0"/>
+          <a:chOff x="0" y="0"/>
+          <a:chExt cx="0" cy="0"/>
+        </a:xfrm>
+      </p:grpSpPr>
+      <p:sp>
+        <p:nvSpPr>
+          <p:cNvPr id="91" name="Google Shape;91;p2:notes"/>
+          <p:cNvSpPr txBox="1">
+            <a:spLocks noGrp="1"/>
+          </p:cNvSpPr>
+          <p:nvPr>
+            <p:ph type="body" idx="1"/>
+          </p:nvPr>
+        </p:nvSpPr>
+        <p:spPr>
+          <a:xfrm>
+            <a:off x="685800" y="4343400"/>
+            <a:ext cx="5486400" cy="4114800"/>
+          </a:xfrm>
+          <a:prstGeom prst="rect">
+            <a:avLst/>
+          </a:prstGeom>
+          <a:noFill/>
+          <a:ln>
+            <a:noFill/>
+          </a:ln>
+        </p:spPr>
+        <p:txBody>
+          <a:bodyPr spcFirstLastPara="1" wrap="square" lIns="91425" tIns="91425" rIns="91425" bIns="91425" anchor="t" anchorCtr="0">
+            <a:noAutofit/>
+          </a:bodyPr>
+          <a:lstStyle/>
+          <a:p>
+            <a:pPr marL="0" lvl="0" indent="0" algn="l" rtl="0">
+              <a:lnSpc>
+                <a:spcPct val="100000"/>
+              </a:lnSpc>
+              <a:spcBef>
+                <a:spcPts val="0"/>
+              </a:spcBef>
+              <a:spcAft>
+                <a:spcPts val="0"/>
+              </a:spcAft>
+              <a:buSzPts val="1100"/>
+              <a:buNone/>
+            </a:pPr>
+            <a:endParaRPr/>
+          </a:p>
+        </p:txBody>
+      </p:sp>
+      <p:sp>
+        <p:nvSpPr>
+          <p:cNvPr id="92" name="Google Shape;92;p2:notes"/>
+          <p:cNvSpPr>
+            <a:spLocks noGrp="1" noRot="1" noChangeAspect="1"/>
+          </p:cNvSpPr>
+          <p:nvPr>
+            <p:ph type="sldImg" idx="2"/>
+          </p:nvPr>
+        </p:nvSpPr>
+        <p:spPr>
+          <a:xfrm>
+            <a:off x="381000" y="685800"/>
+            <a:ext cx="6096000" cy="3429000"/>
+          </a:xfrm>
+          <a:custGeom>
+            <a:avLst/>
+            <a:gdLst/>
+            <a:ahLst/>
+            <a:cxnLst/>
+            <a:rect l="l" t="t" r="r" b="b"/>
+            <a:pathLst>
+              <a:path w="120000" h="120000" extrusionOk="0">
+                <a:moveTo>
+                  <a:pt x="0" y="0"/>
+                </a:moveTo>
+                <a:lnTo>
+                  <a:pt x="120000" y="0"/>
+                </a:lnTo>
+                <a:lnTo>
+                  <a:pt x="120000" y="120000"/>
+                </a:lnTo>
+                <a:lnTo>
+                  <a:pt x="0" y="120000"/>
+                </a:lnTo>
+                <a:close/>
+              </a:path>
+            </a:pathLst>
+          </a:custGeom>
+          <a:noFill/>
+          <a:ln w="9525" cap="flat" cmpd="sng">
+            <a:solidFill>
+              <a:srgbClr val="000000"/>
+            </a:solidFill>
+            <a:prstDash val="solid"/>
+            <a:round/>
+            <a:headEnd type="none" w="sm" len="sm"/>
+            <a:tailEnd type="none" w="sm" len="sm"/>
+          </a:ln>
+        </p:spPr>
+      </p:sp>
+    </p:spTree>
+    <p:extLst>
+      <p:ext uri="{BB962C8B-B14F-4D97-AF65-F5344CB8AC3E}">
+        <p14:creationId xmlns:p14="http://schemas.microsoft.com/office/powerpoint/2010/main" val="2544491700"/>
+      </p:ext>
+    </p:extLst>
+  </p:cSld>
+  <p:clrMapOvr>
+    <a:masterClrMapping/>
+  </p:clrMapOvr>
+</p:notes>
+</file>
+
+<file path=ppt/notesSlides/notesSlide4.xml><?xml version="1.0" encoding="utf-8"?>
+<p:notes xmlns:a="http://schemas.openxmlformats.org/drawingml/2006/main" xmlns:r="http://schemas.openxmlformats.org/officeDocument/2006/relationships" xmlns:p="http://schemas.openxmlformats.org/presentationml/2006/main" showMasterSp="0" showMasterPhAnim="0">
+  <p:cSld>
+    <p:spTree>
+      <p:nvGrpSpPr>
+        <p:cNvPr id="1" name="Shape 90"/>
+        <p:cNvGrpSpPr/>
+        <p:nvPr/>
+      </p:nvGrpSpPr>
+      <p:grpSpPr>
+        <a:xfrm>
+          <a:off x="0" y="0"/>
+          <a:ext cx="0" cy="0"/>
+          <a:chOff x="0" y="0"/>
+          <a:chExt cx="0" cy="0"/>
+        </a:xfrm>
+      </p:grpSpPr>
+      <p:sp>
+        <p:nvSpPr>
+          <p:cNvPr id="91" name="Google Shape;91;p2:notes"/>
+          <p:cNvSpPr txBox="1">
+            <a:spLocks noGrp="1"/>
+          </p:cNvSpPr>
+          <p:nvPr>
+            <p:ph type="body" idx="1"/>
+          </p:nvPr>
+        </p:nvSpPr>
+        <p:spPr>
+          <a:xfrm>
+            <a:off x="685800" y="4343400"/>
+            <a:ext cx="5486400" cy="4114800"/>
+          </a:xfrm>
+          <a:prstGeom prst="rect">
+            <a:avLst/>
+          </a:prstGeom>
+          <a:noFill/>
+          <a:ln>
+            <a:noFill/>
+          </a:ln>
+        </p:spPr>
+        <p:txBody>
+          <a:bodyPr spcFirstLastPara="1" wrap="square" lIns="91425" tIns="91425" rIns="91425" bIns="91425" anchor="t" anchorCtr="0">
+            <a:noAutofit/>
+          </a:bodyPr>
+          <a:lstStyle/>
+          <a:p>
+            <a:pPr marL="0" lvl="0" indent="0" algn="l" rtl="0">
+              <a:lnSpc>
+                <a:spcPct val="100000"/>
+              </a:lnSpc>
+              <a:spcBef>
+                <a:spcPts val="0"/>
+              </a:spcBef>
+              <a:spcAft>
+                <a:spcPts val="0"/>
+              </a:spcAft>
+              <a:buSzPts val="1100"/>
+              <a:buNone/>
+            </a:pPr>
+            <a:endParaRPr/>
+          </a:p>
+        </p:txBody>
+      </p:sp>
+      <p:sp>
+        <p:nvSpPr>
+          <p:cNvPr id="92" name="Google Shape;92;p2:notes"/>
+          <p:cNvSpPr>
+            <a:spLocks noGrp="1" noRot="1" noChangeAspect="1"/>
+          </p:cNvSpPr>
+          <p:nvPr>
+            <p:ph type="sldImg" idx="2"/>
+          </p:nvPr>
+        </p:nvSpPr>
+        <p:spPr>
+          <a:xfrm>
+            <a:off x="381000" y="685800"/>
+            <a:ext cx="6096000" cy="3429000"/>
+          </a:xfrm>
+          <a:custGeom>
+            <a:avLst/>
+            <a:gdLst/>
+            <a:ahLst/>
+            <a:cxnLst/>
+            <a:rect l="l" t="t" r="r" b="b"/>
+            <a:pathLst>
+              <a:path w="120000" h="120000" extrusionOk="0">
+                <a:moveTo>
+                  <a:pt x="0" y="0"/>
+                </a:moveTo>
+                <a:lnTo>
+                  <a:pt x="120000" y="0"/>
+                </a:lnTo>
+                <a:lnTo>
+                  <a:pt x="120000" y="120000"/>
+                </a:lnTo>
+                <a:lnTo>
+                  <a:pt x="0" y="120000"/>
+                </a:lnTo>
+                <a:close/>
+              </a:path>
+            </a:pathLst>
+          </a:custGeom>
+          <a:noFill/>
+          <a:ln w="9525" cap="flat" cmpd="sng">
+            <a:solidFill>
+              <a:srgbClr val="000000"/>
+            </a:solidFill>
+            <a:prstDash val="solid"/>
+            <a:round/>
+            <a:headEnd type="none" w="sm" len="sm"/>
+            <a:tailEnd type="none" w="sm" len="sm"/>
+          </a:ln>
+        </p:spPr>
+      </p:sp>
+    </p:spTree>
+  </p:cSld>
+  <p:clrMapOvr>
+    <a:masterClrMapping/>
+  </p:clrMapOvr>
+</p:notes>
+</file>
+
+<file path=ppt/notesSlides/notesSlide5.xml><?xml version="1.0" encoding="utf-8"?>
+<p:notes xmlns:a="http://schemas.openxmlformats.org/drawingml/2006/main" xmlns:r="http://schemas.openxmlformats.org/officeDocument/2006/relationships" xmlns:p="http://schemas.openxmlformats.org/presentationml/2006/main" showMasterSp="0" showMasterPhAnim="0">
+  <p:cSld>
+    <p:spTree>
+      <p:nvGrpSpPr>
+        <p:cNvPr id="1" name="Shape 90"/>
+        <p:cNvGrpSpPr/>
+        <p:nvPr/>
+      </p:nvGrpSpPr>
+      <p:grpSpPr>
+        <a:xfrm>
+          <a:off x="0" y="0"/>
+          <a:ext cx="0" cy="0"/>
+          <a:chOff x="0" y="0"/>
+          <a:chExt cx="0" cy="0"/>
+        </a:xfrm>
+      </p:grpSpPr>
+      <p:sp>
+        <p:nvSpPr>
+          <p:cNvPr id="91" name="Google Shape;91;p2:notes"/>
+          <p:cNvSpPr txBox="1">
+            <a:spLocks noGrp="1"/>
+          </p:cNvSpPr>
+          <p:nvPr>
+            <p:ph type="body" idx="1"/>
+          </p:nvPr>
+        </p:nvSpPr>
+        <p:spPr>
+          <a:xfrm>
+            <a:off x="685800" y="4343400"/>
+            <a:ext cx="5486400" cy="4114800"/>
+          </a:xfrm>
+          <a:prstGeom prst="rect">
+            <a:avLst/>
+          </a:prstGeom>
+          <a:noFill/>
+          <a:ln>
+            <a:noFill/>
+          </a:ln>
+        </p:spPr>
+        <p:txBody>
+          <a:bodyPr spcFirstLastPara="1" wrap="square" lIns="91425" tIns="91425" rIns="91425" bIns="91425" anchor="t" anchorCtr="0">
+            <a:noAutofit/>
+          </a:bodyPr>
+          <a:lstStyle/>
+          <a:p>
+            <a:pPr marL="0" lvl="0" indent="0" algn="l" rtl="0">
+              <a:lnSpc>
+                <a:spcPct val="100000"/>
+              </a:lnSpc>
+              <a:spcBef>
+                <a:spcPts val="0"/>
+              </a:spcBef>
+              <a:spcAft>
+                <a:spcPts val="0"/>
+              </a:spcAft>
+              <a:buSzPts val="1100"/>
+              <a:buNone/>
+            </a:pPr>
+            <a:endParaRPr/>
+          </a:p>
+        </p:txBody>
+      </p:sp>
+      <p:sp>
+        <p:nvSpPr>
+          <p:cNvPr id="92" name="Google Shape;92;p2:notes"/>
+          <p:cNvSpPr>
+            <a:spLocks noGrp="1" noRot="1" noChangeAspect="1"/>
+          </p:cNvSpPr>
+          <p:nvPr>
+            <p:ph type="sldImg" idx="2"/>
+          </p:nvPr>
+        </p:nvSpPr>
+        <p:spPr>
+          <a:xfrm>
+            <a:off x="381000" y="685800"/>
+            <a:ext cx="6096000" cy="3429000"/>
+          </a:xfrm>
+          <a:custGeom>
+            <a:avLst/>
+            <a:gdLst/>
+            <a:ahLst/>
+            <a:cxnLst/>
+            <a:rect l="l" t="t" r="r" b="b"/>
+            <a:pathLst>
+              <a:path w="120000" h="120000" extrusionOk="0">
+                <a:moveTo>
+                  <a:pt x="0" y="0"/>
+                </a:moveTo>
+                <a:lnTo>
+                  <a:pt x="120000" y="0"/>
+                </a:lnTo>
+                <a:lnTo>
+                  <a:pt x="120000" y="120000"/>
+                </a:lnTo>
+                <a:lnTo>
+                  <a:pt x="0" y="120000"/>
+                </a:lnTo>
+                <a:close/>
+              </a:path>
+            </a:pathLst>
+          </a:custGeom>
+          <a:noFill/>
+          <a:ln w="9525" cap="flat" cmpd="sng">
+            <a:solidFill>
+              <a:srgbClr val="000000"/>
+            </a:solidFill>
+            <a:prstDash val="solid"/>
+            <a:round/>
+            <a:headEnd type="none" w="sm" len="sm"/>
+            <a:tailEnd type="none" w="sm" len="sm"/>
+          </a:ln>
+        </p:spPr>
+      </p:sp>
+    </p:spTree>
+    <p:extLst>
+      <p:ext uri="{BB962C8B-B14F-4D97-AF65-F5344CB8AC3E}">
+        <p14:creationId xmlns:p14="http://schemas.microsoft.com/office/powerpoint/2010/main" val="1118557800"/>
+      </p:ext>
+    </p:extLst>
+  </p:cSld>
+  <p:clrMapOvr>
+    <a:masterClrMapping/>
+  </p:clrMapOvr>
+</p:notes>
+</file>
+
+<file path=ppt/notesSlides/notesSlide6.xml><?xml version="1.0" encoding="utf-8"?>
+<p:notes xmlns:a="http://schemas.openxmlformats.org/drawingml/2006/main" xmlns:r="http://schemas.openxmlformats.org/officeDocument/2006/relationships" xmlns:p="http://schemas.openxmlformats.org/presentationml/2006/main" showMasterSp="0" showMasterPhAnim="0">
+  <p:cSld>
+    <p:spTree>
+      <p:nvGrpSpPr>
+        <p:cNvPr id="1" name="Shape 144"/>
+        <p:cNvGrpSpPr/>
+        <p:nvPr/>
+      </p:nvGrpSpPr>
+      <p:grpSpPr>
+        <a:xfrm>
+          <a:off x="0" y="0"/>
+          <a:ext cx="0" cy="0"/>
+          <a:chOff x="0" y="0"/>
+          <a:chExt cx="0" cy="0"/>
+        </a:xfrm>
+      </p:grpSpPr>
+      <p:sp>
+        <p:nvSpPr>
+          <p:cNvPr id="145" name="Google Shape;145;p11:notes"/>
+          <p:cNvSpPr txBox="1">
+            <a:spLocks noGrp="1"/>
+          </p:cNvSpPr>
+          <p:nvPr>
+            <p:ph type="body" idx="1"/>
+          </p:nvPr>
+        </p:nvSpPr>
+        <p:spPr>
+          <a:xfrm>
+            <a:off x="685800" y="4343400"/>
+            <a:ext cx="5486400" cy="4114800"/>
+          </a:xfrm>
+          <a:prstGeom prst="rect">
+            <a:avLst/>
+          </a:prstGeom>
+          <a:noFill/>
+          <a:ln>
+            <a:noFill/>
+          </a:ln>
+        </p:spPr>
+        <p:txBody>
+          <a:bodyPr spcFirstLastPara="1" wrap="square" lIns="91425" tIns="91425" rIns="91425" bIns="91425" anchor="t" anchorCtr="0">
+            <a:noAutofit/>
+          </a:bodyPr>
+          <a:lstStyle/>
+          <a:p>
+            <a:pPr marL="0" lvl="0" indent="0" algn="l" rtl="0">
+              <a:lnSpc>
+                <a:spcPct val="100000"/>
+              </a:lnSpc>
+              <a:spcBef>
+                <a:spcPts val="0"/>
+              </a:spcBef>
+              <a:spcAft>
+                <a:spcPts val="0"/>
+              </a:spcAft>
+              <a:buSzPts val="1100"/>
+              <a:buNone/>
+            </a:pPr>
+            <a:endParaRPr/>
+          </a:p>
+        </p:txBody>
+      </p:sp>
+      <p:sp>
+        <p:nvSpPr>
+          <p:cNvPr id="146" name="Google Shape;146;p11:notes"/>
+          <p:cNvSpPr>
+            <a:spLocks noGrp="1" noRot="1" noChangeAspect="1"/>
+          </p:cNvSpPr>
+          <p:nvPr>
+            <p:ph type="sldImg" idx="2"/>
+          </p:nvPr>
+        </p:nvSpPr>
+        <p:spPr>
+          <a:xfrm>
+            <a:off x="381000" y="685800"/>
+            <a:ext cx="6096000" cy="3429000"/>
+          </a:xfrm>
+          <a:custGeom>
+            <a:avLst/>
+            <a:gdLst/>
+            <a:ahLst/>
+            <a:cxnLst/>
+            <a:rect l="l" t="t" r="r" b="b"/>
+            <a:pathLst>
+              <a:path w="120000" h="120000" extrusionOk="0">
+                <a:moveTo>
+                  <a:pt x="0" y="0"/>
+                </a:moveTo>
+                <a:lnTo>
+                  <a:pt x="120000" y="0"/>
+                </a:lnTo>
+                <a:lnTo>
+                  <a:pt x="120000" y="120000"/>
+                </a:lnTo>
+                <a:lnTo>
+                  <a:pt x="0" y="120000"/>
+                </a:lnTo>
+                <a:close/>
+              </a:path>
+            </a:pathLst>
+          </a:custGeom>
+          <a:noFill/>
+          <a:ln w="9525" cap="flat" cmpd="sng">
+            <a:solidFill>
+              <a:srgbClr val="000000"/>
+            </a:solidFill>
+            <a:prstDash val="solid"/>
+            <a:round/>
+            <a:headEnd type="none" w="sm" len="sm"/>
+            <a:tailEnd type="none" w="sm" len="sm"/>
+          </a:ln>
+        </p:spPr>
+      </p:sp>
+    </p:spTree>
+  </p:cSld>
+  <p:clrMapOvr>
+    <a:masterClrMapping/>
+  </p:clrMapOvr>
+</p:notes>
+</file>
+
+<file path=ppt/notesSlides/notesSlide7.xml><?xml version="1.0" encoding="utf-8"?>
 <p:notes xmlns:a="http://schemas.openxmlformats.org/drawingml/2006/main" xmlns:r="http://schemas.openxmlformats.org/officeDocument/2006/relationships" xmlns:p="http://schemas.openxmlformats.org/presentationml/2006/main" showMasterSp="0" showMasterPhAnim="0">
   <p:cSld>
     <p:spTree>
@@ -1467,7 +2342,7 @@
 </p:notes>
 </file>
 
-<file path=ppt/notesSlides/notesSlide4.xml><?xml version="1.0" encoding="utf-8"?>
+<file path=ppt/notesSlides/notesSlide8.xml><?xml version="1.0" encoding="utf-8"?>
 <p:notes xmlns:a="http://schemas.openxmlformats.org/drawingml/2006/main" xmlns:r="http://schemas.openxmlformats.org/officeDocument/2006/relationships" xmlns:p="http://schemas.openxmlformats.org/presentationml/2006/main" showMasterSp="0" showMasterPhAnim="0">
   <p:cSld>
     <p:spTree>
@@ -1589,7 +2464,7 @@
 </p:notes>
 </file>
 
-<file path=ppt/notesSlides/notesSlide5.xml><?xml version="1.0" encoding="utf-8"?>
+<file path=ppt/notesSlides/notesSlide9.xml><?xml version="1.0" encoding="utf-8"?>
 <p:notes xmlns:a="http://schemas.openxmlformats.org/drawingml/2006/main" xmlns:r="http://schemas.openxmlformats.org/officeDocument/2006/relationships" xmlns:p="http://schemas.openxmlformats.org/presentationml/2006/main" showMasterSp="0" showMasterPhAnim="0">
   <p:cSld>
     <p:spTree>
@@ -1655,494 +2530,6 @@
       <p:sp>
         <p:nvSpPr>
           <p:cNvPr id="104" name="Google Shape;104;p4:notes"/>
-          <p:cNvSpPr>
-            <a:spLocks noGrp="1" noRot="1" noChangeAspect="1"/>
-          </p:cNvSpPr>
-          <p:nvPr>
-            <p:ph type="sldImg" idx="2"/>
-          </p:nvPr>
-        </p:nvSpPr>
-        <p:spPr>
-          <a:xfrm>
-            <a:off x="1143225" y="685800"/>
-            <a:ext cx="4572225" cy="3429000"/>
-          </a:xfrm>
-          <a:custGeom>
-            <a:avLst/>
-            <a:gdLst/>
-            <a:ahLst/>
-            <a:cxnLst/>
-            <a:rect l="l" t="t" r="r" b="b"/>
-            <a:pathLst>
-              <a:path w="120000" h="120000" extrusionOk="0">
-                <a:moveTo>
-                  <a:pt x="0" y="0"/>
-                </a:moveTo>
-                <a:lnTo>
-                  <a:pt x="120000" y="0"/>
-                </a:lnTo>
-                <a:lnTo>
-                  <a:pt x="120000" y="120000"/>
-                </a:lnTo>
-                <a:lnTo>
-                  <a:pt x="0" y="120000"/>
-                </a:lnTo>
-                <a:close/>
-              </a:path>
-            </a:pathLst>
-          </a:custGeom>
-          <a:noFill/>
-          <a:ln w="9525" cap="flat" cmpd="sng">
-            <a:solidFill>
-              <a:srgbClr val="000000"/>
-            </a:solidFill>
-            <a:prstDash val="solid"/>
-            <a:round/>
-            <a:headEnd type="none" w="sm" len="sm"/>
-            <a:tailEnd type="none" w="sm" len="sm"/>
-          </a:ln>
-        </p:spPr>
-      </p:sp>
-    </p:spTree>
-  </p:cSld>
-  <p:clrMapOvr>
-    <a:masterClrMapping/>
-  </p:clrMapOvr>
-</p:notes>
-</file>
-
-<file path=ppt/notesSlides/notesSlide6.xml><?xml version="1.0" encoding="utf-8"?>
-<p:notes xmlns:a="http://schemas.openxmlformats.org/drawingml/2006/main" xmlns:r="http://schemas.openxmlformats.org/officeDocument/2006/relationships" xmlns:p="http://schemas.openxmlformats.org/presentationml/2006/main" showMasterSp="0" showMasterPhAnim="0">
-  <p:cSld>
-    <p:spTree>
-      <p:nvGrpSpPr>
-        <p:cNvPr id="1" name="Shape 109"/>
-        <p:cNvGrpSpPr/>
-        <p:nvPr/>
-      </p:nvGrpSpPr>
-      <p:grpSpPr>
-        <a:xfrm>
-          <a:off x="0" y="0"/>
-          <a:ext cx="0" cy="0"/>
-          <a:chOff x="0" y="0"/>
-          <a:chExt cx="0" cy="0"/>
-        </a:xfrm>
-      </p:grpSpPr>
-      <p:sp>
-        <p:nvSpPr>
-          <p:cNvPr id="110" name="Google Shape;110;p5:notes"/>
-          <p:cNvSpPr txBox="1">
-            <a:spLocks noGrp="1"/>
-          </p:cNvSpPr>
-          <p:nvPr>
-            <p:ph type="body" idx="1"/>
-          </p:nvPr>
-        </p:nvSpPr>
-        <p:spPr>
-          <a:xfrm>
-            <a:off x="685800" y="4343400"/>
-            <a:ext cx="5486400" cy="4114800"/>
-          </a:xfrm>
-          <a:prstGeom prst="rect">
-            <a:avLst/>
-          </a:prstGeom>
-          <a:noFill/>
-          <a:ln>
-            <a:noFill/>
-          </a:ln>
-        </p:spPr>
-        <p:txBody>
-          <a:bodyPr spcFirstLastPara="1" wrap="square" lIns="91425" tIns="91425" rIns="91425" bIns="91425" anchor="t" anchorCtr="0">
-            <a:noAutofit/>
-          </a:bodyPr>
-          <a:lstStyle/>
-          <a:p>
-            <a:pPr marL="0" lvl="0" indent="0" algn="l" rtl="0">
-              <a:lnSpc>
-                <a:spcPct val="100000"/>
-              </a:lnSpc>
-              <a:spcBef>
-                <a:spcPts val="0"/>
-              </a:spcBef>
-              <a:spcAft>
-                <a:spcPts val="0"/>
-              </a:spcAft>
-              <a:buSzPts val="1100"/>
-              <a:buNone/>
-            </a:pPr>
-            <a:endParaRPr/>
-          </a:p>
-        </p:txBody>
-      </p:sp>
-      <p:sp>
-        <p:nvSpPr>
-          <p:cNvPr id="111" name="Google Shape;111;p5:notes"/>
-          <p:cNvSpPr>
-            <a:spLocks noGrp="1" noRot="1" noChangeAspect="1"/>
-          </p:cNvSpPr>
-          <p:nvPr>
-            <p:ph type="sldImg" idx="2"/>
-          </p:nvPr>
-        </p:nvSpPr>
-        <p:spPr>
-          <a:xfrm>
-            <a:off x="1143225" y="685800"/>
-            <a:ext cx="4572225" cy="3429000"/>
-          </a:xfrm>
-          <a:custGeom>
-            <a:avLst/>
-            <a:gdLst/>
-            <a:ahLst/>
-            <a:cxnLst/>
-            <a:rect l="l" t="t" r="r" b="b"/>
-            <a:pathLst>
-              <a:path w="120000" h="120000" extrusionOk="0">
-                <a:moveTo>
-                  <a:pt x="0" y="0"/>
-                </a:moveTo>
-                <a:lnTo>
-                  <a:pt x="120000" y="0"/>
-                </a:lnTo>
-                <a:lnTo>
-                  <a:pt x="120000" y="120000"/>
-                </a:lnTo>
-                <a:lnTo>
-                  <a:pt x="0" y="120000"/>
-                </a:lnTo>
-                <a:close/>
-              </a:path>
-            </a:pathLst>
-          </a:custGeom>
-          <a:noFill/>
-          <a:ln w="9525" cap="flat" cmpd="sng">
-            <a:solidFill>
-              <a:srgbClr val="000000"/>
-            </a:solidFill>
-            <a:prstDash val="solid"/>
-            <a:round/>
-            <a:headEnd type="none" w="sm" len="sm"/>
-            <a:tailEnd type="none" w="sm" len="sm"/>
-          </a:ln>
-        </p:spPr>
-      </p:sp>
-    </p:spTree>
-  </p:cSld>
-  <p:clrMapOvr>
-    <a:masterClrMapping/>
-  </p:clrMapOvr>
-</p:notes>
-</file>
-
-<file path=ppt/notesSlides/notesSlide7.xml><?xml version="1.0" encoding="utf-8"?>
-<p:notes xmlns:a="http://schemas.openxmlformats.org/drawingml/2006/main" xmlns:r="http://schemas.openxmlformats.org/officeDocument/2006/relationships" xmlns:p="http://schemas.openxmlformats.org/presentationml/2006/main" showMasterSp="0" showMasterPhAnim="0">
-  <p:cSld>
-    <p:spTree>
-      <p:nvGrpSpPr>
-        <p:cNvPr id="1" name="Shape 116"/>
-        <p:cNvGrpSpPr/>
-        <p:nvPr/>
-      </p:nvGrpSpPr>
-      <p:grpSpPr>
-        <a:xfrm>
-          <a:off x="0" y="0"/>
-          <a:ext cx="0" cy="0"/>
-          <a:chOff x="0" y="0"/>
-          <a:chExt cx="0" cy="0"/>
-        </a:xfrm>
-      </p:grpSpPr>
-      <p:sp>
-        <p:nvSpPr>
-          <p:cNvPr id="117" name="Google Shape;117;p6:notes"/>
-          <p:cNvSpPr txBox="1">
-            <a:spLocks noGrp="1"/>
-          </p:cNvSpPr>
-          <p:nvPr>
-            <p:ph type="body" idx="1"/>
-          </p:nvPr>
-        </p:nvSpPr>
-        <p:spPr>
-          <a:xfrm>
-            <a:off x="685800" y="4343400"/>
-            <a:ext cx="5486400" cy="4114800"/>
-          </a:xfrm>
-          <a:prstGeom prst="rect">
-            <a:avLst/>
-          </a:prstGeom>
-          <a:noFill/>
-          <a:ln>
-            <a:noFill/>
-          </a:ln>
-        </p:spPr>
-        <p:txBody>
-          <a:bodyPr spcFirstLastPara="1" wrap="square" lIns="91425" tIns="91425" rIns="91425" bIns="91425" anchor="t" anchorCtr="0">
-            <a:noAutofit/>
-          </a:bodyPr>
-          <a:lstStyle/>
-          <a:p>
-            <a:pPr marL="0" lvl="0" indent="0" algn="l" rtl="0">
-              <a:lnSpc>
-                <a:spcPct val="100000"/>
-              </a:lnSpc>
-              <a:spcBef>
-                <a:spcPts val="0"/>
-              </a:spcBef>
-              <a:spcAft>
-                <a:spcPts val="0"/>
-              </a:spcAft>
-              <a:buSzPts val="1100"/>
-              <a:buNone/>
-            </a:pPr>
-            <a:endParaRPr/>
-          </a:p>
-        </p:txBody>
-      </p:sp>
-      <p:sp>
-        <p:nvSpPr>
-          <p:cNvPr id="118" name="Google Shape;118;p6:notes"/>
-          <p:cNvSpPr>
-            <a:spLocks noGrp="1" noRot="1" noChangeAspect="1"/>
-          </p:cNvSpPr>
-          <p:nvPr>
-            <p:ph type="sldImg" idx="2"/>
-          </p:nvPr>
-        </p:nvSpPr>
-        <p:spPr>
-          <a:xfrm>
-            <a:off x="1143225" y="685800"/>
-            <a:ext cx="4572225" cy="3429000"/>
-          </a:xfrm>
-          <a:custGeom>
-            <a:avLst/>
-            <a:gdLst/>
-            <a:ahLst/>
-            <a:cxnLst/>
-            <a:rect l="l" t="t" r="r" b="b"/>
-            <a:pathLst>
-              <a:path w="120000" h="120000" extrusionOk="0">
-                <a:moveTo>
-                  <a:pt x="0" y="0"/>
-                </a:moveTo>
-                <a:lnTo>
-                  <a:pt x="120000" y="0"/>
-                </a:lnTo>
-                <a:lnTo>
-                  <a:pt x="120000" y="120000"/>
-                </a:lnTo>
-                <a:lnTo>
-                  <a:pt x="0" y="120000"/>
-                </a:lnTo>
-                <a:close/>
-              </a:path>
-            </a:pathLst>
-          </a:custGeom>
-          <a:noFill/>
-          <a:ln w="9525" cap="flat" cmpd="sng">
-            <a:solidFill>
-              <a:srgbClr val="000000"/>
-            </a:solidFill>
-            <a:prstDash val="solid"/>
-            <a:round/>
-            <a:headEnd type="none" w="sm" len="sm"/>
-            <a:tailEnd type="none" w="sm" len="sm"/>
-          </a:ln>
-        </p:spPr>
-      </p:sp>
-    </p:spTree>
-  </p:cSld>
-  <p:clrMapOvr>
-    <a:masterClrMapping/>
-  </p:clrMapOvr>
-</p:notes>
-</file>
-
-<file path=ppt/notesSlides/notesSlide8.xml><?xml version="1.0" encoding="utf-8"?>
-<p:notes xmlns:a="http://schemas.openxmlformats.org/drawingml/2006/main" xmlns:r="http://schemas.openxmlformats.org/officeDocument/2006/relationships" xmlns:p="http://schemas.openxmlformats.org/presentationml/2006/main" showMasterSp="0" showMasterPhAnim="0">
-  <p:cSld>
-    <p:spTree>
-      <p:nvGrpSpPr>
-        <p:cNvPr id="1" name="Shape 123"/>
-        <p:cNvGrpSpPr/>
-        <p:nvPr/>
-      </p:nvGrpSpPr>
-      <p:grpSpPr>
-        <a:xfrm>
-          <a:off x="0" y="0"/>
-          <a:ext cx="0" cy="0"/>
-          <a:chOff x="0" y="0"/>
-          <a:chExt cx="0" cy="0"/>
-        </a:xfrm>
-      </p:grpSpPr>
-      <p:sp>
-        <p:nvSpPr>
-          <p:cNvPr id="124" name="Google Shape;124;p7:notes"/>
-          <p:cNvSpPr txBox="1">
-            <a:spLocks noGrp="1"/>
-          </p:cNvSpPr>
-          <p:nvPr>
-            <p:ph type="body" idx="1"/>
-          </p:nvPr>
-        </p:nvSpPr>
-        <p:spPr>
-          <a:xfrm>
-            <a:off x="685800" y="4343400"/>
-            <a:ext cx="5486400" cy="4114800"/>
-          </a:xfrm>
-          <a:prstGeom prst="rect">
-            <a:avLst/>
-          </a:prstGeom>
-          <a:noFill/>
-          <a:ln>
-            <a:noFill/>
-          </a:ln>
-        </p:spPr>
-        <p:txBody>
-          <a:bodyPr spcFirstLastPara="1" wrap="square" lIns="91425" tIns="91425" rIns="91425" bIns="91425" anchor="t" anchorCtr="0">
-            <a:noAutofit/>
-          </a:bodyPr>
-          <a:lstStyle/>
-          <a:p>
-            <a:pPr marL="0" lvl="0" indent="0" algn="l" rtl="0">
-              <a:lnSpc>
-                <a:spcPct val="100000"/>
-              </a:lnSpc>
-              <a:spcBef>
-                <a:spcPts val="0"/>
-              </a:spcBef>
-              <a:spcAft>
-                <a:spcPts val="0"/>
-              </a:spcAft>
-              <a:buSzPts val="1100"/>
-              <a:buNone/>
-            </a:pPr>
-            <a:endParaRPr/>
-          </a:p>
-        </p:txBody>
-      </p:sp>
-      <p:sp>
-        <p:nvSpPr>
-          <p:cNvPr id="125" name="Google Shape;125;p7:notes"/>
-          <p:cNvSpPr>
-            <a:spLocks noGrp="1" noRot="1" noChangeAspect="1"/>
-          </p:cNvSpPr>
-          <p:nvPr>
-            <p:ph type="sldImg" idx="2"/>
-          </p:nvPr>
-        </p:nvSpPr>
-        <p:spPr>
-          <a:xfrm>
-            <a:off x="1143225" y="685800"/>
-            <a:ext cx="4572225" cy="3429000"/>
-          </a:xfrm>
-          <a:custGeom>
-            <a:avLst/>
-            <a:gdLst/>
-            <a:ahLst/>
-            <a:cxnLst/>
-            <a:rect l="l" t="t" r="r" b="b"/>
-            <a:pathLst>
-              <a:path w="120000" h="120000" extrusionOk="0">
-                <a:moveTo>
-                  <a:pt x="0" y="0"/>
-                </a:moveTo>
-                <a:lnTo>
-                  <a:pt x="120000" y="0"/>
-                </a:lnTo>
-                <a:lnTo>
-                  <a:pt x="120000" y="120000"/>
-                </a:lnTo>
-                <a:lnTo>
-                  <a:pt x="0" y="120000"/>
-                </a:lnTo>
-                <a:close/>
-              </a:path>
-            </a:pathLst>
-          </a:custGeom>
-          <a:noFill/>
-          <a:ln w="9525" cap="flat" cmpd="sng">
-            <a:solidFill>
-              <a:srgbClr val="000000"/>
-            </a:solidFill>
-            <a:prstDash val="solid"/>
-            <a:round/>
-            <a:headEnd type="none" w="sm" len="sm"/>
-            <a:tailEnd type="none" w="sm" len="sm"/>
-          </a:ln>
-        </p:spPr>
-      </p:sp>
-    </p:spTree>
-  </p:cSld>
-  <p:clrMapOvr>
-    <a:masterClrMapping/>
-  </p:clrMapOvr>
-</p:notes>
-</file>
-
-<file path=ppt/notesSlides/notesSlide9.xml><?xml version="1.0" encoding="utf-8"?>
-<p:notes xmlns:a="http://schemas.openxmlformats.org/drawingml/2006/main" xmlns:r="http://schemas.openxmlformats.org/officeDocument/2006/relationships" xmlns:p="http://schemas.openxmlformats.org/presentationml/2006/main" showMasterSp="0" showMasterPhAnim="0">
-  <p:cSld>
-    <p:spTree>
-      <p:nvGrpSpPr>
-        <p:cNvPr id="1" name="Shape 131"/>
-        <p:cNvGrpSpPr/>
-        <p:nvPr/>
-      </p:nvGrpSpPr>
-      <p:grpSpPr>
-        <a:xfrm>
-          <a:off x="0" y="0"/>
-          <a:ext cx="0" cy="0"/>
-          <a:chOff x="0" y="0"/>
-          <a:chExt cx="0" cy="0"/>
-        </a:xfrm>
-      </p:grpSpPr>
-      <p:sp>
-        <p:nvSpPr>
-          <p:cNvPr id="132" name="Google Shape;132;p8:notes"/>
-          <p:cNvSpPr txBox="1">
-            <a:spLocks noGrp="1"/>
-          </p:cNvSpPr>
-          <p:nvPr>
-            <p:ph type="body" idx="1"/>
-          </p:nvPr>
-        </p:nvSpPr>
-        <p:spPr>
-          <a:xfrm>
-            <a:off x="685800" y="4343400"/>
-            <a:ext cx="5486400" cy="4114800"/>
-          </a:xfrm>
-          <a:prstGeom prst="rect">
-            <a:avLst/>
-          </a:prstGeom>
-          <a:noFill/>
-          <a:ln>
-            <a:noFill/>
-          </a:ln>
-        </p:spPr>
-        <p:txBody>
-          <a:bodyPr spcFirstLastPara="1" wrap="square" lIns="91425" tIns="91425" rIns="91425" bIns="91425" anchor="t" anchorCtr="0">
-            <a:noAutofit/>
-          </a:bodyPr>
-          <a:lstStyle/>
-          <a:p>
-            <a:pPr marL="0" lvl="0" indent="0" algn="l" rtl="0">
-              <a:lnSpc>
-                <a:spcPct val="100000"/>
-              </a:lnSpc>
-              <a:spcBef>
-                <a:spcPts val="0"/>
-              </a:spcBef>
-              <a:spcAft>
-                <a:spcPts val="0"/>
-              </a:spcAft>
-              <a:buSzPts val="1100"/>
-              <a:buNone/>
-            </a:pPr>
-            <a:endParaRPr/>
-          </a:p>
-        </p:txBody>
-      </p:sp>
-      <p:sp>
-        <p:nvSpPr>
-          <p:cNvPr id="133" name="Google Shape;133;p8:notes"/>
           <p:cNvSpPr>
             <a:spLocks noGrp="1" noRot="1" noChangeAspect="1"/>
           </p:cNvSpPr>
@@ -15859,7 +16246,7 @@
         </p:blipFill>
         <p:spPr>
           <a:xfrm>
-            <a:off x="0" y="9832"/>
+            <a:off x="0" y="47540"/>
             <a:ext cx="12192000" cy="6858000"/>
           </a:xfrm>
           <a:prstGeom prst="rect">
@@ -16020,7 +16407,7 @@
               <a:buNone/>
             </a:pPr>
             <a:r>
-              <a:rPr lang="en-US" sz="7200" b="0" i="0" u="none" strike="noStrike" cap="none">
+              <a:rPr lang="en-US" sz="7200" b="0" i="0" u="none" strike="noStrike" cap="none" dirty="0">
                 <a:solidFill>
                   <a:schemeClr val="dk1"/>
                 </a:solidFill>
@@ -16032,7 +16419,7 @@
               <a:t>COVID-19</a:t>
             </a:r>
             <a:br>
-              <a:rPr lang="en-US" sz="7200" b="0" i="0" u="none" strike="noStrike" cap="none">
+              <a:rPr lang="en-US" sz="7200" b="0" i="0" u="none" strike="noStrike" cap="none" dirty="0">
                 <a:solidFill>
                   <a:schemeClr val="dk1"/>
                 </a:solidFill>
@@ -16043,7 +16430,7 @@
               </a:rPr>
             </a:br>
             <a:r>
-              <a:rPr lang="en-US" sz="7200" b="0" i="0" u="none" strike="noStrike" cap="none">
+              <a:rPr lang="en-US" sz="7200" b="0" i="0" u="none" strike="noStrike" cap="none" dirty="0">
                 <a:solidFill>
                   <a:schemeClr val="dk1"/>
                 </a:solidFill>
@@ -16054,7 +16441,7 @@
               </a:rPr>
               <a:t>Risk Calculator</a:t>
             </a:r>
-            <a:endParaRPr sz="1400" b="0" i="0" u="none" strike="noStrike" cap="none">
+            <a:endParaRPr sz="1400" b="0" i="0" u="none" strike="noStrike" cap="none" dirty="0">
               <a:solidFill>
                 <a:srgbClr val="000000"/>
               </a:solidFill>
@@ -16087,7 +16474,7 @@
         </p:spPr>
         <p:txBody>
           <a:bodyPr spcFirstLastPara="1" wrap="square" lIns="91425" tIns="0" rIns="91425" bIns="45700" anchor="b" anchorCtr="0">
-            <a:normAutofit fontScale="32500" lnSpcReduction="20000"/>
+            <a:normAutofit fontScale="25000" lnSpcReduction="20000"/>
           </a:bodyPr>
           <a:lstStyle/>
           <a:p>
@@ -16108,7 +16495,7 @@
               <a:buFont typeface="Noto Sans Symbols"/>
               <a:buNone/>
             </a:pPr>
-            <a:endParaRPr sz="450" b="0" i="0" u="none" strike="noStrike" cap="none">
+            <a:endParaRPr sz="450" b="0" i="0" u="none" strike="noStrike" cap="none" dirty="0">
               <a:solidFill>
                 <a:schemeClr val="dk1"/>
               </a:solidFill>
@@ -16136,7 +16523,7 @@
               <a:buFont typeface="Noto Sans Symbols"/>
               <a:buNone/>
             </a:pPr>
-            <a:endParaRPr sz="450" b="0" i="0" u="none" strike="noStrike" cap="none">
+            <a:endParaRPr sz="7400" b="0" i="0" u="none" strike="noStrike" cap="none" dirty="0">
               <a:solidFill>
                 <a:schemeClr val="dk1"/>
               </a:solidFill>
@@ -16165,7 +16552,7 @@
               <a:buNone/>
             </a:pPr>
             <a:r>
-              <a:rPr lang="en-US" sz="1800" b="0" i="0" u="none" strike="noStrike" cap="none">
+              <a:rPr lang="en-US" sz="7400" b="0" i="0" u="none" strike="noStrike" cap="none" dirty="0">
                 <a:solidFill>
                   <a:schemeClr val="dk1"/>
                 </a:solidFill>
@@ -16175,6 +16562,567 @@
                 <a:sym typeface="Oswald"/>
               </a:rPr>
               <a:t>By: Michael Becker, Leo Huang, Aukje Rijpkema, Joseph Yi</a:t>
+            </a:r>
+            <a:endParaRPr sz="7400" b="0" i="0" u="none" strike="noStrike" cap="none" dirty="0">
+              <a:solidFill>
+                <a:srgbClr val="000000"/>
+              </a:solidFill>
+              <a:latin typeface="Arial"/>
+              <a:ea typeface="Arial"/>
+              <a:cs typeface="Arial"/>
+              <a:sym typeface="Arial"/>
+            </a:endParaRPr>
+          </a:p>
+        </p:txBody>
+      </p:sp>
+    </p:spTree>
+  </p:cSld>
+  <p:clrMapOvr>
+    <a:masterClrMapping/>
+  </p:clrMapOvr>
+</p:sld>
+</file>
+
+<file path=ppt/slides/slide10.xml><?xml version="1.0" encoding="utf-8"?>
+<p:sld xmlns:a="http://schemas.openxmlformats.org/drawingml/2006/main" xmlns:r="http://schemas.openxmlformats.org/officeDocument/2006/relationships" xmlns:p="http://schemas.openxmlformats.org/presentationml/2006/main">
+  <p:cSld>
+    <p:bg>
+      <p:bgPr>
+        <a:solidFill>
+          <a:schemeClr val="lt1"/>
+        </a:solidFill>
+        <a:effectLst/>
+      </p:bgPr>
+    </p:bg>
+    <p:spTree>
+      <p:nvGrpSpPr>
+        <p:cNvPr id="1" name="Shape 112"/>
+        <p:cNvGrpSpPr/>
+        <p:nvPr/>
+      </p:nvGrpSpPr>
+      <p:grpSpPr>
+        <a:xfrm>
+          <a:off x="0" y="0"/>
+          <a:ext cx="0" cy="0"/>
+          <a:chOff x="0" y="0"/>
+          <a:chExt cx="0" cy="0"/>
+        </a:xfrm>
+      </p:grpSpPr>
+      <p:pic>
+        <p:nvPicPr>
+          <p:cNvPr id="113" name="Google Shape;113;p5" descr="A close up of a person&#10;&#10;Description automatically generated"/>
+          <p:cNvPicPr preferRelativeResize="0"/>
+          <p:nvPr/>
+        </p:nvPicPr>
+        <p:blipFill rotWithShape="1">
+          <a:blip r:embed="rId3">
+            <a:alphaModFix/>
+          </a:blip>
+          <a:srcRect/>
+          <a:stretch/>
+        </p:blipFill>
+        <p:spPr>
+          <a:xfrm>
+            <a:off x="0" y="0"/>
+            <a:ext cx="12192000" cy="6858000"/>
+          </a:xfrm>
+          <a:prstGeom prst="rect">
+            <a:avLst/>
+          </a:prstGeom>
+          <a:noFill/>
+          <a:ln>
+            <a:noFill/>
+          </a:ln>
+        </p:spPr>
+      </p:pic>
+      <p:sp>
+        <p:nvSpPr>
+          <p:cNvPr id="114" name="Google Shape;114;p5"/>
+          <p:cNvSpPr txBox="1">
+            <a:spLocks noGrp="1"/>
+          </p:cNvSpPr>
+          <p:nvPr>
+            <p:ph type="title"/>
+          </p:nvPr>
+        </p:nvSpPr>
+        <p:spPr>
+          <a:xfrm>
+            <a:off x="838200" y="365125"/>
+            <a:ext cx="10515600" cy="1325563"/>
+          </a:xfrm>
+          <a:prstGeom prst="rect">
+            <a:avLst/>
+          </a:prstGeom>
+          <a:noFill/>
+          <a:ln>
+            <a:noFill/>
+          </a:ln>
+        </p:spPr>
+        <p:txBody>
+          <a:bodyPr spcFirstLastPara="1" wrap="square" lIns="91425" tIns="45700" rIns="91425" bIns="45700" anchor="ctr" anchorCtr="0">
+            <a:normAutofit/>
+          </a:bodyPr>
+          <a:lstStyle/>
+          <a:p>
+            <a:pPr marL="0" lvl="0" indent="0" algn="l" rtl="0">
+              <a:lnSpc>
+                <a:spcPct val="90000"/>
+              </a:lnSpc>
+              <a:spcBef>
+                <a:spcPts val="0"/>
+              </a:spcBef>
+              <a:spcAft>
+                <a:spcPts val="0"/>
+              </a:spcAft>
+              <a:buClr>
+                <a:schemeClr val="dk1"/>
+              </a:buClr>
+              <a:buSzPts val="4400"/>
+              <a:buFont typeface="Oswald"/>
+              <a:buNone/>
+            </a:pPr>
+            <a:r>
+              <a:rPr lang="en-US">
+                <a:latin typeface="Oswald"/>
+                <a:ea typeface="Oswald"/>
+                <a:cs typeface="Oswald"/>
+                <a:sym typeface="Oswald"/>
+              </a:rPr>
+              <a:t>Application Functionality: Risk Calculator Page</a:t>
+            </a:r>
+            <a:endParaRPr/>
+          </a:p>
+        </p:txBody>
+      </p:sp>
+      <p:sp>
+        <p:nvSpPr>
+          <p:cNvPr id="115" name="Google Shape;115;p5"/>
+          <p:cNvSpPr/>
+          <p:nvPr/>
+        </p:nvSpPr>
+        <p:spPr>
+          <a:xfrm>
+            <a:off x="838200" y="1690688"/>
+            <a:ext cx="10172700" cy="4832092"/>
+          </a:xfrm>
+          <a:prstGeom prst="rect">
+            <a:avLst/>
+          </a:prstGeom>
+          <a:noFill/>
+          <a:ln>
+            <a:noFill/>
+          </a:ln>
+        </p:spPr>
+        <p:txBody>
+          <a:bodyPr spcFirstLastPara="1" wrap="square" lIns="91425" tIns="45700" rIns="91425" bIns="45700" anchor="t" anchorCtr="0">
+            <a:spAutoFit/>
+          </a:bodyPr>
+          <a:lstStyle/>
+          <a:p>
+            <a:pPr marL="0" marR="0" lvl="0" indent="0" algn="l" rtl="0">
+              <a:lnSpc>
+                <a:spcPct val="100000"/>
+              </a:lnSpc>
+              <a:spcBef>
+                <a:spcPts val="0"/>
+              </a:spcBef>
+              <a:spcAft>
+                <a:spcPts val="0"/>
+              </a:spcAft>
+              <a:buClr>
+                <a:srgbClr val="000000"/>
+              </a:buClr>
+              <a:buSzPts val="2800"/>
+              <a:buFont typeface="Arial"/>
+              <a:buNone/>
+            </a:pPr>
+            <a:r>
+              <a:rPr lang="en-US" sz="2800" b="0" i="0" u="none" strike="noStrike" cap="none">
+                <a:solidFill>
+                  <a:schemeClr val="dk1"/>
+                </a:solidFill>
+                <a:latin typeface="Oswald"/>
+                <a:ea typeface="Oswald"/>
+                <a:cs typeface="Oswald"/>
+                <a:sym typeface="Oswald"/>
+              </a:rPr>
+              <a:t>Python ETL: Data from 2 early datasources:</a:t>
+            </a:r>
+            <a:endParaRPr sz="1400" b="0" i="0" u="none" strike="noStrike" cap="none">
+              <a:solidFill>
+                <a:srgbClr val="000000"/>
+              </a:solidFill>
+              <a:latin typeface="Arial"/>
+              <a:ea typeface="Arial"/>
+              <a:cs typeface="Arial"/>
+              <a:sym typeface="Arial"/>
+            </a:endParaRPr>
+          </a:p>
+          <a:p>
+            <a:pPr marL="0" marR="0" lvl="0" indent="0" algn="l" rtl="0">
+              <a:lnSpc>
+                <a:spcPct val="100000"/>
+              </a:lnSpc>
+              <a:spcBef>
+                <a:spcPts val="0"/>
+              </a:spcBef>
+              <a:spcAft>
+                <a:spcPts val="0"/>
+              </a:spcAft>
+              <a:buClr>
+                <a:srgbClr val="000000"/>
+              </a:buClr>
+              <a:buSzPts val="2800"/>
+              <a:buFont typeface="Arial"/>
+              <a:buNone/>
+            </a:pPr>
+            <a:r>
+              <a:rPr lang="en-US" sz="2800" b="0" i="0" u="none" strike="noStrike" cap="none">
+                <a:solidFill>
+                  <a:schemeClr val="dk1"/>
+                </a:solidFill>
+                <a:latin typeface="Oswald"/>
+                <a:ea typeface="Oswald"/>
+                <a:cs typeface="Oswald"/>
+                <a:sym typeface="Oswald"/>
+              </a:rPr>
+              <a:t> 	~1000 closed cases (mostly hospitalizations + death)</a:t>
+            </a:r>
+            <a:endParaRPr sz="1400" b="0" i="0" u="none" strike="noStrike" cap="none">
+              <a:solidFill>
+                <a:srgbClr val="000000"/>
+              </a:solidFill>
+              <a:latin typeface="Arial"/>
+              <a:ea typeface="Arial"/>
+              <a:cs typeface="Arial"/>
+              <a:sym typeface="Arial"/>
+            </a:endParaRPr>
+          </a:p>
+          <a:p>
+            <a:pPr marL="0" marR="0" lvl="0" indent="0" algn="l" rtl="0">
+              <a:lnSpc>
+                <a:spcPct val="100000"/>
+              </a:lnSpc>
+              <a:spcBef>
+                <a:spcPts val="0"/>
+              </a:spcBef>
+              <a:spcAft>
+                <a:spcPts val="0"/>
+              </a:spcAft>
+              <a:buClr>
+                <a:srgbClr val="000000"/>
+              </a:buClr>
+              <a:buSzPts val="2800"/>
+              <a:buFont typeface="Arial"/>
+              <a:buNone/>
+            </a:pPr>
+            <a:r>
+              <a:rPr lang="en-US" sz="2800" b="0" i="0" u="none" strike="noStrike" cap="none">
+                <a:solidFill>
+                  <a:schemeClr val="dk1"/>
+                </a:solidFill>
+                <a:latin typeface="Oswald"/>
+                <a:ea typeface="Oswald"/>
+                <a:cs typeface="Oswald"/>
+                <a:sym typeface="Oswald"/>
+              </a:rPr>
+              <a:t>	~ 14000 open cases (tested positive but never reported back)</a:t>
+            </a:r>
+            <a:endParaRPr sz="1400" b="0" i="0" u="none" strike="noStrike" cap="none">
+              <a:solidFill>
+                <a:srgbClr val="000000"/>
+              </a:solidFill>
+              <a:latin typeface="Arial"/>
+              <a:ea typeface="Arial"/>
+              <a:cs typeface="Arial"/>
+              <a:sym typeface="Arial"/>
+            </a:endParaRPr>
+          </a:p>
+          <a:p>
+            <a:pPr marL="0" marR="0" lvl="0" indent="0" algn="l" rtl="0">
+              <a:lnSpc>
+                <a:spcPct val="100000"/>
+              </a:lnSpc>
+              <a:spcBef>
+                <a:spcPts val="0"/>
+              </a:spcBef>
+              <a:spcAft>
+                <a:spcPts val="0"/>
+              </a:spcAft>
+              <a:buClr>
+                <a:srgbClr val="000000"/>
+              </a:buClr>
+              <a:buSzPts val="2800"/>
+              <a:buFont typeface="Arial"/>
+              <a:buNone/>
+            </a:pPr>
+            <a:endParaRPr sz="2800" b="0" i="0" u="none" strike="noStrike" cap="none">
+              <a:solidFill>
+                <a:schemeClr val="dk1"/>
+              </a:solidFill>
+              <a:latin typeface="Oswald"/>
+              <a:ea typeface="Oswald"/>
+              <a:cs typeface="Oswald"/>
+              <a:sym typeface="Oswald"/>
+            </a:endParaRPr>
+          </a:p>
+          <a:p>
+            <a:pPr marL="0" marR="0" lvl="0" indent="0" algn="l" rtl="0">
+              <a:lnSpc>
+                <a:spcPct val="100000"/>
+              </a:lnSpc>
+              <a:spcBef>
+                <a:spcPts val="0"/>
+              </a:spcBef>
+              <a:spcAft>
+                <a:spcPts val="0"/>
+              </a:spcAft>
+              <a:buClr>
+                <a:srgbClr val="000000"/>
+              </a:buClr>
+              <a:buSzPts val="2800"/>
+              <a:buFont typeface="Arial"/>
+              <a:buNone/>
+            </a:pPr>
+            <a:r>
+              <a:rPr lang="en-US" sz="2800" b="0" i="0" u="none" strike="noStrike" cap="none">
+                <a:solidFill>
+                  <a:schemeClr val="dk1"/>
+                </a:solidFill>
+                <a:latin typeface="Oswald"/>
+                <a:ea typeface="Oswald"/>
+                <a:cs typeface="Oswald"/>
+                <a:sym typeface="Oswald"/>
+              </a:rPr>
+              <a:t>SQL: Data cleanup / reformatting to make consistent reporting possible</a:t>
+            </a:r>
+            <a:endParaRPr sz="1400" b="0" i="0" u="none" strike="noStrike" cap="none">
+              <a:solidFill>
+                <a:srgbClr val="000000"/>
+              </a:solidFill>
+              <a:latin typeface="Arial"/>
+              <a:ea typeface="Arial"/>
+              <a:cs typeface="Arial"/>
+              <a:sym typeface="Arial"/>
+            </a:endParaRPr>
+          </a:p>
+          <a:p>
+            <a:pPr marL="0" marR="0" lvl="0" indent="0" algn="l" rtl="0">
+              <a:lnSpc>
+                <a:spcPct val="100000"/>
+              </a:lnSpc>
+              <a:spcBef>
+                <a:spcPts val="0"/>
+              </a:spcBef>
+              <a:spcAft>
+                <a:spcPts val="0"/>
+              </a:spcAft>
+              <a:buClr>
+                <a:srgbClr val="000000"/>
+              </a:buClr>
+              <a:buSzPts val="2800"/>
+              <a:buFont typeface="Arial"/>
+              <a:buNone/>
+            </a:pPr>
+            <a:endParaRPr sz="2800" b="0" i="0" u="none" strike="noStrike" cap="none">
+              <a:solidFill>
+                <a:schemeClr val="dk1"/>
+              </a:solidFill>
+              <a:latin typeface="Oswald"/>
+              <a:ea typeface="Oswald"/>
+              <a:cs typeface="Oswald"/>
+              <a:sym typeface="Oswald"/>
+            </a:endParaRPr>
+          </a:p>
+          <a:p>
+            <a:pPr marL="0" marR="0" lvl="0" indent="0" algn="l" rtl="0">
+              <a:lnSpc>
+                <a:spcPct val="100000"/>
+              </a:lnSpc>
+              <a:spcBef>
+                <a:spcPts val="0"/>
+              </a:spcBef>
+              <a:spcAft>
+                <a:spcPts val="0"/>
+              </a:spcAft>
+              <a:buClr>
+                <a:srgbClr val="000000"/>
+              </a:buClr>
+              <a:buSzPts val="2800"/>
+              <a:buFont typeface="Arial"/>
+              <a:buNone/>
+            </a:pPr>
+            <a:r>
+              <a:rPr lang="en-US" sz="2800" b="0" i="0" u="none" strike="noStrike" cap="none">
+                <a:solidFill>
+                  <a:schemeClr val="dk1"/>
+                </a:solidFill>
+                <a:latin typeface="Oswald"/>
+                <a:ea typeface="Oswald"/>
+                <a:cs typeface="Oswald"/>
+                <a:sym typeface="Oswald"/>
+              </a:rPr>
+              <a:t>Python 4 Machine Learning models created and saved </a:t>
+            </a:r>
+            <a:endParaRPr sz="1400" b="0" i="0" u="none" strike="noStrike" cap="none">
+              <a:solidFill>
+                <a:srgbClr val="000000"/>
+              </a:solidFill>
+              <a:latin typeface="Arial"/>
+              <a:ea typeface="Arial"/>
+              <a:cs typeface="Arial"/>
+              <a:sym typeface="Arial"/>
+            </a:endParaRPr>
+          </a:p>
+          <a:p>
+            <a:pPr marL="0" marR="0" lvl="0" indent="0" algn="l" rtl="0">
+              <a:lnSpc>
+                <a:spcPct val="100000"/>
+              </a:lnSpc>
+              <a:spcBef>
+                <a:spcPts val="0"/>
+              </a:spcBef>
+              <a:spcAft>
+                <a:spcPts val="0"/>
+              </a:spcAft>
+              <a:buClr>
+                <a:srgbClr val="000000"/>
+              </a:buClr>
+              <a:buSzPts val="2800"/>
+              <a:buFont typeface="Arial"/>
+              <a:buNone/>
+            </a:pPr>
+            <a:r>
+              <a:rPr lang="en-US" sz="2800" b="0" i="0" u="none" strike="noStrike" cap="none">
+                <a:solidFill>
+                  <a:schemeClr val="dk1"/>
+                </a:solidFill>
+                <a:latin typeface="Oswald"/>
+                <a:ea typeface="Oswald"/>
+                <a:cs typeface="Oswald"/>
+                <a:sym typeface="Oswald"/>
+              </a:rPr>
+              <a:t>	Decision Tree</a:t>
+            </a:r>
+            <a:endParaRPr sz="1400" b="0" i="0" u="none" strike="noStrike" cap="none">
+              <a:solidFill>
+                <a:srgbClr val="000000"/>
+              </a:solidFill>
+              <a:latin typeface="Arial"/>
+              <a:ea typeface="Arial"/>
+              <a:cs typeface="Arial"/>
+              <a:sym typeface="Arial"/>
+            </a:endParaRPr>
+          </a:p>
+          <a:p>
+            <a:pPr marL="0" marR="0" lvl="0" indent="0" algn="l" rtl="0">
+              <a:lnSpc>
+                <a:spcPct val="100000"/>
+              </a:lnSpc>
+              <a:spcBef>
+                <a:spcPts val="0"/>
+              </a:spcBef>
+              <a:spcAft>
+                <a:spcPts val="0"/>
+              </a:spcAft>
+              <a:buClr>
+                <a:srgbClr val="000000"/>
+              </a:buClr>
+              <a:buSzPts val="2800"/>
+              <a:buFont typeface="Arial"/>
+              <a:buNone/>
+            </a:pPr>
+            <a:r>
+              <a:rPr lang="en-US" sz="2800" b="0" i="0" u="none" strike="noStrike" cap="none">
+                <a:solidFill>
+                  <a:schemeClr val="dk1"/>
+                </a:solidFill>
+                <a:latin typeface="Oswald"/>
+                <a:ea typeface="Oswald"/>
+                <a:cs typeface="Oswald"/>
+                <a:sym typeface="Oswald"/>
+              </a:rPr>
+              <a:t>	Deep Learning</a:t>
+            </a:r>
+            <a:endParaRPr sz="1400" b="0" i="0" u="none" strike="noStrike" cap="none">
+              <a:solidFill>
+                <a:srgbClr val="000000"/>
+              </a:solidFill>
+              <a:latin typeface="Arial"/>
+              <a:ea typeface="Arial"/>
+              <a:cs typeface="Arial"/>
+              <a:sym typeface="Arial"/>
+            </a:endParaRPr>
+          </a:p>
+          <a:p>
+            <a:pPr marL="0" marR="0" lvl="0" indent="0" algn="l" rtl="0">
+              <a:lnSpc>
+                <a:spcPct val="100000"/>
+              </a:lnSpc>
+              <a:spcBef>
+                <a:spcPts val="0"/>
+              </a:spcBef>
+              <a:spcAft>
+                <a:spcPts val="0"/>
+              </a:spcAft>
+              <a:buClr>
+                <a:srgbClr val="000000"/>
+              </a:buClr>
+              <a:buSzPts val="2800"/>
+              <a:buFont typeface="Arial"/>
+              <a:buNone/>
+            </a:pPr>
+            <a:r>
+              <a:rPr lang="en-US" sz="2800" b="0" i="0" u="none" strike="noStrike" cap="none">
+                <a:solidFill>
+                  <a:schemeClr val="dk1"/>
+                </a:solidFill>
+                <a:latin typeface="Oswald"/>
+                <a:ea typeface="Oswald"/>
+                <a:cs typeface="Oswald"/>
+                <a:sym typeface="Oswald"/>
+              </a:rPr>
+              <a:t>	Random Forest</a:t>
+            </a:r>
+            <a:endParaRPr sz="1400" b="0" i="0" u="none" strike="noStrike" cap="none">
+              <a:solidFill>
+                <a:srgbClr val="000000"/>
+              </a:solidFill>
+              <a:latin typeface="Arial"/>
+              <a:ea typeface="Arial"/>
+              <a:cs typeface="Arial"/>
+              <a:sym typeface="Arial"/>
+            </a:endParaRPr>
+          </a:p>
+          <a:p>
+            <a:pPr marL="0" marR="0" lvl="0" indent="0" algn="l" rtl="0">
+              <a:lnSpc>
+                <a:spcPct val="100000"/>
+              </a:lnSpc>
+              <a:spcBef>
+                <a:spcPts val="0"/>
+              </a:spcBef>
+              <a:spcAft>
+                <a:spcPts val="0"/>
+              </a:spcAft>
+              <a:buClr>
+                <a:srgbClr val="000000"/>
+              </a:buClr>
+              <a:buSzPts val="2800"/>
+              <a:buFont typeface="Arial"/>
+              <a:buNone/>
+            </a:pPr>
+            <a:r>
+              <a:rPr lang="en-US" sz="2800" b="0" i="0" u="none" strike="noStrike" cap="none">
+                <a:solidFill>
+                  <a:schemeClr val="dk1"/>
+                </a:solidFill>
+                <a:latin typeface="Oswald"/>
+                <a:ea typeface="Oswald"/>
+                <a:cs typeface="Oswald"/>
+                <a:sym typeface="Oswald"/>
+              </a:rPr>
+              <a:t>	K-Nearest Neighbor </a:t>
             </a:r>
             <a:endParaRPr sz="1400" b="0" i="0" u="none" strike="noStrike" cap="none">
               <a:solidFill>
@@ -16196,7 +17144,1142 @@
 </p:sld>
 </file>
 
-<file path=ppt/slides/slide10.xml><?xml version="1.0" encoding="utf-8"?>
+<file path=ppt/slides/slide11.xml><?xml version="1.0" encoding="utf-8"?>
+<p:sld xmlns:a="http://schemas.openxmlformats.org/drawingml/2006/main" xmlns:r="http://schemas.openxmlformats.org/officeDocument/2006/relationships" xmlns:p="http://schemas.openxmlformats.org/presentationml/2006/main">
+  <p:cSld>
+    <p:bg>
+      <p:bgPr>
+        <a:solidFill>
+          <a:schemeClr val="lt1"/>
+        </a:solidFill>
+        <a:effectLst/>
+      </p:bgPr>
+    </p:bg>
+    <p:spTree>
+      <p:nvGrpSpPr>
+        <p:cNvPr id="1" name="Shape 119"/>
+        <p:cNvGrpSpPr/>
+        <p:nvPr/>
+      </p:nvGrpSpPr>
+      <p:grpSpPr>
+        <a:xfrm>
+          <a:off x="0" y="0"/>
+          <a:ext cx="0" cy="0"/>
+          <a:chOff x="0" y="0"/>
+          <a:chExt cx="0" cy="0"/>
+        </a:xfrm>
+      </p:grpSpPr>
+      <p:pic>
+        <p:nvPicPr>
+          <p:cNvPr id="120" name="Google Shape;120;p6" descr="A close up of a person&#10;&#10;Description automatically generated"/>
+          <p:cNvPicPr preferRelativeResize="0"/>
+          <p:nvPr/>
+        </p:nvPicPr>
+        <p:blipFill rotWithShape="1">
+          <a:blip r:embed="rId3">
+            <a:alphaModFix/>
+          </a:blip>
+          <a:srcRect/>
+          <a:stretch/>
+        </p:blipFill>
+        <p:spPr>
+          <a:xfrm>
+            <a:off x="0" y="0"/>
+            <a:ext cx="12192000" cy="6858000"/>
+          </a:xfrm>
+          <a:prstGeom prst="rect">
+            <a:avLst/>
+          </a:prstGeom>
+          <a:noFill/>
+          <a:ln>
+            <a:noFill/>
+          </a:ln>
+        </p:spPr>
+      </p:pic>
+      <p:sp>
+        <p:nvSpPr>
+          <p:cNvPr id="121" name="Google Shape;121;p6"/>
+          <p:cNvSpPr txBox="1">
+            <a:spLocks noGrp="1"/>
+          </p:cNvSpPr>
+          <p:nvPr>
+            <p:ph type="title"/>
+          </p:nvPr>
+        </p:nvSpPr>
+        <p:spPr>
+          <a:xfrm>
+            <a:off x="838200" y="365125"/>
+            <a:ext cx="10960100" cy="1325563"/>
+          </a:xfrm>
+          <a:prstGeom prst="rect">
+            <a:avLst/>
+          </a:prstGeom>
+          <a:noFill/>
+          <a:ln>
+            <a:noFill/>
+          </a:ln>
+        </p:spPr>
+        <p:txBody>
+          <a:bodyPr spcFirstLastPara="1" wrap="square" lIns="91425" tIns="45700" rIns="91425" bIns="45700" anchor="ctr" anchorCtr="0">
+            <a:normAutofit/>
+          </a:bodyPr>
+          <a:lstStyle/>
+          <a:p>
+            <a:pPr marL="0" lvl="0" indent="0" algn="l" rtl="0">
+              <a:lnSpc>
+                <a:spcPct val="90000"/>
+              </a:lnSpc>
+              <a:spcBef>
+                <a:spcPts val="0"/>
+              </a:spcBef>
+              <a:spcAft>
+                <a:spcPts val="0"/>
+              </a:spcAft>
+              <a:buClr>
+                <a:schemeClr val="dk1"/>
+              </a:buClr>
+              <a:buSzPts val="4400"/>
+              <a:buFont typeface="Oswald"/>
+              <a:buNone/>
+            </a:pPr>
+            <a:r>
+              <a:rPr lang="en-US">
+                <a:latin typeface="Oswald"/>
+                <a:ea typeface="Oswald"/>
+                <a:cs typeface="Oswald"/>
+                <a:sym typeface="Oswald"/>
+              </a:rPr>
+              <a:t>Application Functionality: Risk Calculator Page cont.</a:t>
+            </a:r>
+            <a:endParaRPr/>
+          </a:p>
+        </p:txBody>
+      </p:sp>
+      <p:sp>
+        <p:nvSpPr>
+          <p:cNvPr id="122" name="Google Shape;122;p6"/>
+          <p:cNvSpPr/>
+          <p:nvPr/>
+        </p:nvSpPr>
+        <p:spPr>
+          <a:xfrm>
+            <a:off x="838200" y="1690704"/>
+            <a:ext cx="10172700" cy="4695900"/>
+          </a:xfrm>
+          <a:prstGeom prst="rect">
+            <a:avLst/>
+          </a:prstGeom>
+          <a:noFill/>
+          <a:ln>
+            <a:noFill/>
+          </a:ln>
+        </p:spPr>
+        <p:txBody>
+          <a:bodyPr spcFirstLastPara="1" wrap="square" lIns="91425" tIns="45700" rIns="91425" bIns="45700" anchor="t" anchorCtr="0">
+            <a:spAutoFit/>
+          </a:bodyPr>
+          <a:lstStyle/>
+          <a:p>
+            <a:pPr marL="0" marR="0" lvl="0" indent="0" algn="l" rtl="0">
+              <a:lnSpc>
+                <a:spcPct val="100000"/>
+              </a:lnSpc>
+              <a:spcBef>
+                <a:spcPts val="0"/>
+              </a:spcBef>
+              <a:spcAft>
+                <a:spcPts val="0"/>
+              </a:spcAft>
+              <a:buClr>
+                <a:srgbClr val="000000"/>
+              </a:buClr>
+              <a:buSzPts val="2800"/>
+              <a:buFont typeface="Arial"/>
+              <a:buNone/>
+            </a:pPr>
+            <a:r>
+              <a:rPr lang="en-US" sz="2800" b="0" i="0" u="none" strike="noStrike" cap="none">
+                <a:solidFill>
+                  <a:schemeClr val="dk1"/>
+                </a:solidFill>
+                <a:latin typeface="Oswald"/>
+                <a:ea typeface="Oswald"/>
+                <a:cs typeface="Oswald"/>
+                <a:sym typeface="Oswald"/>
+              </a:rPr>
+              <a:t>JavaScript (HTML/CSS) input page allows for choice of:</a:t>
+            </a:r>
+            <a:endParaRPr sz="1400" b="0" i="0" u="none" strike="noStrike" cap="none">
+              <a:solidFill>
+                <a:srgbClr val="000000"/>
+              </a:solidFill>
+              <a:latin typeface="Arial"/>
+              <a:ea typeface="Arial"/>
+              <a:cs typeface="Arial"/>
+              <a:sym typeface="Arial"/>
+            </a:endParaRPr>
+          </a:p>
+          <a:p>
+            <a:pPr marL="914400" marR="0" lvl="1" indent="-457200" algn="l" rtl="0">
+              <a:lnSpc>
+                <a:spcPct val="100000"/>
+              </a:lnSpc>
+              <a:spcBef>
+                <a:spcPts val="0"/>
+              </a:spcBef>
+              <a:spcAft>
+                <a:spcPts val="0"/>
+              </a:spcAft>
+              <a:buClr>
+                <a:schemeClr val="dk1"/>
+              </a:buClr>
+              <a:buSzPts val="2800"/>
+              <a:buFont typeface="Arial"/>
+              <a:buChar char="•"/>
+            </a:pPr>
+            <a:r>
+              <a:rPr lang="en-US" sz="2800" b="0" i="0" u="none" strike="noStrike" cap="none">
+                <a:solidFill>
+                  <a:schemeClr val="dk1"/>
+                </a:solidFill>
+                <a:latin typeface="Oswald"/>
+                <a:ea typeface="Oswald"/>
+                <a:cs typeface="Oswald"/>
+                <a:sym typeface="Oswald"/>
+              </a:rPr>
+              <a:t>Model</a:t>
+            </a:r>
+            <a:endParaRPr sz="1400" b="0" i="0" u="none" strike="noStrike" cap="none">
+              <a:solidFill>
+                <a:srgbClr val="000000"/>
+              </a:solidFill>
+              <a:latin typeface="Arial"/>
+              <a:ea typeface="Arial"/>
+              <a:cs typeface="Arial"/>
+              <a:sym typeface="Arial"/>
+            </a:endParaRPr>
+          </a:p>
+          <a:p>
+            <a:pPr marL="914400" marR="0" lvl="1" indent="-457200" algn="l" rtl="0">
+              <a:lnSpc>
+                <a:spcPct val="100000"/>
+              </a:lnSpc>
+              <a:spcBef>
+                <a:spcPts val="0"/>
+              </a:spcBef>
+              <a:spcAft>
+                <a:spcPts val="0"/>
+              </a:spcAft>
+              <a:buClr>
+                <a:schemeClr val="dk1"/>
+              </a:buClr>
+              <a:buSzPts val="2800"/>
+              <a:buFont typeface="Arial"/>
+              <a:buChar char="•"/>
+            </a:pPr>
+            <a:r>
+              <a:rPr lang="en-US" sz="2800" b="0" i="0" u="none" strike="noStrike" cap="none">
+                <a:solidFill>
+                  <a:schemeClr val="dk1"/>
+                </a:solidFill>
+                <a:latin typeface="Oswald"/>
+                <a:ea typeface="Oswald"/>
+                <a:cs typeface="Oswald"/>
+                <a:sym typeface="Oswald"/>
+              </a:rPr>
+              <a:t>Age/Gender</a:t>
+            </a:r>
+            <a:endParaRPr sz="1400" b="0" i="0" u="none" strike="noStrike" cap="none">
+              <a:solidFill>
+                <a:srgbClr val="000000"/>
+              </a:solidFill>
+              <a:latin typeface="Arial"/>
+              <a:ea typeface="Arial"/>
+              <a:cs typeface="Arial"/>
+              <a:sym typeface="Arial"/>
+            </a:endParaRPr>
+          </a:p>
+          <a:p>
+            <a:pPr marL="914400" marR="0" lvl="1" indent="-457200" algn="l" rtl="0">
+              <a:lnSpc>
+                <a:spcPct val="100000"/>
+              </a:lnSpc>
+              <a:spcBef>
+                <a:spcPts val="0"/>
+              </a:spcBef>
+              <a:spcAft>
+                <a:spcPts val="0"/>
+              </a:spcAft>
+              <a:buClr>
+                <a:schemeClr val="dk1"/>
+              </a:buClr>
+              <a:buSzPts val="2800"/>
+              <a:buFont typeface="Arial"/>
+              <a:buChar char="•"/>
+            </a:pPr>
+            <a:r>
+              <a:rPr lang="en-US" sz="2800" b="0" i="0" u="none" strike="noStrike" cap="none">
+                <a:solidFill>
+                  <a:schemeClr val="dk1"/>
+                </a:solidFill>
+                <a:latin typeface="Oswald"/>
+                <a:ea typeface="Oswald"/>
+                <a:cs typeface="Oswald"/>
+                <a:sym typeface="Oswald"/>
+              </a:rPr>
+              <a:t>Living/Travel Locations</a:t>
+            </a:r>
+            <a:endParaRPr sz="1400" b="0" i="0" u="none" strike="noStrike" cap="none">
+              <a:solidFill>
+                <a:srgbClr val="000000"/>
+              </a:solidFill>
+              <a:latin typeface="Arial"/>
+              <a:ea typeface="Arial"/>
+              <a:cs typeface="Arial"/>
+              <a:sym typeface="Arial"/>
+            </a:endParaRPr>
+          </a:p>
+          <a:p>
+            <a:pPr marL="914400" marR="0" lvl="1" indent="-457200" algn="l" rtl="0">
+              <a:lnSpc>
+                <a:spcPct val="100000"/>
+              </a:lnSpc>
+              <a:spcBef>
+                <a:spcPts val="0"/>
+              </a:spcBef>
+              <a:spcAft>
+                <a:spcPts val="0"/>
+              </a:spcAft>
+              <a:buClr>
+                <a:schemeClr val="dk1"/>
+              </a:buClr>
+              <a:buSzPts val="2800"/>
+              <a:buFont typeface="Arial"/>
+              <a:buChar char="•"/>
+            </a:pPr>
+            <a:r>
+              <a:rPr lang="en-US" sz="2800" b="0" i="0" u="none" strike="noStrike" cap="none">
+                <a:solidFill>
+                  <a:schemeClr val="dk1"/>
+                </a:solidFill>
+                <a:latin typeface="Oswald"/>
+                <a:ea typeface="Oswald"/>
+                <a:cs typeface="Oswald"/>
+                <a:sym typeface="Oswald"/>
+              </a:rPr>
+              <a:t>Preconditions</a:t>
+            </a:r>
+            <a:endParaRPr sz="1400" b="0" i="0" u="none" strike="noStrike" cap="none">
+              <a:solidFill>
+                <a:srgbClr val="000000"/>
+              </a:solidFill>
+              <a:latin typeface="Arial"/>
+              <a:ea typeface="Arial"/>
+              <a:cs typeface="Arial"/>
+              <a:sym typeface="Arial"/>
+            </a:endParaRPr>
+          </a:p>
+          <a:p>
+            <a:pPr marL="914400" marR="0" lvl="1" indent="-457200" algn="l" rtl="0">
+              <a:lnSpc>
+                <a:spcPct val="100000"/>
+              </a:lnSpc>
+              <a:spcBef>
+                <a:spcPts val="0"/>
+              </a:spcBef>
+              <a:spcAft>
+                <a:spcPts val="0"/>
+              </a:spcAft>
+              <a:buClr>
+                <a:schemeClr val="dk1"/>
+              </a:buClr>
+              <a:buSzPts val="2800"/>
+              <a:buFont typeface="Arial"/>
+              <a:buChar char="•"/>
+            </a:pPr>
+            <a:r>
+              <a:rPr lang="en-US" sz="2800" b="0" i="0" u="none" strike="noStrike" cap="none">
+                <a:solidFill>
+                  <a:schemeClr val="dk1"/>
+                </a:solidFill>
+                <a:latin typeface="Oswald"/>
+                <a:ea typeface="Oswald"/>
+                <a:cs typeface="Oswald"/>
+                <a:sym typeface="Oswald"/>
+              </a:rPr>
+              <a:t>Symptoms (12)</a:t>
+            </a:r>
+            <a:endParaRPr sz="1400" b="0" i="0" u="none" strike="noStrike" cap="none">
+              <a:solidFill>
+                <a:srgbClr val="000000"/>
+              </a:solidFill>
+              <a:latin typeface="Arial"/>
+              <a:ea typeface="Arial"/>
+              <a:cs typeface="Arial"/>
+              <a:sym typeface="Arial"/>
+            </a:endParaRPr>
+          </a:p>
+          <a:p>
+            <a:pPr marL="914400" marR="0" lvl="1" indent="-279400" algn="l" rtl="0">
+              <a:lnSpc>
+                <a:spcPct val="100000"/>
+              </a:lnSpc>
+              <a:spcBef>
+                <a:spcPts val="0"/>
+              </a:spcBef>
+              <a:spcAft>
+                <a:spcPts val="0"/>
+              </a:spcAft>
+              <a:buClr>
+                <a:schemeClr val="dk1"/>
+              </a:buClr>
+              <a:buSzPts val="2800"/>
+              <a:buFont typeface="Arial"/>
+              <a:buNone/>
+            </a:pPr>
+            <a:endParaRPr sz="2800" b="0" i="0" u="none" strike="noStrike" cap="none">
+              <a:solidFill>
+                <a:schemeClr val="dk1"/>
+              </a:solidFill>
+              <a:latin typeface="Oswald"/>
+              <a:ea typeface="Oswald"/>
+              <a:cs typeface="Oswald"/>
+              <a:sym typeface="Oswald"/>
+            </a:endParaRPr>
+          </a:p>
+          <a:p>
+            <a:pPr marL="0" marR="0" lvl="0" indent="0" algn="l" rtl="0">
+              <a:lnSpc>
+                <a:spcPct val="100000"/>
+              </a:lnSpc>
+              <a:spcBef>
+                <a:spcPts val="0"/>
+              </a:spcBef>
+              <a:spcAft>
+                <a:spcPts val="0"/>
+              </a:spcAft>
+              <a:buClr>
+                <a:srgbClr val="000000"/>
+              </a:buClr>
+              <a:buSzPts val="2800"/>
+              <a:buFont typeface="Arial"/>
+              <a:buNone/>
+            </a:pPr>
+            <a:r>
+              <a:rPr lang="en-US" sz="2800" b="0" i="0" u="none" strike="noStrike" cap="none">
+                <a:solidFill>
+                  <a:schemeClr val="dk1"/>
+                </a:solidFill>
+                <a:latin typeface="Oswald"/>
+                <a:ea typeface="Oswald"/>
+                <a:cs typeface="Oswald"/>
+                <a:sym typeface="Oswald"/>
+              </a:rPr>
+              <a:t>Result passed through FLASK API to retrieve predictions from chosen model</a:t>
+            </a:r>
+            <a:endParaRPr sz="2800" b="0" i="0" u="none" strike="noStrike" cap="none">
+              <a:solidFill>
+                <a:schemeClr val="dk1"/>
+              </a:solidFill>
+              <a:latin typeface="Oswald"/>
+              <a:ea typeface="Oswald"/>
+              <a:cs typeface="Oswald"/>
+              <a:sym typeface="Oswald"/>
+            </a:endParaRPr>
+          </a:p>
+          <a:p>
+            <a:pPr marL="0" marR="0" lvl="0" indent="0" algn="l" rtl="0">
+              <a:lnSpc>
+                <a:spcPct val="100000"/>
+              </a:lnSpc>
+              <a:spcBef>
+                <a:spcPts val="0"/>
+              </a:spcBef>
+              <a:spcAft>
+                <a:spcPts val="0"/>
+              </a:spcAft>
+              <a:buClr>
+                <a:srgbClr val="000000"/>
+              </a:buClr>
+              <a:buSzPts val="2800"/>
+              <a:buFont typeface="Arial"/>
+              <a:buNone/>
+            </a:pPr>
+            <a:endParaRPr sz="2800">
+              <a:solidFill>
+                <a:schemeClr val="dk1"/>
+              </a:solidFill>
+              <a:latin typeface="Oswald"/>
+              <a:ea typeface="Oswald"/>
+              <a:cs typeface="Oswald"/>
+              <a:sym typeface="Oswald"/>
+            </a:endParaRPr>
+          </a:p>
+          <a:p>
+            <a:pPr marL="0" marR="0" lvl="0" indent="0" algn="l" rtl="0">
+              <a:lnSpc>
+                <a:spcPct val="100000"/>
+              </a:lnSpc>
+              <a:spcBef>
+                <a:spcPts val="0"/>
+              </a:spcBef>
+              <a:spcAft>
+                <a:spcPts val="0"/>
+              </a:spcAft>
+              <a:buClr>
+                <a:srgbClr val="000000"/>
+              </a:buClr>
+              <a:buSzPts val="2800"/>
+              <a:buFont typeface="Arial"/>
+              <a:buNone/>
+            </a:pPr>
+            <a:r>
+              <a:rPr lang="en-US" sz="2800">
+                <a:solidFill>
+                  <a:schemeClr val="dk1"/>
+                </a:solidFill>
+                <a:latin typeface="Oswald"/>
+                <a:ea typeface="Oswald"/>
+                <a:cs typeface="Oswald"/>
+                <a:sym typeface="Oswald"/>
+              </a:rPr>
+              <a:t>‘Model Evaluation’ chart - ML-model accuracy per gender/age subset</a:t>
+            </a:r>
+            <a:endParaRPr sz="2800">
+              <a:solidFill>
+                <a:schemeClr val="dk1"/>
+              </a:solidFill>
+              <a:latin typeface="Oswald"/>
+              <a:ea typeface="Oswald"/>
+              <a:cs typeface="Oswald"/>
+              <a:sym typeface="Oswald"/>
+            </a:endParaRPr>
+          </a:p>
+        </p:txBody>
+      </p:sp>
+    </p:spTree>
+  </p:cSld>
+  <p:clrMapOvr>
+    <a:masterClrMapping/>
+  </p:clrMapOvr>
+</p:sld>
+</file>
+
+<file path=ppt/slides/slide12.xml><?xml version="1.0" encoding="utf-8"?>
+<p:sld xmlns:a="http://schemas.openxmlformats.org/drawingml/2006/main" xmlns:r="http://schemas.openxmlformats.org/officeDocument/2006/relationships" xmlns:p="http://schemas.openxmlformats.org/presentationml/2006/main">
+  <p:cSld>
+    <p:bg>
+      <p:bgPr>
+        <a:solidFill>
+          <a:schemeClr val="lt1"/>
+        </a:solidFill>
+        <a:effectLst/>
+      </p:bgPr>
+    </p:bg>
+    <p:spTree>
+      <p:nvGrpSpPr>
+        <p:cNvPr id="1" name="Shape 126"/>
+        <p:cNvGrpSpPr/>
+        <p:nvPr/>
+      </p:nvGrpSpPr>
+      <p:grpSpPr>
+        <a:xfrm>
+          <a:off x="0" y="0"/>
+          <a:ext cx="0" cy="0"/>
+          <a:chOff x="0" y="0"/>
+          <a:chExt cx="0" cy="0"/>
+        </a:xfrm>
+      </p:grpSpPr>
+      <p:pic>
+        <p:nvPicPr>
+          <p:cNvPr id="127" name="Google Shape;127;p7" descr="A close up of a person&#10;&#10;Description automatically generated"/>
+          <p:cNvPicPr preferRelativeResize="0"/>
+          <p:nvPr/>
+        </p:nvPicPr>
+        <p:blipFill rotWithShape="1">
+          <a:blip r:embed="rId3">
+            <a:alphaModFix/>
+          </a:blip>
+          <a:srcRect/>
+          <a:stretch/>
+        </p:blipFill>
+        <p:spPr>
+          <a:xfrm>
+            <a:off x="0" y="0"/>
+            <a:ext cx="12192000" cy="6858000"/>
+          </a:xfrm>
+          <a:prstGeom prst="rect">
+            <a:avLst/>
+          </a:prstGeom>
+          <a:noFill/>
+          <a:ln>
+            <a:noFill/>
+          </a:ln>
+        </p:spPr>
+      </p:pic>
+      <p:sp>
+        <p:nvSpPr>
+          <p:cNvPr id="128" name="Google Shape;128;p7"/>
+          <p:cNvSpPr txBox="1">
+            <a:spLocks noGrp="1"/>
+          </p:cNvSpPr>
+          <p:nvPr>
+            <p:ph type="title"/>
+          </p:nvPr>
+        </p:nvSpPr>
+        <p:spPr>
+          <a:xfrm>
+            <a:off x="838200" y="365125"/>
+            <a:ext cx="10515600" cy="1325563"/>
+          </a:xfrm>
+          <a:prstGeom prst="rect">
+            <a:avLst/>
+          </a:prstGeom>
+          <a:noFill/>
+          <a:ln>
+            <a:noFill/>
+          </a:ln>
+        </p:spPr>
+        <p:txBody>
+          <a:bodyPr spcFirstLastPara="1" wrap="square" lIns="91425" tIns="45700" rIns="91425" bIns="45700" anchor="ctr" anchorCtr="0">
+            <a:normAutofit/>
+          </a:bodyPr>
+          <a:lstStyle/>
+          <a:p>
+            <a:pPr marL="0" lvl="0" indent="0" algn="l" rtl="0">
+              <a:lnSpc>
+                <a:spcPct val="90000"/>
+              </a:lnSpc>
+              <a:spcBef>
+                <a:spcPts val="0"/>
+              </a:spcBef>
+              <a:spcAft>
+                <a:spcPts val="0"/>
+              </a:spcAft>
+              <a:buClr>
+                <a:schemeClr val="dk1"/>
+              </a:buClr>
+              <a:buSzPts val="4400"/>
+              <a:buFont typeface="Oswald"/>
+              <a:buNone/>
+            </a:pPr>
+            <a:r>
+              <a:rPr lang="en-US">
+                <a:latin typeface="Oswald"/>
+                <a:ea typeface="Oswald"/>
+                <a:cs typeface="Oswald"/>
+                <a:sym typeface="Oswald"/>
+              </a:rPr>
+              <a:t>Application Functionality: Visualization Page</a:t>
+            </a:r>
+            <a:endParaRPr/>
+          </a:p>
+        </p:txBody>
+      </p:sp>
+      <p:sp>
+        <p:nvSpPr>
+          <p:cNvPr id="129" name="Google Shape;129;p7"/>
+          <p:cNvSpPr/>
+          <p:nvPr/>
+        </p:nvSpPr>
+        <p:spPr>
+          <a:xfrm>
+            <a:off x="838200" y="1690688"/>
+            <a:ext cx="9258299" cy="523220"/>
+          </a:xfrm>
+          <a:prstGeom prst="rect">
+            <a:avLst/>
+          </a:prstGeom>
+          <a:noFill/>
+          <a:ln>
+            <a:noFill/>
+          </a:ln>
+        </p:spPr>
+        <p:txBody>
+          <a:bodyPr spcFirstLastPara="1" wrap="square" lIns="91425" tIns="45700" rIns="91425" bIns="45700" anchor="t" anchorCtr="0">
+            <a:spAutoFit/>
+          </a:bodyPr>
+          <a:lstStyle/>
+          <a:p>
+            <a:pPr marL="0" marR="0" lvl="0" indent="0" algn="l" rtl="0">
+              <a:lnSpc>
+                <a:spcPct val="100000"/>
+              </a:lnSpc>
+              <a:spcBef>
+                <a:spcPts val="0"/>
+              </a:spcBef>
+              <a:spcAft>
+                <a:spcPts val="0"/>
+              </a:spcAft>
+              <a:buClr>
+                <a:srgbClr val="000000"/>
+              </a:buClr>
+              <a:buSzPts val="2800"/>
+              <a:buFont typeface="Arial"/>
+              <a:buNone/>
+            </a:pPr>
+            <a:endParaRPr sz="1400" b="0" i="0" u="none" strike="noStrike" cap="none">
+              <a:solidFill>
+                <a:srgbClr val="000000"/>
+              </a:solidFill>
+              <a:latin typeface="Arial"/>
+              <a:ea typeface="Arial"/>
+              <a:cs typeface="Arial"/>
+              <a:sym typeface="Arial"/>
+            </a:endParaRPr>
+          </a:p>
+        </p:txBody>
+      </p:sp>
+      <p:pic>
+        <p:nvPicPr>
+          <p:cNvPr id="130" name="Google Shape;130;p7"/>
+          <p:cNvPicPr preferRelativeResize="0"/>
+          <p:nvPr/>
+        </p:nvPicPr>
+        <p:blipFill>
+          <a:blip r:embed="rId4">
+            <a:alphaModFix/>
+          </a:blip>
+          <a:stretch>
+            <a:fillRect/>
+          </a:stretch>
+        </p:blipFill>
+        <p:spPr>
+          <a:xfrm>
+            <a:off x="1213623" y="1571625"/>
+            <a:ext cx="7202724" cy="5029200"/>
+          </a:xfrm>
+          <a:prstGeom prst="rect">
+            <a:avLst/>
+          </a:prstGeom>
+          <a:noFill/>
+          <a:ln>
+            <a:noFill/>
+          </a:ln>
+        </p:spPr>
+      </p:pic>
+    </p:spTree>
+  </p:cSld>
+  <p:clrMapOvr>
+    <a:masterClrMapping/>
+  </p:clrMapOvr>
+</p:sld>
+</file>
+
+<file path=ppt/slides/slide13.xml><?xml version="1.0" encoding="utf-8"?>
+<p:sld xmlns:a="http://schemas.openxmlformats.org/drawingml/2006/main" xmlns:r="http://schemas.openxmlformats.org/officeDocument/2006/relationships" xmlns:p="http://schemas.openxmlformats.org/presentationml/2006/main">
+  <p:cSld>
+    <p:bg>
+      <p:bgPr>
+        <a:solidFill>
+          <a:schemeClr val="lt1"/>
+        </a:solidFill>
+        <a:effectLst/>
+      </p:bgPr>
+    </p:bg>
+    <p:spTree>
+      <p:nvGrpSpPr>
+        <p:cNvPr id="1" name="Shape 134"/>
+        <p:cNvGrpSpPr/>
+        <p:nvPr/>
+      </p:nvGrpSpPr>
+      <p:grpSpPr>
+        <a:xfrm>
+          <a:off x="0" y="0"/>
+          <a:ext cx="0" cy="0"/>
+          <a:chOff x="0" y="0"/>
+          <a:chExt cx="0" cy="0"/>
+        </a:xfrm>
+      </p:grpSpPr>
+      <p:pic>
+        <p:nvPicPr>
+          <p:cNvPr id="135" name="Google Shape;135;p8" descr="A close up of a person&#10;&#10;Description automatically generated"/>
+          <p:cNvPicPr preferRelativeResize="0"/>
+          <p:nvPr/>
+        </p:nvPicPr>
+        <p:blipFill rotWithShape="1">
+          <a:blip r:embed="rId3">
+            <a:alphaModFix/>
+          </a:blip>
+          <a:srcRect/>
+          <a:stretch/>
+        </p:blipFill>
+        <p:spPr>
+          <a:xfrm>
+            <a:off x="0" y="0"/>
+            <a:ext cx="12192000" cy="6858000"/>
+          </a:xfrm>
+          <a:prstGeom prst="rect">
+            <a:avLst/>
+          </a:prstGeom>
+          <a:noFill/>
+          <a:ln>
+            <a:noFill/>
+          </a:ln>
+        </p:spPr>
+      </p:pic>
+      <p:sp>
+        <p:nvSpPr>
+          <p:cNvPr id="136" name="Google Shape;136;p8"/>
+          <p:cNvSpPr txBox="1">
+            <a:spLocks noGrp="1"/>
+          </p:cNvSpPr>
+          <p:nvPr>
+            <p:ph type="title"/>
+          </p:nvPr>
+        </p:nvSpPr>
+        <p:spPr>
+          <a:xfrm>
+            <a:off x="838200" y="365125"/>
+            <a:ext cx="10515600" cy="1325563"/>
+          </a:xfrm>
+          <a:prstGeom prst="rect">
+            <a:avLst/>
+          </a:prstGeom>
+          <a:noFill/>
+          <a:ln>
+            <a:noFill/>
+          </a:ln>
+        </p:spPr>
+        <p:txBody>
+          <a:bodyPr spcFirstLastPara="1" wrap="square" lIns="91425" tIns="45700" rIns="91425" bIns="45700" anchor="ctr" anchorCtr="0">
+            <a:normAutofit/>
+          </a:bodyPr>
+          <a:lstStyle/>
+          <a:p>
+            <a:pPr marL="0" lvl="0" indent="0" algn="l" rtl="0">
+              <a:lnSpc>
+                <a:spcPct val="90000"/>
+              </a:lnSpc>
+              <a:spcBef>
+                <a:spcPts val="0"/>
+              </a:spcBef>
+              <a:spcAft>
+                <a:spcPts val="0"/>
+              </a:spcAft>
+              <a:buClr>
+                <a:schemeClr val="dk1"/>
+              </a:buClr>
+              <a:buSzPts val="4400"/>
+              <a:buFont typeface="Oswald"/>
+              <a:buNone/>
+            </a:pPr>
+            <a:r>
+              <a:rPr lang="en-US">
+                <a:latin typeface="Oswald"/>
+                <a:ea typeface="Oswald"/>
+                <a:cs typeface="Oswald"/>
+                <a:sym typeface="Oswald"/>
+              </a:rPr>
+              <a:t>Application Functionality: Charts Page</a:t>
+            </a:r>
+            <a:endParaRPr/>
+          </a:p>
+        </p:txBody>
+      </p:sp>
+      <p:sp>
+        <p:nvSpPr>
+          <p:cNvPr id="137" name="Google Shape;137;p8"/>
+          <p:cNvSpPr/>
+          <p:nvPr/>
+        </p:nvSpPr>
+        <p:spPr>
+          <a:xfrm>
+            <a:off x="838200" y="1690688"/>
+            <a:ext cx="9867900" cy="3539430"/>
+          </a:xfrm>
+          <a:prstGeom prst="rect">
+            <a:avLst/>
+          </a:prstGeom>
+          <a:noFill/>
+          <a:ln>
+            <a:noFill/>
+          </a:ln>
+        </p:spPr>
+        <p:txBody>
+          <a:bodyPr spcFirstLastPara="1" wrap="square" lIns="91425" tIns="45700" rIns="91425" bIns="45700" anchor="t" anchorCtr="0">
+            <a:spAutoFit/>
+          </a:bodyPr>
+          <a:lstStyle/>
+          <a:p>
+            <a:pPr marL="0" marR="0" lvl="0" indent="0" algn="l" rtl="0">
+              <a:lnSpc>
+                <a:spcPct val="100000"/>
+              </a:lnSpc>
+              <a:spcBef>
+                <a:spcPts val="0"/>
+              </a:spcBef>
+              <a:spcAft>
+                <a:spcPts val="0"/>
+              </a:spcAft>
+              <a:buClr>
+                <a:srgbClr val="000000"/>
+              </a:buClr>
+              <a:buSzPts val="3200"/>
+              <a:buFont typeface="Arial"/>
+              <a:buNone/>
+            </a:pPr>
+            <a:r>
+              <a:rPr lang="en-US" sz="3200" b="0" i="0" u="none" strike="noStrike" cap="none">
+                <a:solidFill>
+                  <a:schemeClr val="dk1"/>
+                </a:solidFill>
+                <a:latin typeface="Oswald"/>
+                <a:ea typeface="Oswald"/>
+                <a:cs typeface="Oswald"/>
+                <a:sym typeface="Oswald"/>
+              </a:rPr>
+              <a:t>5 Graphs with dropdown boxes for selection:</a:t>
+            </a:r>
+            <a:endParaRPr sz="1400" b="0" i="0" u="none" strike="noStrike" cap="none">
+              <a:solidFill>
+                <a:srgbClr val="000000"/>
+              </a:solidFill>
+              <a:latin typeface="Arial"/>
+              <a:ea typeface="Arial"/>
+              <a:cs typeface="Arial"/>
+              <a:sym typeface="Arial"/>
+            </a:endParaRPr>
+          </a:p>
+          <a:p>
+            <a:pPr marL="0" marR="0" lvl="0" indent="0" algn="l" rtl="0">
+              <a:lnSpc>
+                <a:spcPct val="100000"/>
+              </a:lnSpc>
+              <a:spcBef>
+                <a:spcPts val="0"/>
+              </a:spcBef>
+              <a:spcAft>
+                <a:spcPts val="0"/>
+              </a:spcAft>
+              <a:buClr>
+                <a:srgbClr val="000000"/>
+              </a:buClr>
+              <a:buSzPts val="3200"/>
+              <a:buFont typeface="Arial"/>
+              <a:buNone/>
+            </a:pPr>
+            <a:endParaRPr sz="3200" b="0" i="0" u="none" strike="noStrike" cap="none">
+              <a:solidFill>
+                <a:schemeClr val="dk1"/>
+              </a:solidFill>
+              <a:latin typeface="Oswald"/>
+              <a:ea typeface="Oswald"/>
+              <a:cs typeface="Oswald"/>
+              <a:sym typeface="Oswald"/>
+            </a:endParaRPr>
+          </a:p>
+          <a:p>
+            <a:pPr marL="457200" marR="0" lvl="0" indent="-457200" algn="l" rtl="0">
+              <a:lnSpc>
+                <a:spcPct val="100000"/>
+              </a:lnSpc>
+              <a:spcBef>
+                <a:spcPts val="0"/>
+              </a:spcBef>
+              <a:spcAft>
+                <a:spcPts val="0"/>
+              </a:spcAft>
+              <a:buClr>
+                <a:schemeClr val="dk1"/>
+              </a:buClr>
+              <a:buSzPts val="3200"/>
+              <a:buFont typeface="Arial"/>
+              <a:buChar char="•"/>
+            </a:pPr>
+            <a:r>
+              <a:rPr lang="en-US" sz="3200" b="0" i="0" u="none" strike="noStrike" cap="none">
+                <a:solidFill>
+                  <a:schemeClr val="dk1"/>
+                </a:solidFill>
+                <a:latin typeface="Oswald"/>
+                <a:ea typeface="Oswald"/>
+                <a:cs typeface="Oswald"/>
+                <a:sym typeface="Oswald"/>
+              </a:rPr>
+              <a:t>by Country – total positive, recovered, deceased</a:t>
+            </a:r>
+            <a:endParaRPr sz="1400" b="0" i="0" u="none" strike="noStrike" cap="none">
+              <a:solidFill>
+                <a:srgbClr val="000000"/>
+              </a:solidFill>
+              <a:latin typeface="Arial"/>
+              <a:ea typeface="Arial"/>
+              <a:cs typeface="Arial"/>
+              <a:sym typeface="Arial"/>
+            </a:endParaRPr>
+          </a:p>
+          <a:p>
+            <a:pPr marL="457200" marR="0" lvl="0" indent="-457200" algn="l" rtl="0">
+              <a:lnSpc>
+                <a:spcPct val="100000"/>
+              </a:lnSpc>
+              <a:spcBef>
+                <a:spcPts val="0"/>
+              </a:spcBef>
+              <a:spcAft>
+                <a:spcPts val="0"/>
+              </a:spcAft>
+              <a:buClr>
+                <a:schemeClr val="dk1"/>
+              </a:buClr>
+              <a:buSzPts val="3200"/>
+              <a:buFont typeface="Arial"/>
+              <a:buChar char="•"/>
+            </a:pPr>
+            <a:r>
+              <a:rPr lang="en-US" sz="3200" b="0" i="0" u="none" strike="noStrike" cap="none">
+                <a:solidFill>
+                  <a:schemeClr val="dk1"/>
+                </a:solidFill>
+                <a:latin typeface="Oswald"/>
+                <a:ea typeface="Oswald"/>
+                <a:cs typeface="Oswald"/>
+                <a:sym typeface="Oswald"/>
+              </a:rPr>
+              <a:t>by State – total home and hospitalized, recovered, deceased</a:t>
+            </a:r>
+            <a:endParaRPr sz="1400" b="0" i="0" u="none" strike="noStrike" cap="none">
+              <a:solidFill>
+                <a:srgbClr val="000000"/>
+              </a:solidFill>
+              <a:latin typeface="Arial"/>
+              <a:ea typeface="Arial"/>
+              <a:cs typeface="Arial"/>
+              <a:sym typeface="Arial"/>
+            </a:endParaRPr>
+          </a:p>
+          <a:p>
+            <a:pPr marL="457200" marR="0" lvl="0" indent="-457200" algn="l" rtl="0">
+              <a:lnSpc>
+                <a:spcPct val="100000"/>
+              </a:lnSpc>
+              <a:spcBef>
+                <a:spcPts val="0"/>
+              </a:spcBef>
+              <a:spcAft>
+                <a:spcPts val="0"/>
+              </a:spcAft>
+              <a:buClr>
+                <a:schemeClr val="dk1"/>
+              </a:buClr>
+              <a:buSzPts val="3200"/>
+              <a:buFont typeface="Arial"/>
+              <a:buChar char="•"/>
+            </a:pPr>
+            <a:r>
+              <a:rPr lang="en-US" sz="3200" b="0" i="0" u="none" strike="noStrike" cap="none">
+                <a:solidFill>
+                  <a:schemeClr val="dk1"/>
+                </a:solidFill>
+                <a:latin typeface="Oswald"/>
+                <a:ea typeface="Oswald"/>
+                <a:cs typeface="Oswald"/>
+                <a:sym typeface="Oswald"/>
+              </a:rPr>
+              <a:t>by State – daily positive case increase</a:t>
+            </a:r>
+            <a:endParaRPr sz="1400" b="0" i="0" u="none" strike="noStrike" cap="none">
+              <a:solidFill>
+                <a:srgbClr val="000000"/>
+              </a:solidFill>
+              <a:latin typeface="Arial"/>
+              <a:ea typeface="Arial"/>
+              <a:cs typeface="Arial"/>
+              <a:sym typeface="Arial"/>
+            </a:endParaRPr>
+          </a:p>
+          <a:p>
+            <a:pPr marL="457200" marR="0" lvl="0" indent="-457200" algn="l" rtl="0">
+              <a:lnSpc>
+                <a:spcPct val="100000"/>
+              </a:lnSpc>
+              <a:spcBef>
+                <a:spcPts val="0"/>
+              </a:spcBef>
+              <a:spcAft>
+                <a:spcPts val="0"/>
+              </a:spcAft>
+              <a:buClr>
+                <a:schemeClr val="dk1"/>
+              </a:buClr>
+              <a:buSzPts val="3200"/>
+              <a:buFont typeface="Arial"/>
+              <a:buChar char="•"/>
+            </a:pPr>
+            <a:r>
+              <a:rPr lang="en-US" sz="3200" b="0" i="0" u="none" strike="noStrike" cap="none">
+                <a:solidFill>
+                  <a:schemeClr val="dk1"/>
+                </a:solidFill>
+                <a:latin typeface="Oswald"/>
+                <a:ea typeface="Oswald"/>
+                <a:cs typeface="Oswald"/>
+                <a:sym typeface="Oswald"/>
+              </a:rPr>
+              <a:t>by State – daily hospitalized and deceased increase</a:t>
+            </a:r>
+            <a:endParaRPr sz="1400" b="0" i="0" u="none" strike="noStrike" cap="none">
+              <a:solidFill>
+                <a:srgbClr val="000000"/>
+              </a:solidFill>
+              <a:latin typeface="Arial"/>
+              <a:ea typeface="Arial"/>
+              <a:cs typeface="Arial"/>
+              <a:sym typeface="Arial"/>
+            </a:endParaRPr>
+          </a:p>
+          <a:p>
+            <a:pPr marL="457200" marR="0" lvl="0" indent="-457200" algn="l" rtl="0">
+              <a:lnSpc>
+                <a:spcPct val="100000"/>
+              </a:lnSpc>
+              <a:spcBef>
+                <a:spcPts val="0"/>
+              </a:spcBef>
+              <a:spcAft>
+                <a:spcPts val="0"/>
+              </a:spcAft>
+              <a:buClr>
+                <a:schemeClr val="dk1"/>
+              </a:buClr>
+              <a:buSzPts val="3200"/>
+              <a:buFont typeface="Arial"/>
+              <a:buChar char="•"/>
+            </a:pPr>
+            <a:r>
+              <a:rPr lang="en-US" sz="3200" b="0" i="0" u="none" strike="noStrike" cap="none">
+                <a:solidFill>
+                  <a:schemeClr val="dk1"/>
+                </a:solidFill>
+                <a:latin typeface="Oswald"/>
+                <a:ea typeface="Oswald"/>
+                <a:cs typeface="Oswald"/>
+                <a:sym typeface="Oswald"/>
+              </a:rPr>
+              <a:t>by County – total positive, recovered, deceased </a:t>
+            </a:r>
+            <a:endParaRPr sz="1400" b="0" i="0" u="none" strike="noStrike" cap="none">
+              <a:solidFill>
+                <a:srgbClr val="000000"/>
+              </a:solidFill>
+              <a:latin typeface="Arial"/>
+              <a:ea typeface="Arial"/>
+              <a:cs typeface="Arial"/>
+              <a:sym typeface="Arial"/>
+            </a:endParaRPr>
+          </a:p>
+        </p:txBody>
+      </p:sp>
+    </p:spTree>
+  </p:cSld>
+  <p:clrMapOvr>
+    <a:masterClrMapping/>
+  </p:clrMapOvr>
+</p:sld>
+</file>
+
+<file path=ppt/slides/slide14.xml><?xml version="1.0" encoding="utf-8"?>
 <p:sld xmlns:a="http://schemas.openxmlformats.org/drawingml/2006/main" xmlns:r="http://schemas.openxmlformats.org/officeDocument/2006/relationships" xmlns:p="http://schemas.openxmlformats.org/presentationml/2006/main">
   <p:cSld>
     <p:bg>
@@ -16439,12 +18522,25 @@
 </p:sld>
 </file>
 
-<file path=ppt/slides/slide11.xml><?xml version="1.0" encoding="utf-8"?>
+<file path=ppt/slides/slide2.xml><?xml version="1.0" encoding="utf-8"?>
 <p:sld xmlns:a="http://schemas.openxmlformats.org/drawingml/2006/main" xmlns:r="http://schemas.openxmlformats.org/officeDocument/2006/relationships" xmlns:p="http://schemas.openxmlformats.org/presentationml/2006/main">
   <p:cSld>
+    <p:bg>
+      <p:bgPr>
+        <a:blipFill>
+          <a:blip r:embed="rId3">
+            <a:alphaModFix/>
+          </a:blip>
+          <a:stretch>
+            <a:fillRect/>
+          </a:stretch>
+        </a:blipFill>
+        <a:effectLst/>
+      </p:bgPr>
+    </p:bg>
     <p:spTree>
       <p:nvGrpSpPr>
-        <p:cNvPr id="1" name="Shape 147"/>
+        <p:cNvPr id="1" name="Shape 93"/>
         <p:cNvGrpSpPr/>
         <p:nvPr/>
       </p:nvGrpSpPr>
@@ -16456,23 +18552,20 @@
           <a:chExt cx="0" cy="0"/>
         </a:xfrm>
       </p:grpSpPr>
-      <p:pic>
-        <p:nvPicPr>
-          <p:cNvPr id="148" name="Google Shape;148;p11" descr="A picture containing cake, fruit, sitting, table&#10;&#10;Description automatically generated"/>
-          <p:cNvPicPr preferRelativeResize="0"/>
-          <p:nvPr/>
-        </p:nvPicPr>
-        <p:blipFill rotWithShape="1">
-          <a:blip r:embed="rId3">
-            <a:alphaModFix/>
-          </a:blip>
-          <a:srcRect/>
-          <a:stretch/>
-        </p:blipFill>
+      <p:sp>
+        <p:nvSpPr>
+          <p:cNvPr id="94" name="Google Shape;94;p2"/>
+          <p:cNvSpPr txBox="1">
+            <a:spLocks noGrp="1"/>
+          </p:cNvSpPr>
+          <p:nvPr>
+            <p:ph type="title"/>
+          </p:nvPr>
+        </p:nvSpPr>
         <p:spPr>
           <a:xfrm>
-            <a:off x="0" y="0"/>
-            <a:ext cx="12192000" cy="6858000"/>
+            <a:off x="838200" y="365125"/>
+            <a:ext cx="10515600" cy="1325563"/>
           </a:xfrm>
           <a:prstGeom prst="rect">
             <a:avLst/>
@@ -16482,17 +18575,61 @@
             <a:noFill/>
           </a:ln>
         </p:spPr>
-      </p:pic>
+        <p:txBody>
+          <a:bodyPr spcFirstLastPara="1" wrap="square" lIns="91425" tIns="45700" rIns="91425" bIns="45700" anchor="ctr" anchorCtr="0">
+            <a:normAutofit/>
+          </a:bodyPr>
+          <a:lstStyle/>
+          <a:p>
+            <a:pPr marL="0" lvl="0" indent="0" algn="l" rtl="0">
+              <a:lnSpc>
+                <a:spcPct val="90000"/>
+              </a:lnSpc>
+              <a:spcBef>
+                <a:spcPts val="0"/>
+              </a:spcBef>
+              <a:spcAft>
+                <a:spcPts val="0"/>
+              </a:spcAft>
+              <a:buClr>
+                <a:schemeClr val="dk1"/>
+              </a:buClr>
+              <a:buSzPts val="4400"/>
+              <a:buFont typeface="Oswald"/>
+              <a:buNone/>
+            </a:pPr>
+            <a:r>
+              <a:rPr lang="en-US" dirty="0">
+                <a:latin typeface="Oswald"/>
+                <a:ea typeface="Oswald"/>
+                <a:cs typeface="Oswald"/>
+                <a:sym typeface="Oswald"/>
+              </a:rPr>
+              <a:t>Purpose of the Risk Calculator </a:t>
+            </a:r>
+            <a:r>
+              <a:rPr lang="en-US" sz="2400" dirty="0">
+                <a:latin typeface="Oswald"/>
+                <a:ea typeface="Oswald"/>
+                <a:cs typeface="Oswald"/>
+                <a:sym typeface="Oswald"/>
+              </a:rPr>
+              <a:t>(cont.)</a:t>
+            </a:r>
+            <a:endParaRPr sz="2400" dirty="0"/>
+          </a:p>
+        </p:txBody>
+      </p:sp>
       <p:sp>
         <p:nvSpPr>
-          <p:cNvPr id="149" name="Google Shape;149;p11"/>
+          <p:cNvPr id="95" name="Google Shape;95;p2"/>
           <p:cNvSpPr txBox="1"/>
           <p:nvPr/>
         </p:nvSpPr>
         <p:spPr>
           <a:xfrm>
-            <a:off x="4648200" y="2828835"/>
-            <a:ext cx="6870700" cy="1200329"/>
+            <a:off x="952500" y="1892300"/>
+            <a:ext cx="9144000" cy="4154943"/>
           </a:xfrm>
           <a:prstGeom prst="rect">
             <a:avLst/>
@@ -16508,25 +18645,23 @@
           </a:bodyPr>
           <a:lstStyle/>
           <a:p>
-            <a:pPr marL="0" marR="0" lvl="0" indent="0" algn="ctr" rtl="0">
-              <a:lnSpc>
-                <a:spcPct val="100000"/>
-              </a:lnSpc>
-              <a:spcBef>
-                <a:spcPts val="0"/>
-              </a:spcBef>
-              <a:spcAft>
-                <a:spcPts val="0"/>
-              </a:spcAft>
-              <a:buClr>
-                <a:srgbClr val="000000"/>
-              </a:buClr>
-              <a:buSzPts val="7200"/>
-              <a:buFont typeface="Arial"/>
-              <a:buNone/>
+            <a:pPr marR="0" lvl="0" algn="l" rtl="0">
+              <a:lnSpc>
+                <a:spcPct val="100000"/>
+              </a:lnSpc>
+              <a:spcBef>
+                <a:spcPts val="0"/>
+              </a:spcBef>
+              <a:spcAft>
+                <a:spcPts val="0"/>
+              </a:spcAft>
+              <a:buClr>
+                <a:schemeClr val="dk1"/>
+              </a:buClr>
+              <a:buSzPts val="3200"/>
             </a:pPr>
             <a:r>
-              <a:rPr lang="en-US" sz="7200" b="0" i="0" u="none" strike="noStrike" cap="none">
+              <a:rPr lang="en-US" sz="3200" b="0" i="0" u="none" strike="noStrike" cap="none" dirty="0">
                 <a:solidFill>
                   <a:schemeClr val="dk1"/>
                 </a:solidFill>
@@ -16535,21 +18670,284 @@
                 <a:cs typeface="Oswald"/>
                 <a:sym typeface="Oswald"/>
               </a:rPr>
-              <a:t>Questions?</a:t>
+              <a:t>Use </a:t>
             </a:r>
-            <a:endParaRPr sz="1400" b="0" i="0" u="none" strike="noStrike" cap="none">
+            <a:r>
+              <a:rPr lang="en-US" sz="3200" b="0" i="0" u="none" strike="noStrike" cap="none" dirty="0">
+                <a:solidFill>
+                  <a:srgbClr val="C00000"/>
+                </a:solidFill>
+                <a:latin typeface="Oswald"/>
+                <a:ea typeface="Oswald"/>
+                <a:cs typeface="Oswald"/>
+                <a:sym typeface="Oswald"/>
+              </a:rPr>
+              <a:t>Machine</a:t>
+            </a:r>
+            <a:r>
+              <a:rPr lang="en-US" sz="3200" b="0" i="0" u="none" strike="noStrike" cap="none" dirty="0">
+                <a:solidFill>
+                  <a:schemeClr val="dk1"/>
+                </a:solidFill>
+                <a:latin typeface="Oswald"/>
+                <a:ea typeface="Oswald"/>
+                <a:cs typeface="Oswald"/>
+                <a:sym typeface="Oswald"/>
+              </a:rPr>
+              <a:t> </a:t>
+            </a:r>
+            <a:r>
+              <a:rPr lang="en-US" sz="3200" b="0" i="0" u="none" strike="noStrike" cap="none" dirty="0">
+                <a:solidFill>
+                  <a:srgbClr val="C00000"/>
+                </a:solidFill>
+                <a:latin typeface="Oswald"/>
+                <a:ea typeface="Oswald"/>
+                <a:cs typeface="Oswald"/>
+                <a:sym typeface="Oswald"/>
+              </a:rPr>
+              <a:t>Learning/Python</a:t>
+            </a:r>
+            <a:r>
+              <a:rPr lang="en-US" sz="3200" b="0" i="0" u="none" strike="noStrike" cap="none" dirty="0">
+                <a:solidFill>
+                  <a:schemeClr val="dk1"/>
+                </a:solidFill>
+                <a:latin typeface="Oswald"/>
+                <a:ea typeface="Oswald"/>
+                <a:cs typeface="Oswald"/>
+                <a:sym typeface="Oswald"/>
+              </a:rPr>
+              <a:t> to </a:t>
+            </a:r>
+            <a:r>
+              <a:rPr lang="en-US" sz="3200" b="0" i="0" u="none" strike="noStrike" cap="none" dirty="0">
+                <a:solidFill>
+                  <a:srgbClr val="C00000"/>
+                </a:solidFill>
+                <a:latin typeface="Oswald"/>
+                <a:ea typeface="Oswald"/>
+                <a:cs typeface="Oswald"/>
+                <a:sym typeface="Oswald"/>
+              </a:rPr>
+              <a:t>predict</a:t>
+            </a:r>
+            <a:r>
+              <a:rPr lang="en-US" sz="3200" b="0" i="0" u="none" strike="noStrike" cap="none" dirty="0">
+                <a:solidFill>
+                  <a:schemeClr val="dk1"/>
+                </a:solidFill>
+                <a:latin typeface="Oswald"/>
+                <a:ea typeface="Oswald"/>
+                <a:cs typeface="Oswald"/>
+                <a:sym typeface="Oswald"/>
+              </a:rPr>
+              <a:t> whether (based on age, gender, location and symptoms) someone is at:</a:t>
+            </a:r>
+          </a:p>
+          <a:p>
+            <a:pPr marL="285750" lvl="8" indent="-285750">
+              <a:buClr>
+                <a:schemeClr val="dk1"/>
+              </a:buClr>
+              <a:buSzPts val="3200"/>
+              <a:buFont typeface="Arial"/>
+              <a:buChar char="•"/>
+            </a:pPr>
+            <a:r>
+              <a:rPr lang="en-US" sz="2400" dirty="0">
+                <a:solidFill>
+                  <a:schemeClr val="dk1"/>
+                </a:solidFill>
+                <a:latin typeface="Oswald"/>
+                <a:ea typeface="Oswald"/>
+                <a:cs typeface="Oswald"/>
+                <a:sym typeface="Oswald"/>
+              </a:rPr>
+              <a:t>Low risk (get well at home)</a:t>
+            </a:r>
+          </a:p>
+          <a:p>
+            <a:pPr marL="285750" lvl="8" indent="-285750">
+              <a:buClr>
+                <a:schemeClr val="dk1"/>
+              </a:buClr>
+              <a:buSzPts val="3200"/>
+              <a:buFont typeface="Arial"/>
+              <a:buChar char="•"/>
+            </a:pPr>
+            <a:r>
+              <a:rPr lang="en-US" sz="2400" dirty="0">
+                <a:solidFill>
+                  <a:schemeClr val="dk1"/>
+                </a:solidFill>
+                <a:latin typeface="Oswald"/>
+                <a:ea typeface="Oswald"/>
+                <a:cs typeface="Oswald"/>
+                <a:sym typeface="Oswald"/>
+              </a:rPr>
+              <a:t>Medium risk (may need hospital care)</a:t>
+            </a:r>
+          </a:p>
+          <a:p>
+            <a:pPr marL="285750" lvl="8" indent="-285750">
+              <a:buClr>
+                <a:schemeClr val="dk1"/>
+              </a:buClr>
+              <a:buSzPts val="3200"/>
+              <a:buFont typeface="Arial"/>
+              <a:buChar char="•"/>
+            </a:pPr>
+            <a:r>
+              <a:rPr lang="en-US" sz="2400" dirty="0">
+                <a:solidFill>
+                  <a:schemeClr val="dk1"/>
+                </a:solidFill>
+                <a:latin typeface="Oswald"/>
+                <a:ea typeface="Oswald"/>
+                <a:cs typeface="Oswald"/>
+                <a:sym typeface="Oswald"/>
+              </a:rPr>
+              <a:t>High risk (may need intensive care at not survive)</a:t>
+            </a:r>
+          </a:p>
+          <a:p>
+            <a:pPr marL="285750" lvl="8" indent="-285750">
+              <a:buClr>
+                <a:schemeClr val="dk1"/>
+              </a:buClr>
+              <a:buSzPts val="3200"/>
+              <a:buFont typeface="Arial"/>
+              <a:buChar char="•"/>
+            </a:pPr>
+            <a:endParaRPr lang="en-US" sz="2400" dirty="0">
               <a:solidFill>
-                <a:srgbClr val="000000"/>
+                <a:schemeClr val="dk1"/>
               </a:solidFill>
-              <a:latin typeface="Arial"/>
-              <a:ea typeface="Arial"/>
-              <a:cs typeface="Arial"/>
-              <a:sym typeface="Arial"/>
+              <a:latin typeface="Oswald"/>
+              <a:ea typeface="Oswald"/>
+              <a:cs typeface="Oswald"/>
+              <a:sym typeface="Oswald"/>
             </a:endParaRPr>
+          </a:p>
+          <a:p>
+            <a:pPr lvl="8">
+              <a:buClr>
+                <a:schemeClr val="dk1"/>
+              </a:buClr>
+              <a:buSzPts val="3200"/>
+            </a:pPr>
+            <a:r>
+              <a:rPr lang="en-US" sz="3200" dirty="0">
+                <a:solidFill>
+                  <a:schemeClr val="dk1"/>
+                </a:solidFill>
+                <a:latin typeface="Oswald"/>
+                <a:ea typeface="Oswald"/>
+                <a:cs typeface="Oswald"/>
+                <a:sym typeface="Oswald"/>
+              </a:rPr>
+              <a:t>Use </a:t>
+            </a:r>
+            <a:r>
+              <a:rPr lang="en-US" sz="3200" dirty="0">
+                <a:solidFill>
+                  <a:srgbClr val="C00000"/>
+                </a:solidFill>
+                <a:latin typeface="Oswald"/>
+                <a:ea typeface="Oswald"/>
+                <a:cs typeface="Oswald"/>
+                <a:sym typeface="Oswald"/>
+              </a:rPr>
+              <a:t>Machine Learning/Python </a:t>
+            </a:r>
+            <a:r>
+              <a:rPr lang="en-US" sz="3200" dirty="0">
+                <a:solidFill>
+                  <a:schemeClr val="dk1"/>
+                </a:solidFill>
+                <a:latin typeface="Oswald"/>
+                <a:ea typeface="Oswald"/>
+                <a:cs typeface="Oswald"/>
+                <a:sym typeface="Oswald"/>
+              </a:rPr>
+              <a:t>to forecast:</a:t>
+            </a:r>
+          </a:p>
+          <a:p>
+            <a:pPr marL="457200" lvl="8" indent="-457200">
+              <a:buClr>
+                <a:schemeClr val="dk1"/>
+              </a:buClr>
+              <a:buSzPts val="3200"/>
+              <a:buFont typeface="Arial" panose="020B0604020202020204" pitchFamily="34" charset="0"/>
+              <a:buChar char="•"/>
+            </a:pPr>
+            <a:r>
+              <a:rPr lang="en-US" sz="2400" dirty="0">
+                <a:solidFill>
+                  <a:schemeClr val="dk1"/>
+                </a:solidFill>
+                <a:latin typeface="Oswald"/>
+                <a:ea typeface="Oswald"/>
+                <a:cs typeface="Oswald"/>
+                <a:sym typeface="Oswald"/>
+              </a:rPr>
+              <a:t># Cases / New Cases</a:t>
+            </a:r>
+          </a:p>
+          <a:p>
+            <a:pPr marL="457200" lvl="8" indent="-457200">
+              <a:buClr>
+                <a:schemeClr val="dk1"/>
+              </a:buClr>
+              <a:buSzPts val="3200"/>
+              <a:buFont typeface="Arial" panose="020B0604020202020204" pitchFamily="34" charset="0"/>
+              <a:buChar char="•"/>
+            </a:pPr>
+            <a:r>
+              <a:rPr lang="en-US" sz="2400" dirty="0">
+                <a:solidFill>
+                  <a:schemeClr val="dk1"/>
+                </a:solidFill>
+                <a:latin typeface="Oswald"/>
+                <a:ea typeface="Oswald"/>
+                <a:cs typeface="Oswald"/>
+                <a:sym typeface="Oswald"/>
+              </a:rPr>
+              <a:t># Hospitalizations / New Hospitalization</a:t>
+            </a:r>
+          </a:p>
+          <a:p>
+            <a:pPr marL="457200" lvl="8" indent="-457200">
+              <a:buClr>
+                <a:schemeClr val="dk1"/>
+              </a:buClr>
+              <a:buSzPts val="3200"/>
+              <a:buFont typeface="Arial" panose="020B0604020202020204" pitchFamily="34" charset="0"/>
+              <a:buChar char="•"/>
+            </a:pPr>
+            <a:r>
+              <a:rPr lang="en-US" sz="2400" dirty="0">
+                <a:solidFill>
+                  <a:schemeClr val="dk1"/>
+                </a:solidFill>
+                <a:latin typeface="Oswald"/>
+                <a:ea typeface="Oswald"/>
+                <a:cs typeface="Oswald"/>
+                <a:sym typeface="Oswald"/>
+              </a:rPr>
+              <a:t># Deaths / New Deaths</a:t>
+            </a:r>
           </a:p>
         </p:txBody>
       </p:sp>
     </p:spTree>
+    <p:extLst>
+      <p:ext uri="{BB962C8B-B14F-4D97-AF65-F5344CB8AC3E}">
+        <p14:creationId xmlns:p14="http://schemas.microsoft.com/office/powerpoint/2010/main" val="2649714771"/>
+      </p:ext>
+    </p:extLst>
   </p:cSld>
   <p:clrMapOvr>
     <a:masterClrMapping/>
@@ -16557,7 +18955,357 @@
 </p:sld>
 </file>
 
-<file path=ppt/slides/slide2.xml><?xml version="1.0" encoding="utf-8"?>
+<file path=ppt/slides/slide3.xml><?xml version="1.0" encoding="utf-8"?>
+<p:sld xmlns:a="http://schemas.openxmlformats.org/drawingml/2006/main" xmlns:r="http://schemas.openxmlformats.org/officeDocument/2006/relationships" xmlns:p="http://schemas.openxmlformats.org/presentationml/2006/main">
+  <p:cSld>
+    <p:bg>
+      <p:bgPr>
+        <a:blipFill>
+          <a:blip r:embed="rId3">
+            <a:alphaModFix/>
+          </a:blip>
+          <a:stretch>
+            <a:fillRect/>
+          </a:stretch>
+        </a:blipFill>
+        <a:effectLst/>
+      </p:bgPr>
+    </p:bg>
+    <p:spTree>
+      <p:nvGrpSpPr>
+        <p:cNvPr id="1" name="Shape 93"/>
+        <p:cNvGrpSpPr/>
+        <p:nvPr/>
+      </p:nvGrpSpPr>
+      <p:grpSpPr>
+        <a:xfrm>
+          <a:off x="0" y="0"/>
+          <a:ext cx="0" cy="0"/>
+          <a:chOff x="0" y="0"/>
+          <a:chExt cx="0" cy="0"/>
+        </a:xfrm>
+      </p:grpSpPr>
+      <p:sp>
+        <p:nvSpPr>
+          <p:cNvPr id="94" name="Google Shape;94;p2"/>
+          <p:cNvSpPr txBox="1">
+            <a:spLocks noGrp="1"/>
+          </p:cNvSpPr>
+          <p:nvPr>
+            <p:ph type="title"/>
+          </p:nvPr>
+        </p:nvSpPr>
+        <p:spPr>
+          <a:xfrm>
+            <a:off x="838200" y="365125"/>
+            <a:ext cx="10515600" cy="1325563"/>
+          </a:xfrm>
+          <a:prstGeom prst="rect">
+            <a:avLst/>
+          </a:prstGeom>
+          <a:noFill/>
+          <a:ln>
+            <a:noFill/>
+          </a:ln>
+        </p:spPr>
+        <p:txBody>
+          <a:bodyPr spcFirstLastPara="1" wrap="square" lIns="91425" tIns="45700" rIns="91425" bIns="45700" anchor="ctr" anchorCtr="0">
+            <a:normAutofit/>
+          </a:bodyPr>
+          <a:lstStyle/>
+          <a:p>
+            <a:pPr marL="0" lvl="0" indent="0" algn="l" rtl="0">
+              <a:lnSpc>
+                <a:spcPct val="90000"/>
+              </a:lnSpc>
+              <a:spcBef>
+                <a:spcPts val="0"/>
+              </a:spcBef>
+              <a:spcAft>
+                <a:spcPts val="0"/>
+              </a:spcAft>
+              <a:buClr>
+                <a:schemeClr val="dk1"/>
+              </a:buClr>
+              <a:buSzPts val="4400"/>
+              <a:buFont typeface="Oswald"/>
+              <a:buNone/>
+            </a:pPr>
+            <a:r>
+              <a:rPr lang="en-US" dirty="0">
+                <a:latin typeface="Oswald"/>
+                <a:ea typeface="Oswald"/>
+                <a:cs typeface="Oswald"/>
+                <a:sym typeface="Oswald"/>
+              </a:rPr>
+              <a:t>Purpose of the Risk Calculator</a:t>
+            </a:r>
+            <a:endParaRPr dirty="0"/>
+          </a:p>
+        </p:txBody>
+      </p:sp>
+      <p:sp>
+        <p:nvSpPr>
+          <p:cNvPr id="95" name="Google Shape;95;p2"/>
+          <p:cNvSpPr txBox="1"/>
+          <p:nvPr/>
+        </p:nvSpPr>
+        <p:spPr>
+          <a:xfrm>
+            <a:off x="952500" y="1892300"/>
+            <a:ext cx="9144000" cy="2923837"/>
+          </a:xfrm>
+          <a:prstGeom prst="rect">
+            <a:avLst/>
+          </a:prstGeom>
+          <a:noFill/>
+          <a:ln>
+            <a:noFill/>
+          </a:ln>
+        </p:spPr>
+        <p:txBody>
+          <a:bodyPr spcFirstLastPara="1" wrap="square" lIns="91425" tIns="45700" rIns="91425" bIns="45700" anchor="t" anchorCtr="0">
+            <a:spAutoFit/>
+          </a:bodyPr>
+          <a:lstStyle/>
+          <a:p>
+            <a:pPr marR="0" lvl="0" algn="l" rtl="0">
+              <a:lnSpc>
+                <a:spcPct val="100000"/>
+              </a:lnSpc>
+              <a:spcBef>
+                <a:spcPts val="0"/>
+              </a:spcBef>
+              <a:spcAft>
+                <a:spcPts val="0"/>
+              </a:spcAft>
+              <a:buClr>
+                <a:schemeClr val="dk1"/>
+              </a:buClr>
+              <a:buSzPts val="3200"/>
+            </a:pPr>
+            <a:r>
+              <a:rPr lang="en-US" sz="3200" b="0" i="0" u="none" strike="noStrike" cap="none" dirty="0">
+                <a:solidFill>
+                  <a:schemeClr val="dk1"/>
+                </a:solidFill>
+                <a:latin typeface="Oswald"/>
+                <a:ea typeface="Oswald"/>
+                <a:cs typeface="Oswald"/>
+                <a:sym typeface="Oswald"/>
+              </a:rPr>
+              <a:t>Use </a:t>
+            </a:r>
+            <a:r>
+              <a:rPr lang="en-US" sz="3200" b="0" i="0" u="none" strike="noStrike" cap="none" dirty="0">
+                <a:solidFill>
+                  <a:srgbClr val="C00000"/>
+                </a:solidFill>
+                <a:latin typeface="Oswald"/>
+                <a:ea typeface="Oswald"/>
+                <a:cs typeface="Oswald"/>
+                <a:sym typeface="Oswald"/>
+              </a:rPr>
+              <a:t>Tableau</a:t>
+            </a:r>
+            <a:r>
+              <a:rPr lang="en-US" sz="3200" b="0" i="0" u="none" strike="noStrike" cap="none" dirty="0">
+                <a:solidFill>
+                  <a:schemeClr val="dk1"/>
+                </a:solidFill>
+                <a:latin typeface="Oswald"/>
+                <a:ea typeface="Oswald"/>
+                <a:cs typeface="Oswald"/>
+                <a:sym typeface="Oswald"/>
+              </a:rPr>
+              <a:t> to interactively:</a:t>
+            </a:r>
+          </a:p>
+          <a:p>
+            <a:pPr marL="457200" marR="0" lvl="0" indent="-457200" algn="l" rtl="0">
+              <a:lnSpc>
+                <a:spcPct val="100000"/>
+              </a:lnSpc>
+              <a:spcBef>
+                <a:spcPts val="0"/>
+              </a:spcBef>
+              <a:spcAft>
+                <a:spcPts val="0"/>
+              </a:spcAft>
+              <a:buClr>
+                <a:schemeClr val="dk1"/>
+              </a:buClr>
+              <a:buSzPts val="3200"/>
+              <a:buFont typeface="Arial" panose="020B0604020202020204" pitchFamily="34" charset="0"/>
+              <a:buChar char="•"/>
+            </a:pPr>
+            <a:r>
+              <a:rPr lang="en-US" sz="2400" dirty="0">
+                <a:solidFill>
+                  <a:schemeClr val="dk1"/>
+                </a:solidFill>
+                <a:latin typeface="Oswald"/>
+                <a:ea typeface="Oswald"/>
+                <a:cs typeface="Oswald"/>
+                <a:sym typeface="Oswald"/>
+              </a:rPr>
+              <a:t>Plot % of population Infected/Deceased</a:t>
+            </a:r>
+          </a:p>
+          <a:p>
+            <a:pPr marL="457200" marR="0" lvl="0" indent="-457200" algn="l" rtl="0">
+              <a:lnSpc>
+                <a:spcPct val="100000"/>
+              </a:lnSpc>
+              <a:spcBef>
+                <a:spcPts val="0"/>
+              </a:spcBef>
+              <a:spcAft>
+                <a:spcPts val="0"/>
+              </a:spcAft>
+              <a:buClr>
+                <a:schemeClr val="dk1"/>
+              </a:buClr>
+              <a:buSzPts val="3200"/>
+              <a:buFont typeface="Arial" panose="020B0604020202020204" pitchFamily="34" charset="0"/>
+              <a:buChar char="•"/>
+            </a:pPr>
+            <a:r>
+              <a:rPr lang="en-US" sz="2400" dirty="0">
+                <a:solidFill>
+                  <a:schemeClr val="dk1"/>
+                </a:solidFill>
+                <a:latin typeface="Oswald"/>
+                <a:ea typeface="Oswald"/>
+                <a:cs typeface="Oswald"/>
+                <a:sym typeface="Oswald"/>
+              </a:rPr>
+              <a:t>Spread across the US over time</a:t>
+            </a:r>
+          </a:p>
+          <a:p>
+            <a:pPr marL="285750" lvl="8" indent="-285750">
+              <a:buClr>
+                <a:schemeClr val="dk1"/>
+              </a:buClr>
+              <a:buSzPts val="3200"/>
+              <a:buFont typeface="Arial"/>
+              <a:buChar char="•"/>
+            </a:pPr>
+            <a:endParaRPr lang="en-US" sz="2400" dirty="0">
+              <a:solidFill>
+                <a:schemeClr val="dk1"/>
+              </a:solidFill>
+              <a:latin typeface="Oswald"/>
+              <a:ea typeface="Oswald"/>
+              <a:cs typeface="Oswald"/>
+              <a:sym typeface="Oswald"/>
+            </a:endParaRPr>
+          </a:p>
+          <a:p>
+            <a:pPr lvl="8">
+              <a:buClr>
+                <a:schemeClr val="dk1"/>
+              </a:buClr>
+              <a:buSzPts val="3200"/>
+            </a:pPr>
+            <a:r>
+              <a:rPr lang="en-US" sz="3200" dirty="0">
+                <a:solidFill>
+                  <a:schemeClr val="dk1"/>
+                </a:solidFill>
+                <a:latin typeface="Oswald"/>
+                <a:ea typeface="Oswald"/>
+                <a:cs typeface="Oswald"/>
+                <a:sym typeface="Oswald"/>
+              </a:rPr>
+              <a:t>Use </a:t>
+            </a:r>
+            <a:r>
+              <a:rPr lang="en-US" sz="3200" dirty="0">
+                <a:solidFill>
+                  <a:srgbClr val="C00000"/>
+                </a:solidFill>
+                <a:latin typeface="Oswald"/>
+                <a:ea typeface="Oswald"/>
+                <a:cs typeface="Oswald"/>
+                <a:sym typeface="Oswald"/>
+              </a:rPr>
+              <a:t>JS – FLASK – SQL server</a:t>
+            </a:r>
+            <a:r>
+              <a:rPr lang="en-US" sz="3200" dirty="0">
+                <a:solidFill>
+                  <a:schemeClr val="dk1"/>
+                </a:solidFill>
+                <a:latin typeface="Oswald"/>
+                <a:ea typeface="Oswald"/>
+                <a:cs typeface="Oswald"/>
+                <a:sym typeface="Oswald"/>
+              </a:rPr>
+              <a:t> to interactively</a:t>
+            </a:r>
+          </a:p>
+          <a:p>
+            <a:pPr marL="457200" lvl="8" indent="-457200">
+              <a:buClr>
+                <a:schemeClr val="dk1"/>
+              </a:buClr>
+              <a:buSzPts val="3200"/>
+              <a:buFont typeface="Arial" panose="020B0604020202020204" pitchFamily="34" charset="0"/>
+              <a:buChar char="•"/>
+            </a:pPr>
+            <a:r>
+              <a:rPr lang="en-US" sz="2400" dirty="0">
+                <a:solidFill>
+                  <a:schemeClr val="dk1"/>
+                </a:solidFill>
+                <a:latin typeface="Oswald"/>
+                <a:ea typeface="Oswald"/>
+                <a:cs typeface="Oswald"/>
+                <a:sym typeface="Oswald"/>
+              </a:rPr>
+              <a:t>Plot Cases/Hospitalizations by Country/State/County</a:t>
+            </a:r>
+          </a:p>
+          <a:p>
+            <a:pPr marL="457200" lvl="8" indent="-457200">
+              <a:buClr>
+                <a:schemeClr val="dk1"/>
+              </a:buClr>
+              <a:buSzPts val="3200"/>
+              <a:buFont typeface="Arial" panose="020B0604020202020204" pitchFamily="34" charset="0"/>
+              <a:buChar char="•"/>
+            </a:pPr>
+            <a:r>
+              <a:rPr lang="en-US" sz="2400" dirty="0">
+                <a:solidFill>
+                  <a:schemeClr val="dk1"/>
+                </a:solidFill>
+                <a:latin typeface="Oswald"/>
+                <a:ea typeface="Oswald"/>
+                <a:cs typeface="Oswald"/>
+                <a:sym typeface="Oswald"/>
+              </a:rPr>
+              <a:t>Plot New Cases and Hospitalizations/Deaths per State</a:t>
+            </a:r>
+          </a:p>
+        </p:txBody>
+      </p:sp>
+    </p:spTree>
+    <p:extLst>
+      <p:ext uri="{BB962C8B-B14F-4D97-AF65-F5344CB8AC3E}">
+        <p14:creationId xmlns:p14="http://schemas.microsoft.com/office/powerpoint/2010/main" val="4204059005"/>
+      </p:ext>
+    </p:extLst>
+  </p:cSld>
+  <p:clrMapOvr>
+    <a:masterClrMapping/>
+  </p:clrMapOvr>
+</p:sld>
+</file>
+
+<file path=ppt/slides/slide4.xml><?xml version="1.0" encoding="utf-8"?>
 <p:sld xmlns:a="http://schemas.openxmlformats.org/drawingml/2006/main" xmlns:r="http://schemas.openxmlformats.org/officeDocument/2006/relationships" xmlns:p="http://schemas.openxmlformats.org/presentationml/2006/main">
   <p:cSld>
     <p:bg>
@@ -16713,7 +19461,7 @@
 </p:sld>
 </file>
 
-<file path=ppt/slides/slide3.xml><?xml version="1.0" encoding="utf-8"?>
+<file path=ppt/slides/slide5.xml><?xml version="1.0" encoding="utf-8"?>
 <p:sld xmlns:a="http://schemas.openxmlformats.org/drawingml/2006/main" xmlns:r="http://schemas.openxmlformats.org/officeDocument/2006/relationships" xmlns:p="http://schemas.openxmlformats.org/presentationml/2006/main">
   <p:cSld>
     <p:bg>
@@ -16792,6 +19540,1694 @@
             <a:r>
               <a:rPr lang="en-US" dirty="0">
                 <a:latin typeface="Oswald"/>
+                <a:sym typeface="Oswald"/>
+              </a:rPr>
+              <a:t>Roles during this Project</a:t>
+            </a:r>
+            <a:endParaRPr dirty="0"/>
+          </a:p>
+        </p:txBody>
+      </p:sp>
+      <p:sp>
+        <p:nvSpPr>
+          <p:cNvPr id="95" name="Google Shape;95;p2"/>
+          <p:cNvSpPr txBox="1"/>
+          <p:nvPr/>
+        </p:nvSpPr>
+        <p:spPr>
+          <a:xfrm>
+            <a:off x="952500" y="1892300"/>
+            <a:ext cx="9144000" cy="461624"/>
+          </a:xfrm>
+          <a:prstGeom prst="rect">
+            <a:avLst/>
+          </a:prstGeom>
+          <a:noFill/>
+          <a:ln>
+            <a:noFill/>
+          </a:ln>
+        </p:spPr>
+        <p:txBody>
+          <a:bodyPr spcFirstLastPara="1" wrap="square" lIns="91425" tIns="45700" rIns="91425" bIns="45700" anchor="t" anchorCtr="0">
+            <a:spAutoFit/>
+          </a:bodyPr>
+          <a:lstStyle/>
+          <a:p>
+            <a:pPr marR="0" lvl="0" algn="l" rtl="0">
+              <a:lnSpc>
+                <a:spcPct val="100000"/>
+              </a:lnSpc>
+              <a:spcBef>
+                <a:spcPts val="0"/>
+              </a:spcBef>
+              <a:spcAft>
+                <a:spcPts val="0"/>
+              </a:spcAft>
+              <a:buClr>
+                <a:schemeClr val="dk1"/>
+              </a:buClr>
+              <a:buSzPts val="3200"/>
+            </a:pPr>
+            <a:endParaRPr lang="en-US" sz="2400" dirty="0">
+              <a:solidFill>
+                <a:schemeClr val="dk1"/>
+              </a:solidFill>
+              <a:latin typeface="Oswald"/>
+              <a:ea typeface="Oswald"/>
+              <a:cs typeface="Oswald"/>
+              <a:sym typeface="Oswald"/>
+            </a:endParaRPr>
+          </a:p>
+        </p:txBody>
+      </p:sp>
+      <p:graphicFrame>
+        <p:nvGraphicFramePr>
+          <p:cNvPr id="2" name="Table 2">
+            <a:extLst>
+              <a:ext uri="{FF2B5EF4-FFF2-40B4-BE49-F238E27FC236}">
+                <a16:creationId xmlns:a16="http://schemas.microsoft.com/office/drawing/2014/main" id="{2030308C-0480-4CE0-A783-3B20BAB1625D}"/>
+              </a:ext>
+            </a:extLst>
+          </p:cNvPr>
+          <p:cNvGraphicFramePr>
+            <a:graphicFrameLocks noGrp="1"/>
+          </p:cNvGraphicFramePr>
+          <p:nvPr>
+            <p:extLst>
+              <p:ext uri="{D42A27DB-BD31-4B8C-83A1-F6EECF244321}">
+                <p14:modId xmlns:p14="http://schemas.microsoft.com/office/powerpoint/2010/main" val="245756665"/>
+              </p:ext>
+            </p:extLst>
+          </p:nvPr>
+        </p:nvGraphicFramePr>
+        <p:xfrm>
+          <a:off x="899160" y="1690687"/>
+          <a:ext cx="9093252" cy="4281850"/>
+        </p:xfrm>
+        <a:graphic>
+          <a:graphicData uri="http://schemas.openxmlformats.org/drawingml/2006/table">
+            <a:tbl>
+              <a:tblPr firstRow="1" bandRow="1">
+                <a:tableStyleId>{1FECB4D8-DB02-4DC6-A0A2-4F2EBAE1DC90}</a:tableStyleId>
+              </a:tblPr>
+              <a:tblGrid>
+                <a:gridCol w="2156460">
+                  <a:extLst>
+                    <a:ext uri="{9D8B030D-6E8A-4147-A177-3AD203B41FA5}">
+                      <a16:colId xmlns:a16="http://schemas.microsoft.com/office/drawing/2014/main" val="3997311036"/>
+                    </a:ext>
+                  </a:extLst>
+                </a:gridCol>
+                <a:gridCol w="795020">
+                  <a:extLst>
+                    <a:ext uri="{9D8B030D-6E8A-4147-A177-3AD203B41FA5}">
+                      <a16:colId xmlns:a16="http://schemas.microsoft.com/office/drawing/2014/main" val="230197645"/>
+                    </a:ext>
+                  </a:extLst>
+                </a:gridCol>
+                <a:gridCol w="896620">
+                  <a:extLst>
+                    <a:ext uri="{9D8B030D-6E8A-4147-A177-3AD203B41FA5}">
+                      <a16:colId xmlns:a16="http://schemas.microsoft.com/office/drawing/2014/main" val="2905010190"/>
+                    </a:ext>
+                  </a:extLst>
+                </a:gridCol>
+                <a:gridCol w="894080">
+                  <a:extLst>
+                    <a:ext uri="{9D8B030D-6E8A-4147-A177-3AD203B41FA5}">
+                      <a16:colId xmlns:a16="http://schemas.microsoft.com/office/drawing/2014/main" val="1505043201"/>
+                    </a:ext>
+                  </a:extLst>
+                </a:gridCol>
+                <a:gridCol w="889000">
+                  <a:extLst>
+                    <a:ext uri="{9D8B030D-6E8A-4147-A177-3AD203B41FA5}">
+                      <a16:colId xmlns:a16="http://schemas.microsoft.com/office/drawing/2014/main" val="1508793480"/>
+                    </a:ext>
+                  </a:extLst>
+                </a:gridCol>
+                <a:gridCol w="1539240">
+                  <a:extLst>
+                    <a:ext uri="{9D8B030D-6E8A-4147-A177-3AD203B41FA5}">
+                      <a16:colId xmlns:a16="http://schemas.microsoft.com/office/drawing/2014/main" val="2575084246"/>
+                    </a:ext>
+                  </a:extLst>
+                </a:gridCol>
+                <a:gridCol w="885825">
+                  <a:extLst>
+                    <a:ext uri="{9D8B030D-6E8A-4147-A177-3AD203B41FA5}">
+                      <a16:colId xmlns:a16="http://schemas.microsoft.com/office/drawing/2014/main" val="1069111551"/>
+                    </a:ext>
+                  </a:extLst>
+                </a:gridCol>
+                <a:gridCol w="1037007">
+                  <a:extLst>
+                    <a:ext uri="{9D8B030D-6E8A-4147-A177-3AD203B41FA5}">
+                      <a16:colId xmlns:a16="http://schemas.microsoft.com/office/drawing/2014/main" val="2593592243"/>
+                    </a:ext>
+                  </a:extLst>
+                </a:gridCol>
+              </a:tblGrid>
+              <a:tr h="856370">
+                <a:tc>
+                  <a:txBody>
+                    <a:bodyPr/>
+                    <a:lstStyle/>
+                    <a:p>
+                      <a:endParaRPr lang="en-US" dirty="0"/>
+                    </a:p>
+                  </a:txBody>
+                  <a:tcPr/>
+                </a:tc>
+                <a:tc>
+                  <a:txBody>
+                    <a:bodyPr/>
+                    <a:lstStyle/>
+                    <a:p>
+                      <a:endParaRPr lang="en-US" dirty="0"/>
+                    </a:p>
+                  </a:txBody>
+                  <a:tcPr/>
+                </a:tc>
+                <a:tc>
+                  <a:txBody>
+                    <a:bodyPr/>
+                    <a:lstStyle/>
+                    <a:p>
+                      <a:endParaRPr lang="en-US" dirty="0"/>
+                    </a:p>
+                  </a:txBody>
+                  <a:tcPr/>
+                </a:tc>
+                <a:tc>
+                  <a:txBody>
+                    <a:bodyPr/>
+                    <a:lstStyle/>
+                    <a:p>
+                      <a:endParaRPr lang="en-US" dirty="0"/>
+                    </a:p>
+                  </a:txBody>
+                  <a:tcPr/>
+                </a:tc>
+                <a:tc>
+                  <a:txBody>
+                    <a:bodyPr/>
+                    <a:lstStyle/>
+                    <a:p>
+                      <a:endParaRPr lang="en-US"/>
+                    </a:p>
+                  </a:txBody>
+                  <a:tcPr/>
+                </a:tc>
+                <a:tc>
+                  <a:txBody>
+                    <a:bodyPr/>
+                    <a:lstStyle/>
+                    <a:p>
+                      <a:endParaRPr lang="en-US" dirty="0"/>
+                    </a:p>
+                  </a:txBody>
+                  <a:tcPr/>
+                </a:tc>
+                <a:tc>
+                  <a:txBody>
+                    <a:bodyPr/>
+                    <a:lstStyle/>
+                    <a:p>
+                      <a:endParaRPr lang="en-US" dirty="0"/>
+                    </a:p>
+                  </a:txBody>
+                  <a:tcPr/>
+                </a:tc>
+                <a:tc>
+                  <a:txBody>
+                    <a:bodyPr/>
+                    <a:lstStyle/>
+                    <a:p>
+                      <a:endParaRPr lang="en-US" dirty="0"/>
+                    </a:p>
+                  </a:txBody>
+                  <a:tcPr/>
+                </a:tc>
+                <a:extLst>
+                  <a:ext uri="{0D108BD9-81ED-4DB2-BD59-A6C34878D82A}">
+                    <a16:rowId xmlns:a16="http://schemas.microsoft.com/office/drawing/2014/main" val="67260966"/>
+                  </a:ext>
+                </a:extLst>
+              </a:tr>
+              <a:tr h="856370">
+                <a:tc>
+                  <a:txBody>
+                    <a:bodyPr/>
+                    <a:lstStyle/>
+                    <a:p>
+                      <a:endParaRPr lang="en-US" dirty="0"/>
+                    </a:p>
+                    <a:p>
+                      <a:r>
+                        <a:rPr lang="en-US" b="1" dirty="0">
+                          <a:latin typeface="Oswald" panose="020B0604020202020204" charset="0"/>
+                        </a:rPr>
+                        <a:t>M. Becker</a:t>
+                      </a:r>
+                      <a:endParaRPr lang="en-US" dirty="0"/>
+                    </a:p>
+                  </a:txBody>
+                  <a:tcPr/>
+                </a:tc>
+                <a:tc>
+                  <a:txBody>
+                    <a:bodyPr/>
+                    <a:lstStyle/>
+                    <a:p>
+                      <a:pPr marL="0" marR="0" lvl="0" indent="0" algn="l" defTabSz="914400" rtl="0" eaLnBrk="1" fontAlgn="auto" latinLnBrk="0" hangingPunct="1">
+                        <a:lnSpc>
+                          <a:spcPct val="100000"/>
+                        </a:lnSpc>
+                        <a:spcBef>
+                          <a:spcPts val="0"/>
+                        </a:spcBef>
+                        <a:spcAft>
+                          <a:spcPts val="0"/>
+                        </a:spcAft>
+                        <a:buClr>
+                          <a:srgbClr val="000000"/>
+                        </a:buClr>
+                        <a:buSzTx/>
+                        <a:buFont typeface="Arial"/>
+                        <a:buNone/>
+                        <a:tabLst/>
+                        <a:defRPr/>
+                      </a:pPr>
+                      <a:endParaRPr lang="en-US" b="1" dirty="0">
+                        <a:latin typeface="Oswald" panose="020B0604020202020204" charset="0"/>
+                      </a:endParaRPr>
+                    </a:p>
+                    <a:p>
+                      <a:endParaRPr lang="en-US" dirty="0"/>
+                    </a:p>
+                  </a:txBody>
+                  <a:tcPr/>
+                </a:tc>
+                <a:tc>
+                  <a:txBody>
+                    <a:bodyPr/>
+                    <a:lstStyle/>
+                    <a:p>
+                      <a:pPr algn="ctr"/>
+                      <a:endParaRPr lang="en-US" dirty="0"/>
+                    </a:p>
+                  </a:txBody>
+                  <a:tcPr/>
+                </a:tc>
+                <a:tc>
+                  <a:txBody>
+                    <a:bodyPr/>
+                    <a:lstStyle/>
+                    <a:p>
+                      <a:endParaRPr lang="en-US" dirty="0"/>
+                    </a:p>
+                  </a:txBody>
+                  <a:tcPr/>
+                </a:tc>
+                <a:tc>
+                  <a:txBody>
+                    <a:bodyPr/>
+                    <a:lstStyle/>
+                    <a:p>
+                      <a:pPr algn="ctr"/>
+                      <a:endParaRPr lang="en-US" b="0" dirty="0">
+                        <a:latin typeface="+mn-lt"/>
+                      </a:endParaRPr>
+                    </a:p>
+                  </a:txBody>
+                  <a:tcPr/>
+                </a:tc>
+                <a:tc>
+                  <a:txBody>
+                    <a:bodyPr/>
+                    <a:lstStyle/>
+                    <a:p>
+                      <a:pPr algn="ctr"/>
+                      <a:endParaRPr lang="en-US" b="1" dirty="0">
+                        <a:latin typeface="Oswald" panose="020B0604020202020204" charset="0"/>
+                      </a:endParaRPr>
+                    </a:p>
+                  </a:txBody>
+                  <a:tcPr/>
+                </a:tc>
+                <a:tc>
+                  <a:txBody>
+                    <a:bodyPr/>
+                    <a:lstStyle/>
+                    <a:p>
+                      <a:pPr marL="0" marR="0" lvl="0" indent="0" algn="l" defTabSz="914400" rtl="0" eaLnBrk="1" fontAlgn="auto" latinLnBrk="0" hangingPunct="1">
+                        <a:lnSpc>
+                          <a:spcPct val="100000"/>
+                        </a:lnSpc>
+                        <a:spcBef>
+                          <a:spcPts val="0"/>
+                        </a:spcBef>
+                        <a:spcAft>
+                          <a:spcPts val="0"/>
+                        </a:spcAft>
+                        <a:buClr>
+                          <a:srgbClr val="000000"/>
+                        </a:buClr>
+                        <a:buSzTx/>
+                        <a:buFont typeface="Arial"/>
+                        <a:buNone/>
+                        <a:tabLst/>
+                        <a:defRPr/>
+                      </a:pPr>
+                      <a:endParaRPr lang="en-US" b="1" dirty="0">
+                        <a:latin typeface="Oswald" panose="020B0604020202020204" charset="0"/>
+                      </a:endParaRPr>
+                    </a:p>
+                    <a:p>
+                      <a:pPr marL="0" marR="0" lvl="0" indent="0" algn="ctr" defTabSz="914400" rtl="0" eaLnBrk="1" fontAlgn="auto" latinLnBrk="0" hangingPunct="1">
+                        <a:lnSpc>
+                          <a:spcPct val="100000"/>
+                        </a:lnSpc>
+                        <a:spcBef>
+                          <a:spcPts val="0"/>
+                        </a:spcBef>
+                        <a:spcAft>
+                          <a:spcPts val="0"/>
+                        </a:spcAft>
+                        <a:buClr>
+                          <a:srgbClr val="000000"/>
+                        </a:buClr>
+                        <a:buSzTx/>
+                        <a:buFont typeface="Arial"/>
+                        <a:buNone/>
+                        <a:tabLst/>
+                        <a:defRPr/>
+                      </a:pPr>
+                      <a:r>
+                        <a:rPr lang="en-US" b="1" dirty="0">
+                          <a:latin typeface="Oswald" panose="020B0604020202020204" charset="0"/>
+                        </a:rPr>
+                        <a:t>X</a:t>
+                      </a:r>
+                      <a:endParaRPr lang="en-US" dirty="0"/>
+                    </a:p>
+                  </a:txBody>
+                  <a:tcPr/>
+                </a:tc>
+                <a:tc>
+                  <a:txBody>
+                    <a:bodyPr/>
+                    <a:lstStyle/>
+                    <a:p>
+                      <a:endParaRPr lang="en-US" dirty="0"/>
+                    </a:p>
+                  </a:txBody>
+                  <a:tcPr/>
+                </a:tc>
+                <a:extLst>
+                  <a:ext uri="{0D108BD9-81ED-4DB2-BD59-A6C34878D82A}">
+                    <a16:rowId xmlns:a16="http://schemas.microsoft.com/office/drawing/2014/main" val="2704800144"/>
+                  </a:ext>
+                </a:extLst>
+              </a:tr>
+              <a:tr h="856370">
+                <a:tc>
+                  <a:txBody>
+                    <a:bodyPr/>
+                    <a:lstStyle/>
+                    <a:p>
+                      <a:endParaRPr lang="en-US" dirty="0"/>
+                    </a:p>
+                    <a:p>
+                      <a:r>
+                        <a:rPr lang="en-US" b="1" dirty="0">
+                          <a:latin typeface="Oswald" panose="020B0604020202020204" charset="0"/>
+                        </a:rPr>
+                        <a:t>L. Huang</a:t>
+                      </a:r>
+                      <a:endParaRPr lang="en-US" dirty="0"/>
+                    </a:p>
+                    <a:p>
+                      <a:endParaRPr lang="en-US" dirty="0"/>
+                    </a:p>
+                  </a:txBody>
+                  <a:tcPr/>
+                </a:tc>
+                <a:tc>
+                  <a:txBody>
+                    <a:bodyPr/>
+                    <a:lstStyle/>
+                    <a:p>
+                      <a:endParaRPr lang="en-US" dirty="0"/>
+                    </a:p>
+                  </a:txBody>
+                  <a:tcPr/>
+                </a:tc>
+                <a:tc>
+                  <a:txBody>
+                    <a:bodyPr/>
+                    <a:lstStyle/>
+                    <a:p>
+                      <a:pPr marL="0" marR="0" lvl="0" indent="0" algn="ctr" defTabSz="914400" rtl="0" eaLnBrk="1" fontAlgn="auto" latinLnBrk="0" hangingPunct="1">
+                        <a:lnSpc>
+                          <a:spcPct val="100000"/>
+                        </a:lnSpc>
+                        <a:spcBef>
+                          <a:spcPts val="0"/>
+                        </a:spcBef>
+                        <a:spcAft>
+                          <a:spcPts val="0"/>
+                        </a:spcAft>
+                        <a:buClr>
+                          <a:srgbClr val="000000"/>
+                        </a:buClr>
+                        <a:buSzTx/>
+                        <a:buFont typeface="Arial"/>
+                        <a:buNone/>
+                        <a:tabLst/>
+                        <a:defRPr/>
+                      </a:pPr>
+                      <a:endParaRPr lang="en-US" b="1" dirty="0">
+                        <a:latin typeface="Oswald" panose="020B0604020202020204" charset="0"/>
+                      </a:endParaRPr>
+                    </a:p>
+                    <a:p>
+                      <a:endParaRPr lang="en-US" dirty="0"/>
+                    </a:p>
+                  </a:txBody>
+                  <a:tcPr/>
+                </a:tc>
+                <a:tc>
+                  <a:txBody>
+                    <a:bodyPr/>
+                    <a:lstStyle/>
+                    <a:p>
+                      <a:pPr marL="0" marR="0" lvl="0" indent="0" algn="l" defTabSz="914400" rtl="0" eaLnBrk="1" fontAlgn="auto" latinLnBrk="0" hangingPunct="1">
+                        <a:lnSpc>
+                          <a:spcPct val="100000"/>
+                        </a:lnSpc>
+                        <a:spcBef>
+                          <a:spcPts val="0"/>
+                        </a:spcBef>
+                        <a:spcAft>
+                          <a:spcPts val="0"/>
+                        </a:spcAft>
+                        <a:buClr>
+                          <a:srgbClr val="000000"/>
+                        </a:buClr>
+                        <a:buSzTx/>
+                        <a:buFont typeface="Arial"/>
+                        <a:buNone/>
+                        <a:tabLst/>
+                        <a:defRPr/>
+                      </a:pPr>
+                      <a:endParaRPr lang="en-US" b="1" dirty="0">
+                        <a:latin typeface="Oswald" panose="020B0604020202020204" charset="0"/>
+                      </a:endParaRPr>
+                    </a:p>
+                    <a:p>
+                      <a:pPr marL="0" marR="0" lvl="0" indent="0" algn="ctr" defTabSz="914400" rtl="0" eaLnBrk="1" fontAlgn="auto" latinLnBrk="0" hangingPunct="1">
+                        <a:lnSpc>
+                          <a:spcPct val="100000"/>
+                        </a:lnSpc>
+                        <a:spcBef>
+                          <a:spcPts val="0"/>
+                        </a:spcBef>
+                        <a:spcAft>
+                          <a:spcPts val="0"/>
+                        </a:spcAft>
+                        <a:buClr>
+                          <a:srgbClr val="000000"/>
+                        </a:buClr>
+                        <a:buSzTx/>
+                        <a:buFont typeface="Arial"/>
+                        <a:buNone/>
+                        <a:tabLst/>
+                        <a:defRPr/>
+                      </a:pPr>
+                      <a:r>
+                        <a:rPr lang="en-US" b="1" dirty="0">
+                          <a:latin typeface="Oswald" panose="020B0604020202020204" charset="0"/>
+                        </a:rPr>
+                        <a:t>X</a:t>
+                      </a:r>
+                      <a:endParaRPr lang="en-US" dirty="0"/>
+                    </a:p>
+                    <a:p>
+                      <a:endParaRPr lang="en-US" dirty="0"/>
+                    </a:p>
+                  </a:txBody>
+                  <a:tcPr/>
+                </a:tc>
+                <a:tc>
+                  <a:txBody>
+                    <a:bodyPr/>
+                    <a:lstStyle/>
+                    <a:p>
+                      <a:endParaRPr lang="en-US"/>
+                    </a:p>
+                  </a:txBody>
+                  <a:tcPr/>
+                </a:tc>
+                <a:tc>
+                  <a:txBody>
+                    <a:bodyPr/>
+                    <a:lstStyle/>
+                    <a:p>
+                      <a:pPr marL="0" marR="0" lvl="0" indent="0" algn="ctr" defTabSz="914400" rtl="0" eaLnBrk="1" fontAlgn="auto" latinLnBrk="0" hangingPunct="1">
+                        <a:lnSpc>
+                          <a:spcPct val="100000"/>
+                        </a:lnSpc>
+                        <a:spcBef>
+                          <a:spcPts val="0"/>
+                        </a:spcBef>
+                        <a:spcAft>
+                          <a:spcPts val="0"/>
+                        </a:spcAft>
+                        <a:buClr>
+                          <a:srgbClr val="000000"/>
+                        </a:buClr>
+                        <a:buSzTx/>
+                        <a:buFont typeface="Arial"/>
+                        <a:buNone/>
+                        <a:tabLst/>
+                        <a:defRPr/>
+                      </a:pPr>
+                      <a:endParaRPr lang="en-US" b="1" dirty="0">
+                        <a:latin typeface="Oswald" panose="020B0604020202020204" charset="0"/>
+                      </a:endParaRPr>
+                    </a:p>
+                    <a:p>
+                      <a:endParaRPr lang="en-US" dirty="0"/>
+                    </a:p>
+                  </a:txBody>
+                  <a:tcPr/>
+                </a:tc>
+                <a:tc>
+                  <a:txBody>
+                    <a:bodyPr/>
+                    <a:lstStyle/>
+                    <a:p>
+                      <a:endParaRPr lang="en-US" dirty="0"/>
+                    </a:p>
+                  </a:txBody>
+                  <a:tcPr/>
+                </a:tc>
+                <a:tc>
+                  <a:txBody>
+                    <a:bodyPr/>
+                    <a:lstStyle/>
+                    <a:p>
+                      <a:endParaRPr lang="en-US" dirty="0"/>
+                    </a:p>
+                  </a:txBody>
+                  <a:tcPr/>
+                </a:tc>
+                <a:extLst>
+                  <a:ext uri="{0D108BD9-81ED-4DB2-BD59-A6C34878D82A}">
+                    <a16:rowId xmlns:a16="http://schemas.microsoft.com/office/drawing/2014/main" val="2949445028"/>
+                  </a:ext>
+                </a:extLst>
+              </a:tr>
+              <a:tr h="856370">
+                <a:tc>
+                  <a:txBody>
+                    <a:bodyPr/>
+                    <a:lstStyle/>
+                    <a:p>
+                      <a:endParaRPr lang="en-US" dirty="0"/>
+                    </a:p>
+                    <a:p>
+                      <a:r>
+                        <a:rPr lang="en-US" b="1" dirty="0">
+                          <a:latin typeface="Oswald" panose="020B0604020202020204" charset="0"/>
+                        </a:rPr>
+                        <a:t>A. Rijpkema</a:t>
+                      </a:r>
+                      <a:endParaRPr lang="en-US" dirty="0"/>
+                    </a:p>
+                  </a:txBody>
+                  <a:tcPr/>
+                </a:tc>
+                <a:tc>
+                  <a:txBody>
+                    <a:bodyPr/>
+                    <a:lstStyle/>
+                    <a:p>
+                      <a:pPr marL="0" marR="0" lvl="0" indent="0" algn="l" defTabSz="914400" rtl="0" eaLnBrk="1" fontAlgn="auto" latinLnBrk="0" hangingPunct="1">
+                        <a:lnSpc>
+                          <a:spcPct val="100000"/>
+                        </a:lnSpc>
+                        <a:spcBef>
+                          <a:spcPts val="0"/>
+                        </a:spcBef>
+                        <a:spcAft>
+                          <a:spcPts val="0"/>
+                        </a:spcAft>
+                        <a:buClr>
+                          <a:srgbClr val="000000"/>
+                        </a:buClr>
+                        <a:buSzTx/>
+                        <a:buFont typeface="Arial"/>
+                        <a:buNone/>
+                        <a:tabLst/>
+                        <a:defRPr/>
+                      </a:pPr>
+                      <a:endParaRPr lang="en-US" b="1" dirty="0">
+                        <a:latin typeface="Oswald" panose="020B0604020202020204" charset="0"/>
+                      </a:endParaRPr>
+                    </a:p>
+                    <a:p>
+                      <a:pPr marL="0" marR="0" lvl="0" indent="0" algn="ctr" defTabSz="914400" rtl="0" eaLnBrk="1" fontAlgn="auto" latinLnBrk="0" hangingPunct="1">
+                        <a:lnSpc>
+                          <a:spcPct val="100000"/>
+                        </a:lnSpc>
+                        <a:spcBef>
+                          <a:spcPts val="0"/>
+                        </a:spcBef>
+                        <a:spcAft>
+                          <a:spcPts val="0"/>
+                        </a:spcAft>
+                        <a:buClr>
+                          <a:srgbClr val="000000"/>
+                        </a:buClr>
+                        <a:buSzTx/>
+                        <a:buFont typeface="Arial"/>
+                        <a:buNone/>
+                        <a:tabLst/>
+                        <a:defRPr/>
+                      </a:pPr>
+                      <a:r>
+                        <a:rPr lang="en-US" b="1" dirty="0">
+                          <a:latin typeface="Oswald" panose="020B0604020202020204" charset="0"/>
+                        </a:rPr>
+                        <a:t>X</a:t>
+                      </a:r>
+                    </a:p>
+                    <a:p>
+                      <a:endParaRPr lang="en-US" dirty="0"/>
+                    </a:p>
+                  </a:txBody>
+                  <a:tcPr/>
+                </a:tc>
+                <a:tc>
+                  <a:txBody>
+                    <a:bodyPr/>
+                    <a:lstStyle/>
+                    <a:p>
+                      <a:pPr marL="0" marR="0" lvl="0" indent="0" algn="l" defTabSz="914400" rtl="0" eaLnBrk="1" fontAlgn="auto" latinLnBrk="0" hangingPunct="1">
+                        <a:lnSpc>
+                          <a:spcPct val="100000"/>
+                        </a:lnSpc>
+                        <a:spcBef>
+                          <a:spcPts val="0"/>
+                        </a:spcBef>
+                        <a:spcAft>
+                          <a:spcPts val="0"/>
+                        </a:spcAft>
+                        <a:buClr>
+                          <a:srgbClr val="000000"/>
+                        </a:buClr>
+                        <a:buSzTx/>
+                        <a:buFont typeface="Arial"/>
+                        <a:buNone/>
+                        <a:tabLst/>
+                        <a:defRPr/>
+                      </a:pPr>
+                      <a:endParaRPr lang="en-US" b="1" dirty="0">
+                        <a:latin typeface="Oswald" panose="020B0604020202020204" charset="0"/>
+                      </a:endParaRPr>
+                    </a:p>
+                    <a:p>
+                      <a:pPr marL="0" marR="0" lvl="0" indent="0" algn="ctr" defTabSz="914400" rtl="0" eaLnBrk="1" fontAlgn="auto" latinLnBrk="0" hangingPunct="1">
+                        <a:lnSpc>
+                          <a:spcPct val="100000"/>
+                        </a:lnSpc>
+                        <a:spcBef>
+                          <a:spcPts val="0"/>
+                        </a:spcBef>
+                        <a:spcAft>
+                          <a:spcPts val="0"/>
+                        </a:spcAft>
+                        <a:buClr>
+                          <a:srgbClr val="000000"/>
+                        </a:buClr>
+                        <a:buSzTx/>
+                        <a:buFont typeface="Arial"/>
+                        <a:buNone/>
+                        <a:tabLst/>
+                        <a:defRPr/>
+                      </a:pPr>
+                      <a:r>
+                        <a:rPr lang="en-US" b="1" dirty="0">
+                          <a:latin typeface="Oswald" panose="020B0604020202020204" charset="0"/>
+                        </a:rPr>
+                        <a:t>X</a:t>
+                      </a:r>
+                    </a:p>
+                    <a:p>
+                      <a:endParaRPr lang="en-US" dirty="0"/>
+                    </a:p>
+                  </a:txBody>
+                  <a:tcPr/>
+                </a:tc>
+                <a:tc>
+                  <a:txBody>
+                    <a:bodyPr/>
+                    <a:lstStyle/>
+                    <a:p>
+                      <a:endParaRPr lang="en-US"/>
+                    </a:p>
+                  </a:txBody>
+                  <a:tcPr/>
+                </a:tc>
+                <a:tc>
+                  <a:txBody>
+                    <a:bodyPr/>
+                    <a:lstStyle/>
+                    <a:p>
+                      <a:pPr marL="0" marR="0" lvl="0" indent="0" algn="l" defTabSz="914400" rtl="0" eaLnBrk="1" fontAlgn="auto" latinLnBrk="0" hangingPunct="1">
+                        <a:lnSpc>
+                          <a:spcPct val="100000"/>
+                        </a:lnSpc>
+                        <a:spcBef>
+                          <a:spcPts val="0"/>
+                        </a:spcBef>
+                        <a:spcAft>
+                          <a:spcPts val="0"/>
+                        </a:spcAft>
+                        <a:buClr>
+                          <a:srgbClr val="000000"/>
+                        </a:buClr>
+                        <a:buSzTx/>
+                        <a:buFont typeface="Arial"/>
+                        <a:buNone/>
+                        <a:tabLst/>
+                        <a:defRPr/>
+                      </a:pPr>
+                      <a:endParaRPr lang="en-US" b="1" dirty="0">
+                        <a:latin typeface="Oswald" panose="020B0604020202020204" charset="0"/>
+                      </a:endParaRPr>
+                    </a:p>
+                    <a:p>
+                      <a:pPr marL="0" marR="0" lvl="0" indent="0" algn="ctr" defTabSz="914400" rtl="0" eaLnBrk="1" fontAlgn="auto" latinLnBrk="0" hangingPunct="1">
+                        <a:lnSpc>
+                          <a:spcPct val="100000"/>
+                        </a:lnSpc>
+                        <a:spcBef>
+                          <a:spcPts val="0"/>
+                        </a:spcBef>
+                        <a:spcAft>
+                          <a:spcPts val="0"/>
+                        </a:spcAft>
+                        <a:buClr>
+                          <a:srgbClr val="000000"/>
+                        </a:buClr>
+                        <a:buSzTx/>
+                        <a:buFont typeface="Arial"/>
+                        <a:buNone/>
+                        <a:tabLst/>
+                        <a:defRPr/>
+                      </a:pPr>
+                      <a:r>
+                        <a:rPr lang="en-US" b="1" dirty="0">
+                          <a:latin typeface="Oswald" panose="020B0604020202020204" charset="0"/>
+                        </a:rPr>
+                        <a:t>X</a:t>
+                      </a:r>
+                    </a:p>
+                    <a:p>
+                      <a:endParaRPr lang="en-US" dirty="0"/>
+                    </a:p>
+                  </a:txBody>
+                  <a:tcPr/>
+                </a:tc>
+                <a:tc>
+                  <a:txBody>
+                    <a:bodyPr/>
+                    <a:lstStyle/>
+                    <a:p>
+                      <a:pPr marL="0" marR="0" lvl="0" indent="0" algn="l" defTabSz="914400" rtl="0" eaLnBrk="1" fontAlgn="auto" latinLnBrk="0" hangingPunct="1">
+                        <a:lnSpc>
+                          <a:spcPct val="100000"/>
+                        </a:lnSpc>
+                        <a:spcBef>
+                          <a:spcPts val="0"/>
+                        </a:spcBef>
+                        <a:spcAft>
+                          <a:spcPts val="0"/>
+                        </a:spcAft>
+                        <a:buClr>
+                          <a:srgbClr val="000000"/>
+                        </a:buClr>
+                        <a:buSzTx/>
+                        <a:buFont typeface="Arial"/>
+                        <a:buNone/>
+                        <a:tabLst/>
+                        <a:defRPr/>
+                      </a:pPr>
+                      <a:endParaRPr lang="en-US" b="1" dirty="0">
+                        <a:latin typeface="Oswald" panose="020B0604020202020204" charset="0"/>
+                      </a:endParaRPr>
+                    </a:p>
+                    <a:p>
+                      <a:pPr marL="0" marR="0" lvl="0" indent="0" algn="ctr" defTabSz="914400" rtl="0" eaLnBrk="1" fontAlgn="auto" latinLnBrk="0" hangingPunct="1">
+                        <a:lnSpc>
+                          <a:spcPct val="100000"/>
+                        </a:lnSpc>
+                        <a:spcBef>
+                          <a:spcPts val="0"/>
+                        </a:spcBef>
+                        <a:spcAft>
+                          <a:spcPts val="0"/>
+                        </a:spcAft>
+                        <a:buClr>
+                          <a:srgbClr val="000000"/>
+                        </a:buClr>
+                        <a:buSzTx/>
+                        <a:buFont typeface="Arial"/>
+                        <a:buNone/>
+                        <a:tabLst/>
+                        <a:defRPr/>
+                      </a:pPr>
+                      <a:r>
+                        <a:rPr lang="en-US" b="1" dirty="0">
+                          <a:latin typeface="Oswald" panose="020B0604020202020204" charset="0"/>
+                        </a:rPr>
+                        <a:t>X</a:t>
+                      </a:r>
+                    </a:p>
+                    <a:p>
+                      <a:endParaRPr lang="en-US" dirty="0"/>
+                    </a:p>
+                  </a:txBody>
+                  <a:tcPr/>
+                </a:tc>
+                <a:tc>
+                  <a:txBody>
+                    <a:bodyPr/>
+                    <a:lstStyle/>
+                    <a:p>
+                      <a:endParaRPr lang="en-US" dirty="0"/>
+                    </a:p>
+                  </a:txBody>
+                  <a:tcPr/>
+                </a:tc>
+                <a:tc>
+                  <a:txBody>
+                    <a:bodyPr/>
+                    <a:lstStyle/>
+                    <a:p>
+                      <a:pPr marL="0" marR="0" lvl="0" indent="0" algn="l" defTabSz="914400" rtl="0" eaLnBrk="1" fontAlgn="auto" latinLnBrk="0" hangingPunct="1">
+                        <a:lnSpc>
+                          <a:spcPct val="100000"/>
+                        </a:lnSpc>
+                        <a:spcBef>
+                          <a:spcPts val="0"/>
+                        </a:spcBef>
+                        <a:spcAft>
+                          <a:spcPts val="0"/>
+                        </a:spcAft>
+                        <a:buClr>
+                          <a:srgbClr val="000000"/>
+                        </a:buClr>
+                        <a:buSzTx/>
+                        <a:buFont typeface="Arial"/>
+                        <a:buNone/>
+                        <a:tabLst/>
+                        <a:defRPr/>
+                      </a:pPr>
+                      <a:endParaRPr lang="en-US" b="1" dirty="0">
+                        <a:latin typeface="Oswald" panose="020B0604020202020204" charset="0"/>
+                      </a:endParaRPr>
+                    </a:p>
+                    <a:p>
+                      <a:pPr marL="0" marR="0" lvl="0" indent="0" algn="ctr" defTabSz="914400" rtl="0" eaLnBrk="1" fontAlgn="auto" latinLnBrk="0" hangingPunct="1">
+                        <a:lnSpc>
+                          <a:spcPct val="100000"/>
+                        </a:lnSpc>
+                        <a:spcBef>
+                          <a:spcPts val="0"/>
+                        </a:spcBef>
+                        <a:spcAft>
+                          <a:spcPts val="0"/>
+                        </a:spcAft>
+                        <a:buClr>
+                          <a:srgbClr val="000000"/>
+                        </a:buClr>
+                        <a:buSzTx/>
+                        <a:buFont typeface="Arial"/>
+                        <a:buNone/>
+                        <a:tabLst/>
+                        <a:defRPr/>
+                      </a:pPr>
+                      <a:r>
+                        <a:rPr lang="en-US" b="1" dirty="0">
+                          <a:latin typeface="Oswald" panose="020B0604020202020204" charset="0"/>
+                        </a:rPr>
+                        <a:t>X</a:t>
+                      </a:r>
+                    </a:p>
+                    <a:p>
+                      <a:endParaRPr lang="en-US" dirty="0"/>
+                    </a:p>
+                  </a:txBody>
+                  <a:tcPr/>
+                </a:tc>
+                <a:extLst>
+                  <a:ext uri="{0D108BD9-81ED-4DB2-BD59-A6C34878D82A}">
+                    <a16:rowId xmlns:a16="http://schemas.microsoft.com/office/drawing/2014/main" val="1939511426"/>
+                  </a:ext>
+                </a:extLst>
+              </a:tr>
+              <a:tr h="856370">
+                <a:tc>
+                  <a:txBody>
+                    <a:bodyPr/>
+                    <a:lstStyle/>
+                    <a:p>
+                      <a:endParaRPr lang="en-US" dirty="0"/>
+                    </a:p>
+                    <a:p>
+                      <a:r>
+                        <a:rPr lang="en-US" b="1" dirty="0">
+                          <a:latin typeface="Oswald" panose="020B0604020202020204" charset="0"/>
+                        </a:rPr>
+                        <a:t>J. Yi</a:t>
+                      </a:r>
+                      <a:endParaRPr lang="en-US" dirty="0"/>
+                    </a:p>
+                    <a:p>
+                      <a:endParaRPr lang="en-US" dirty="0"/>
+                    </a:p>
+                  </a:txBody>
+                  <a:tcPr/>
+                </a:tc>
+                <a:tc>
+                  <a:txBody>
+                    <a:bodyPr/>
+                    <a:lstStyle/>
+                    <a:p>
+                      <a:endParaRPr lang="en-US" dirty="0"/>
+                    </a:p>
+                  </a:txBody>
+                  <a:tcPr/>
+                </a:tc>
+                <a:tc>
+                  <a:txBody>
+                    <a:bodyPr/>
+                    <a:lstStyle/>
+                    <a:p>
+                      <a:endParaRPr lang="en-US" dirty="0"/>
+                    </a:p>
+                  </a:txBody>
+                  <a:tcPr/>
+                </a:tc>
+                <a:tc>
+                  <a:txBody>
+                    <a:bodyPr/>
+                    <a:lstStyle/>
+                    <a:p>
+                      <a:endParaRPr lang="en-US"/>
+                    </a:p>
+                  </a:txBody>
+                  <a:tcPr/>
+                </a:tc>
+                <a:tc>
+                  <a:txBody>
+                    <a:bodyPr/>
+                    <a:lstStyle/>
+                    <a:p>
+                      <a:endParaRPr lang="en-US" dirty="0"/>
+                    </a:p>
+                  </a:txBody>
+                  <a:tcPr/>
+                </a:tc>
+                <a:tc>
+                  <a:txBody>
+                    <a:bodyPr/>
+                    <a:lstStyle/>
+                    <a:p>
+                      <a:pPr marL="0" marR="0" lvl="0" indent="0" algn="l" defTabSz="914400" rtl="0" eaLnBrk="1" fontAlgn="auto" latinLnBrk="0" hangingPunct="1">
+                        <a:lnSpc>
+                          <a:spcPct val="100000"/>
+                        </a:lnSpc>
+                        <a:spcBef>
+                          <a:spcPts val="0"/>
+                        </a:spcBef>
+                        <a:spcAft>
+                          <a:spcPts val="0"/>
+                        </a:spcAft>
+                        <a:buClr>
+                          <a:srgbClr val="000000"/>
+                        </a:buClr>
+                        <a:buSzTx/>
+                        <a:buFont typeface="Arial"/>
+                        <a:buNone/>
+                        <a:tabLst/>
+                        <a:defRPr/>
+                      </a:pPr>
+                      <a:endParaRPr lang="en-US" b="1" dirty="0">
+                        <a:latin typeface="Oswald" panose="020B0604020202020204" charset="0"/>
+                      </a:endParaRPr>
+                    </a:p>
+                    <a:p>
+                      <a:pPr marL="0" marR="0" lvl="0" indent="0" algn="ctr" defTabSz="914400" rtl="0" eaLnBrk="1" fontAlgn="auto" latinLnBrk="0" hangingPunct="1">
+                        <a:lnSpc>
+                          <a:spcPct val="100000"/>
+                        </a:lnSpc>
+                        <a:spcBef>
+                          <a:spcPts val="0"/>
+                        </a:spcBef>
+                        <a:spcAft>
+                          <a:spcPts val="0"/>
+                        </a:spcAft>
+                        <a:buClr>
+                          <a:srgbClr val="000000"/>
+                        </a:buClr>
+                        <a:buSzTx/>
+                        <a:buFont typeface="Arial"/>
+                        <a:buNone/>
+                        <a:tabLst/>
+                        <a:defRPr/>
+                      </a:pPr>
+                      <a:r>
+                        <a:rPr lang="en-US" b="1" dirty="0">
+                          <a:latin typeface="Oswald" panose="020B0604020202020204" charset="0"/>
+                        </a:rPr>
+                        <a:t>X</a:t>
+                      </a:r>
+                    </a:p>
+                    <a:p>
+                      <a:endParaRPr lang="en-US" dirty="0"/>
+                    </a:p>
+                  </a:txBody>
+                  <a:tcPr/>
+                </a:tc>
+                <a:tc>
+                  <a:txBody>
+                    <a:bodyPr/>
+                    <a:lstStyle/>
+                    <a:p>
+                      <a:endParaRPr lang="en-US" dirty="0"/>
+                    </a:p>
+                  </a:txBody>
+                  <a:tcPr/>
+                </a:tc>
+                <a:tc>
+                  <a:txBody>
+                    <a:bodyPr/>
+                    <a:lstStyle/>
+                    <a:p>
+                      <a:endParaRPr lang="en-US" dirty="0"/>
+                    </a:p>
+                  </a:txBody>
+                  <a:tcPr/>
+                </a:tc>
+                <a:extLst>
+                  <a:ext uri="{0D108BD9-81ED-4DB2-BD59-A6C34878D82A}">
+                    <a16:rowId xmlns:a16="http://schemas.microsoft.com/office/drawing/2014/main" val="1054954587"/>
+                  </a:ext>
+                </a:extLst>
+              </a:tr>
+            </a:tbl>
+          </a:graphicData>
+        </a:graphic>
+      </p:graphicFrame>
+      <p:pic>
+        <p:nvPicPr>
+          <p:cNvPr id="6" name="Picture 5" descr="A picture containing mug, drawing&#10;&#10;Description automatically generated">
+            <a:extLst>
+              <a:ext uri="{FF2B5EF4-FFF2-40B4-BE49-F238E27FC236}">
+                <a16:creationId xmlns:a16="http://schemas.microsoft.com/office/drawing/2014/main" id="{4C5D6982-2A87-4F57-BC06-41B5AD3AFEB7}"/>
+              </a:ext>
+            </a:extLst>
+          </p:cNvPr>
+          <p:cNvPicPr>
+            <a:picLocks noChangeAspect="1"/>
+          </p:cNvPicPr>
+          <p:nvPr/>
+        </p:nvPicPr>
+        <p:blipFill>
+          <a:blip r:embed="rId4">
+            <a:extLst>
+              <a:ext uri="{28A0092B-C50C-407E-A947-70E740481C1C}">
+                <a14:useLocalDpi xmlns:a14="http://schemas.microsoft.com/office/drawing/2010/main" val="0"/>
+              </a:ext>
+            </a:extLst>
+          </a:blip>
+          <a:stretch>
+            <a:fillRect/>
+          </a:stretch>
+        </p:blipFill>
+        <p:spPr>
+          <a:xfrm>
+            <a:off x="3147351" y="1680415"/>
+            <a:ext cx="609729" cy="862824"/>
+          </a:xfrm>
+          <a:prstGeom prst="rect">
+            <a:avLst/>
+          </a:prstGeom>
+        </p:spPr>
+      </p:pic>
+      <p:pic>
+        <p:nvPicPr>
+          <p:cNvPr id="7" name="Picture 6">
+            <a:extLst>
+              <a:ext uri="{FF2B5EF4-FFF2-40B4-BE49-F238E27FC236}">
+                <a16:creationId xmlns:a16="http://schemas.microsoft.com/office/drawing/2014/main" id="{0E26A164-1DE7-4CC3-ADA1-EE2A4D917B2B}"/>
+              </a:ext>
+              <a:ext uri="{C183D7F6-B498-43B3-948B-1728B52AA6E4}">
+                <adec:decorative xmlns:adec="http://schemas.microsoft.com/office/drawing/2017/decorative" val="1"/>
+              </a:ext>
+            </a:extLst>
+          </p:cNvPr>
+          <p:cNvPicPr>
+            <a:picLocks noChangeAspect="1"/>
+          </p:cNvPicPr>
+          <p:nvPr/>
+        </p:nvPicPr>
+        <p:blipFill>
+          <a:blip r:embed="rId5">
+            <a:extLst>
+              <a:ext uri="{28A0092B-C50C-407E-A947-70E740481C1C}">
+                <a14:useLocalDpi xmlns:a14="http://schemas.microsoft.com/office/drawing/2010/main" val="0"/>
+              </a:ext>
+            </a:extLst>
+          </a:blip>
+          <a:stretch>
+            <a:fillRect/>
+          </a:stretch>
+        </p:blipFill>
+        <p:spPr>
+          <a:xfrm>
+            <a:off x="3972707" y="1680415"/>
+            <a:ext cx="678179" cy="862824"/>
+          </a:xfrm>
+          <a:prstGeom prst="rect">
+            <a:avLst/>
+          </a:prstGeom>
+        </p:spPr>
+      </p:pic>
+      <p:pic>
+        <p:nvPicPr>
+          <p:cNvPr id="8" name="Picture 7" descr="A picture containing ware, light&#10;&#10;Description automatically generated">
+            <a:extLst>
+              <a:ext uri="{FF2B5EF4-FFF2-40B4-BE49-F238E27FC236}">
+                <a16:creationId xmlns:a16="http://schemas.microsoft.com/office/drawing/2014/main" id="{88904461-16AF-4AD7-A20E-F3154DA6623A}"/>
+              </a:ext>
+            </a:extLst>
+          </p:cNvPr>
+          <p:cNvPicPr>
+            <a:picLocks noChangeAspect="1"/>
+          </p:cNvPicPr>
+          <p:nvPr/>
+        </p:nvPicPr>
+        <p:blipFill>
+          <a:blip r:embed="rId5">
+            <a:extLst>
+              <a:ext uri="{28A0092B-C50C-407E-A947-70E740481C1C}">
+                <a14:useLocalDpi xmlns:a14="http://schemas.microsoft.com/office/drawing/2010/main" val="0"/>
+              </a:ext>
+            </a:extLst>
+          </a:blip>
+          <a:stretch>
+            <a:fillRect/>
+          </a:stretch>
+        </p:blipFill>
+        <p:spPr>
+          <a:xfrm>
+            <a:off x="4863134" y="1690688"/>
+            <a:ext cx="678179" cy="862824"/>
+          </a:xfrm>
+          <a:prstGeom prst="rect">
+            <a:avLst/>
+          </a:prstGeom>
+        </p:spPr>
+      </p:pic>
+      <p:pic>
+        <p:nvPicPr>
+          <p:cNvPr id="9" name="Picture 8" descr="A picture containing ware, light&#10;&#10;Description automatically generated">
+            <a:extLst>
+              <a:ext uri="{FF2B5EF4-FFF2-40B4-BE49-F238E27FC236}">
+                <a16:creationId xmlns:a16="http://schemas.microsoft.com/office/drawing/2014/main" id="{0FE8F382-2A05-4CEC-B877-C39D97173C1F}"/>
+              </a:ext>
+            </a:extLst>
+          </p:cNvPr>
+          <p:cNvPicPr>
+            <a:picLocks noChangeAspect="1"/>
+          </p:cNvPicPr>
+          <p:nvPr/>
+        </p:nvPicPr>
+        <p:blipFill>
+          <a:blip r:embed="rId5">
+            <a:extLst>
+              <a:ext uri="{28A0092B-C50C-407E-A947-70E740481C1C}">
+                <a14:useLocalDpi xmlns:a14="http://schemas.microsoft.com/office/drawing/2010/main" val="0"/>
+              </a:ext>
+            </a:extLst>
+          </a:blip>
+          <a:stretch>
+            <a:fillRect/>
+          </a:stretch>
+        </p:blipFill>
+        <p:spPr>
+          <a:xfrm>
+            <a:off x="5758475" y="1687065"/>
+            <a:ext cx="678179" cy="862824"/>
+          </a:xfrm>
+          <a:prstGeom prst="rect">
+            <a:avLst/>
+          </a:prstGeom>
+        </p:spPr>
+      </p:pic>
+      <p:pic>
+        <p:nvPicPr>
+          <p:cNvPr id="10" name="Picture 9" descr="A picture containing drawing&#10;&#10;Description automatically generated">
+            <a:extLst>
+              <a:ext uri="{FF2B5EF4-FFF2-40B4-BE49-F238E27FC236}">
+                <a16:creationId xmlns:a16="http://schemas.microsoft.com/office/drawing/2014/main" id="{EEBDE7C0-A18D-40A8-AFBF-8F5168D4897C}"/>
+              </a:ext>
+            </a:extLst>
+          </p:cNvPr>
+          <p:cNvPicPr>
+            <a:picLocks noChangeAspect="1"/>
+          </p:cNvPicPr>
+          <p:nvPr/>
+        </p:nvPicPr>
+        <p:blipFill>
+          <a:blip r:embed="rId6">
+            <a:extLst>
+              <a:ext uri="{28A0092B-C50C-407E-A947-70E740481C1C}">
+                <a14:useLocalDpi xmlns:a14="http://schemas.microsoft.com/office/drawing/2010/main" val="0"/>
+              </a:ext>
+            </a:extLst>
+          </a:blip>
+          <a:stretch>
+            <a:fillRect/>
+          </a:stretch>
+        </p:blipFill>
+        <p:spPr>
+          <a:xfrm>
+            <a:off x="6626823" y="1685495"/>
+            <a:ext cx="1346857" cy="862824"/>
+          </a:xfrm>
+          <a:prstGeom prst="rect">
+            <a:avLst/>
+          </a:prstGeom>
+        </p:spPr>
+      </p:pic>
+      <p:pic>
+        <p:nvPicPr>
+          <p:cNvPr id="12" name="Picture 11" descr="A drawing of a face&#10;&#10;Description automatically generated">
+            <a:extLst>
+              <a:ext uri="{FF2B5EF4-FFF2-40B4-BE49-F238E27FC236}">
+                <a16:creationId xmlns:a16="http://schemas.microsoft.com/office/drawing/2014/main" id="{F35D97BD-45FE-4FB9-A4D9-6D948A68648E}"/>
+              </a:ext>
+            </a:extLst>
+          </p:cNvPr>
+          <p:cNvPicPr>
+            <a:picLocks noChangeAspect="1"/>
+          </p:cNvPicPr>
+          <p:nvPr/>
+        </p:nvPicPr>
+        <p:blipFill>
+          <a:blip r:embed="rId7">
+            <a:extLst>
+              <a:ext uri="{28A0092B-C50C-407E-A947-70E740481C1C}">
+                <a14:useLocalDpi xmlns:a14="http://schemas.microsoft.com/office/drawing/2010/main" val="0"/>
+              </a:ext>
+            </a:extLst>
+          </a:blip>
+          <a:stretch>
+            <a:fillRect/>
+          </a:stretch>
+        </p:blipFill>
+        <p:spPr>
+          <a:xfrm>
+            <a:off x="9055390" y="1687066"/>
+            <a:ext cx="818812" cy="872504"/>
+          </a:xfrm>
+          <a:prstGeom prst="rect">
+            <a:avLst/>
+          </a:prstGeom>
+        </p:spPr>
+      </p:pic>
+      <p:pic>
+        <p:nvPicPr>
+          <p:cNvPr id="5" name="Picture 4" descr="A picture containing clock&#10;&#10;Description automatically generated">
+            <a:extLst>
+              <a:ext uri="{FF2B5EF4-FFF2-40B4-BE49-F238E27FC236}">
+                <a16:creationId xmlns:a16="http://schemas.microsoft.com/office/drawing/2014/main" id="{1CEEB70C-112B-4518-A995-FC276BBA29F4}"/>
+              </a:ext>
+            </a:extLst>
+          </p:cNvPr>
+          <p:cNvPicPr>
+            <a:picLocks noChangeAspect="1"/>
+          </p:cNvPicPr>
+          <p:nvPr/>
+        </p:nvPicPr>
+        <p:blipFill>
+          <a:blip r:embed="rId8"/>
+          <a:stretch>
+            <a:fillRect/>
+          </a:stretch>
+        </p:blipFill>
+        <p:spPr>
+          <a:xfrm>
+            <a:off x="8169119" y="1687350"/>
+            <a:ext cx="693965" cy="855890"/>
+          </a:xfrm>
+          <a:prstGeom prst="rect">
+            <a:avLst/>
+          </a:prstGeom>
+        </p:spPr>
+      </p:pic>
+      <p:sp>
+        <p:nvSpPr>
+          <p:cNvPr id="13" name="TextBox 12">
+            <a:extLst>
+              <a:ext uri="{FF2B5EF4-FFF2-40B4-BE49-F238E27FC236}">
+                <a16:creationId xmlns:a16="http://schemas.microsoft.com/office/drawing/2014/main" id="{B9A238DC-C67B-4322-8466-090B4278E7FD}"/>
+              </a:ext>
+            </a:extLst>
+          </p:cNvPr>
+          <p:cNvSpPr txBox="1"/>
+          <p:nvPr/>
+        </p:nvSpPr>
+        <p:spPr>
+          <a:xfrm>
+            <a:off x="3958845" y="2302859"/>
+            <a:ext cx="678179" cy="307777"/>
+          </a:xfrm>
+          <a:prstGeom prst="rect">
+            <a:avLst/>
+          </a:prstGeom>
+          <a:noFill/>
+        </p:spPr>
+        <p:txBody>
+          <a:bodyPr wrap="square" rtlCol="0">
+            <a:spAutoFit/>
+          </a:bodyPr>
+          <a:lstStyle/>
+          <a:p>
+            <a:pPr algn="ctr"/>
+            <a:r>
+              <a:rPr lang="en-US" b="1" dirty="0">
+                <a:latin typeface="Oswald" panose="020B0604020202020204" charset="0"/>
+              </a:rPr>
+              <a:t>ETL</a:t>
+            </a:r>
+          </a:p>
+        </p:txBody>
+      </p:sp>
+      <p:sp>
+        <p:nvSpPr>
+          <p:cNvPr id="16" name="TextBox 15">
+            <a:extLst>
+              <a:ext uri="{FF2B5EF4-FFF2-40B4-BE49-F238E27FC236}">
+                <a16:creationId xmlns:a16="http://schemas.microsoft.com/office/drawing/2014/main" id="{BB82EFF5-A69C-4595-8E1B-69CD7A816896}"/>
+              </a:ext>
+            </a:extLst>
+          </p:cNvPr>
+          <p:cNvSpPr txBox="1"/>
+          <p:nvPr/>
+        </p:nvSpPr>
+        <p:spPr>
+          <a:xfrm>
+            <a:off x="4837269" y="2318965"/>
+            <a:ext cx="678179" cy="307777"/>
+          </a:xfrm>
+          <a:prstGeom prst="rect">
+            <a:avLst/>
+          </a:prstGeom>
+          <a:noFill/>
+        </p:spPr>
+        <p:txBody>
+          <a:bodyPr wrap="square" rtlCol="0">
+            <a:spAutoFit/>
+          </a:bodyPr>
+          <a:lstStyle/>
+          <a:p>
+            <a:pPr algn="ctr"/>
+            <a:r>
+              <a:rPr lang="en-US" b="1" dirty="0">
+                <a:latin typeface="Oswald" panose="020B0604020202020204" charset="0"/>
+              </a:rPr>
+              <a:t>ML</a:t>
+            </a:r>
+          </a:p>
+        </p:txBody>
+      </p:sp>
+      <p:sp>
+        <p:nvSpPr>
+          <p:cNvPr id="17" name="TextBox 16">
+            <a:extLst>
+              <a:ext uri="{FF2B5EF4-FFF2-40B4-BE49-F238E27FC236}">
+                <a16:creationId xmlns:a16="http://schemas.microsoft.com/office/drawing/2014/main" id="{163EC98F-E575-4F38-9AEE-02EA9FC89109}"/>
+              </a:ext>
+            </a:extLst>
+          </p:cNvPr>
+          <p:cNvSpPr txBox="1"/>
+          <p:nvPr/>
+        </p:nvSpPr>
+        <p:spPr>
+          <a:xfrm>
+            <a:off x="5756910" y="2312877"/>
+            <a:ext cx="678179" cy="307777"/>
+          </a:xfrm>
+          <a:prstGeom prst="rect">
+            <a:avLst/>
+          </a:prstGeom>
+          <a:noFill/>
+        </p:spPr>
+        <p:txBody>
+          <a:bodyPr wrap="square" rtlCol="0">
+            <a:spAutoFit/>
+          </a:bodyPr>
+          <a:lstStyle/>
+          <a:p>
+            <a:pPr algn="ctr"/>
+            <a:r>
+              <a:rPr lang="en-US" b="1" dirty="0">
+                <a:latin typeface="Oswald" panose="020B0604020202020204" charset="0"/>
+              </a:rPr>
+              <a:t>FLASK</a:t>
+            </a:r>
+          </a:p>
+        </p:txBody>
+      </p:sp>
+    </p:spTree>
+    <p:extLst>
+      <p:ext uri="{BB962C8B-B14F-4D97-AF65-F5344CB8AC3E}">
+        <p14:creationId xmlns:p14="http://schemas.microsoft.com/office/powerpoint/2010/main" val="3307825479"/>
+      </p:ext>
+    </p:extLst>
+  </p:cSld>
+  <p:clrMapOvr>
+    <a:masterClrMapping/>
+  </p:clrMapOvr>
+</p:sld>
+</file>
+
+<file path=ppt/slides/slide6.xml><?xml version="1.0" encoding="utf-8"?>
+<p:sld xmlns:a="http://schemas.openxmlformats.org/drawingml/2006/main" xmlns:r="http://schemas.openxmlformats.org/officeDocument/2006/relationships" xmlns:p="http://schemas.openxmlformats.org/presentationml/2006/main">
+  <p:cSld>
+    <p:spTree>
+      <p:nvGrpSpPr>
+        <p:cNvPr id="1" name="Shape 147"/>
+        <p:cNvGrpSpPr/>
+        <p:nvPr/>
+      </p:nvGrpSpPr>
+      <p:grpSpPr>
+        <a:xfrm>
+          <a:off x="0" y="0"/>
+          <a:ext cx="0" cy="0"/>
+          <a:chOff x="0" y="0"/>
+          <a:chExt cx="0" cy="0"/>
+        </a:xfrm>
+      </p:grpSpPr>
+      <p:pic>
+        <p:nvPicPr>
+          <p:cNvPr id="148" name="Google Shape;148;p11" descr="A picture containing cake, fruit, sitting, table&#10;&#10;Description automatically generated"/>
+          <p:cNvPicPr preferRelativeResize="0"/>
+          <p:nvPr/>
+        </p:nvPicPr>
+        <p:blipFill rotWithShape="1">
+          <a:blip r:embed="rId3">
+            <a:alphaModFix/>
+          </a:blip>
+          <a:srcRect/>
+          <a:stretch/>
+        </p:blipFill>
+        <p:spPr>
+          <a:xfrm>
+            <a:off x="0" y="0"/>
+            <a:ext cx="12192000" cy="6858000"/>
+          </a:xfrm>
+          <a:prstGeom prst="rect">
+            <a:avLst/>
+          </a:prstGeom>
+          <a:noFill/>
+          <a:ln>
+            <a:noFill/>
+          </a:ln>
+        </p:spPr>
+      </p:pic>
+      <p:sp>
+        <p:nvSpPr>
+          <p:cNvPr id="149" name="Google Shape;149;p11"/>
+          <p:cNvSpPr txBox="1"/>
+          <p:nvPr/>
+        </p:nvSpPr>
+        <p:spPr>
+          <a:xfrm>
+            <a:off x="4676481" y="2265431"/>
+            <a:ext cx="6870700" cy="2308284"/>
+          </a:xfrm>
+          <a:prstGeom prst="rect">
+            <a:avLst/>
+          </a:prstGeom>
+          <a:noFill/>
+          <a:ln>
+            <a:noFill/>
+          </a:ln>
+        </p:spPr>
+        <p:txBody>
+          <a:bodyPr spcFirstLastPara="1" wrap="square" lIns="91425" tIns="45700" rIns="91425" bIns="45700" anchor="t" anchorCtr="0">
+            <a:spAutoFit/>
+          </a:bodyPr>
+          <a:lstStyle/>
+          <a:p>
+            <a:pPr marL="0" marR="0" lvl="0" indent="0" algn="ctr" rtl="0">
+              <a:lnSpc>
+                <a:spcPct val="100000"/>
+              </a:lnSpc>
+              <a:spcBef>
+                <a:spcPts val="0"/>
+              </a:spcBef>
+              <a:spcAft>
+                <a:spcPts val="0"/>
+              </a:spcAft>
+              <a:buClr>
+                <a:srgbClr val="000000"/>
+              </a:buClr>
+              <a:buSzPts val="7200"/>
+              <a:buFont typeface="Arial"/>
+              <a:buNone/>
+            </a:pPr>
+            <a:r>
+              <a:rPr lang="en-US" sz="7200" b="0" i="0" u="none" strike="noStrike" cap="none" dirty="0">
+                <a:solidFill>
+                  <a:schemeClr val="dk1"/>
+                </a:solidFill>
+                <a:latin typeface="Oswald"/>
+                <a:ea typeface="Oswald"/>
+                <a:cs typeface="Oswald"/>
+                <a:sym typeface="Oswald"/>
+              </a:rPr>
+              <a:t>Interested in Details?</a:t>
+            </a:r>
+            <a:endParaRPr sz="1400" b="0" i="0" u="none" strike="noStrike" cap="none" dirty="0">
+              <a:solidFill>
+                <a:srgbClr val="000000"/>
+              </a:solidFill>
+              <a:latin typeface="Arial"/>
+              <a:ea typeface="Arial"/>
+              <a:cs typeface="Arial"/>
+              <a:sym typeface="Arial"/>
+            </a:endParaRPr>
+          </a:p>
+        </p:txBody>
+      </p:sp>
+    </p:spTree>
+  </p:cSld>
+  <p:clrMapOvr>
+    <a:masterClrMapping/>
+  </p:clrMapOvr>
+</p:sld>
+</file>
+
+<file path=ppt/slides/slide7.xml><?xml version="1.0" encoding="utf-8"?>
+<p:sld xmlns:a="http://schemas.openxmlformats.org/drawingml/2006/main" xmlns:r="http://schemas.openxmlformats.org/officeDocument/2006/relationships" xmlns:p="http://schemas.openxmlformats.org/presentationml/2006/main">
+  <p:cSld>
+    <p:bg>
+      <p:bgPr>
+        <a:blipFill>
+          <a:blip r:embed="rId3">
+            <a:alphaModFix/>
+          </a:blip>
+          <a:stretch>
+            <a:fillRect/>
+          </a:stretch>
+        </a:blipFill>
+        <a:effectLst/>
+      </p:bgPr>
+    </p:bg>
+    <p:spTree>
+      <p:nvGrpSpPr>
+        <p:cNvPr id="1" name="Shape 93"/>
+        <p:cNvGrpSpPr/>
+        <p:nvPr/>
+      </p:nvGrpSpPr>
+      <p:grpSpPr>
+        <a:xfrm>
+          <a:off x="0" y="0"/>
+          <a:ext cx="0" cy="0"/>
+          <a:chOff x="0" y="0"/>
+          <a:chExt cx="0" cy="0"/>
+        </a:xfrm>
+      </p:grpSpPr>
+      <p:sp>
+        <p:nvSpPr>
+          <p:cNvPr id="94" name="Google Shape;94;p2"/>
+          <p:cNvSpPr txBox="1">
+            <a:spLocks noGrp="1"/>
+          </p:cNvSpPr>
+          <p:nvPr>
+            <p:ph type="title"/>
+          </p:nvPr>
+        </p:nvSpPr>
+        <p:spPr>
+          <a:xfrm>
+            <a:off x="838200" y="365125"/>
+            <a:ext cx="10515600" cy="1325563"/>
+          </a:xfrm>
+          <a:prstGeom prst="rect">
+            <a:avLst/>
+          </a:prstGeom>
+          <a:noFill/>
+          <a:ln>
+            <a:noFill/>
+          </a:ln>
+        </p:spPr>
+        <p:txBody>
+          <a:bodyPr spcFirstLastPara="1" wrap="square" lIns="91425" tIns="45700" rIns="91425" bIns="45700" anchor="ctr" anchorCtr="0">
+            <a:normAutofit/>
+          </a:bodyPr>
+          <a:lstStyle/>
+          <a:p>
+            <a:pPr marL="0" lvl="0" indent="0" algn="l" rtl="0">
+              <a:lnSpc>
+                <a:spcPct val="90000"/>
+              </a:lnSpc>
+              <a:spcBef>
+                <a:spcPts val="0"/>
+              </a:spcBef>
+              <a:spcAft>
+                <a:spcPts val="0"/>
+              </a:spcAft>
+              <a:buClr>
+                <a:schemeClr val="dk1"/>
+              </a:buClr>
+              <a:buSzPts val="4400"/>
+              <a:buFont typeface="Oswald"/>
+              <a:buNone/>
+            </a:pPr>
+            <a:r>
+              <a:rPr lang="en-US" dirty="0">
+                <a:latin typeface="Oswald"/>
                 <a:ea typeface="Oswald"/>
                 <a:cs typeface="Oswald"/>
                 <a:sym typeface="Oswald"/>
@@ -17145,7 +21581,7 @@
 </p:sld>
 </file>
 
-<file path=ppt/slides/slide4.xml><?xml version="1.0" encoding="utf-8"?>
+<file path=ppt/slides/slide8.xml><?xml version="1.0" encoding="utf-8"?>
 <p:sld xmlns:a="http://schemas.openxmlformats.org/drawingml/2006/main" xmlns:r="http://schemas.openxmlformats.org/officeDocument/2006/relationships" xmlns:p="http://schemas.openxmlformats.org/presentationml/2006/main">
   <p:cSld>
     <p:bg>
@@ -17508,7 +21944,7 @@
 </p:sld>
 </file>
 
-<file path=ppt/slides/slide5.xml><?xml version="1.0" encoding="utf-8"?>
+<file path=ppt/slides/slide9.xml><?xml version="1.0" encoding="utf-8"?>
 <p:sld xmlns:a="http://schemas.openxmlformats.org/drawingml/2006/main" xmlns:r="http://schemas.openxmlformats.org/officeDocument/2006/relationships" xmlns:p="http://schemas.openxmlformats.org/presentationml/2006/main">
   <p:cSld>
     <p:bg>
@@ -17921,1702 +22357,6 @@
               <a:ea typeface="Oswald"/>
               <a:cs typeface="Oswald"/>
               <a:sym typeface="Oswald"/>
-            </a:endParaRPr>
-          </a:p>
-        </p:txBody>
-      </p:sp>
-    </p:spTree>
-  </p:cSld>
-  <p:clrMapOvr>
-    <a:masterClrMapping/>
-  </p:clrMapOvr>
-</p:sld>
-</file>
-
-<file path=ppt/slides/slide6.xml><?xml version="1.0" encoding="utf-8"?>
-<p:sld xmlns:a="http://schemas.openxmlformats.org/drawingml/2006/main" xmlns:r="http://schemas.openxmlformats.org/officeDocument/2006/relationships" xmlns:p="http://schemas.openxmlformats.org/presentationml/2006/main">
-  <p:cSld>
-    <p:bg>
-      <p:bgPr>
-        <a:solidFill>
-          <a:schemeClr val="lt1"/>
-        </a:solidFill>
-        <a:effectLst/>
-      </p:bgPr>
-    </p:bg>
-    <p:spTree>
-      <p:nvGrpSpPr>
-        <p:cNvPr id="1" name="Shape 112"/>
-        <p:cNvGrpSpPr/>
-        <p:nvPr/>
-      </p:nvGrpSpPr>
-      <p:grpSpPr>
-        <a:xfrm>
-          <a:off x="0" y="0"/>
-          <a:ext cx="0" cy="0"/>
-          <a:chOff x="0" y="0"/>
-          <a:chExt cx="0" cy="0"/>
-        </a:xfrm>
-      </p:grpSpPr>
-      <p:pic>
-        <p:nvPicPr>
-          <p:cNvPr id="113" name="Google Shape;113;p5" descr="A close up of a person&#10;&#10;Description automatically generated"/>
-          <p:cNvPicPr preferRelativeResize="0"/>
-          <p:nvPr/>
-        </p:nvPicPr>
-        <p:blipFill rotWithShape="1">
-          <a:blip r:embed="rId3">
-            <a:alphaModFix/>
-          </a:blip>
-          <a:srcRect/>
-          <a:stretch/>
-        </p:blipFill>
-        <p:spPr>
-          <a:xfrm>
-            <a:off x="0" y="0"/>
-            <a:ext cx="12192000" cy="6858000"/>
-          </a:xfrm>
-          <a:prstGeom prst="rect">
-            <a:avLst/>
-          </a:prstGeom>
-          <a:noFill/>
-          <a:ln>
-            <a:noFill/>
-          </a:ln>
-        </p:spPr>
-      </p:pic>
-      <p:sp>
-        <p:nvSpPr>
-          <p:cNvPr id="114" name="Google Shape;114;p5"/>
-          <p:cNvSpPr txBox="1">
-            <a:spLocks noGrp="1"/>
-          </p:cNvSpPr>
-          <p:nvPr>
-            <p:ph type="title"/>
-          </p:nvPr>
-        </p:nvSpPr>
-        <p:spPr>
-          <a:xfrm>
-            <a:off x="838200" y="365125"/>
-            <a:ext cx="10515600" cy="1325563"/>
-          </a:xfrm>
-          <a:prstGeom prst="rect">
-            <a:avLst/>
-          </a:prstGeom>
-          <a:noFill/>
-          <a:ln>
-            <a:noFill/>
-          </a:ln>
-        </p:spPr>
-        <p:txBody>
-          <a:bodyPr spcFirstLastPara="1" wrap="square" lIns="91425" tIns="45700" rIns="91425" bIns="45700" anchor="ctr" anchorCtr="0">
-            <a:normAutofit/>
-          </a:bodyPr>
-          <a:lstStyle/>
-          <a:p>
-            <a:pPr marL="0" lvl="0" indent="0" algn="l" rtl="0">
-              <a:lnSpc>
-                <a:spcPct val="90000"/>
-              </a:lnSpc>
-              <a:spcBef>
-                <a:spcPts val="0"/>
-              </a:spcBef>
-              <a:spcAft>
-                <a:spcPts val="0"/>
-              </a:spcAft>
-              <a:buClr>
-                <a:schemeClr val="dk1"/>
-              </a:buClr>
-              <a:buSzPts val="4400"/>
-              <a:buFont typeface="Oswald"/>
-              <a:buNone/>
-            </a:pPr>
-            <a:r>
-              <a:rPr lang="en-US">
-                <a:latin typeface="Oswald"/>
-                <a:ea typeface="Oswald"/>
-                <a:cs typeface="Oswald"/>
-                <a:sym typeface="Oswald"/>
-              </a:rPr>
-              <a:t>Application Functionality: Risk Calculator Page</a:t>
-            </a:r>
-            <a:endParaRPr/>
-          </a:p>
-        </p:txBody>
-      </p:sp>
-      <p:sp>
-        <p:nvSpPr>
-          <p:cNvPr id="115" name="Google Shape;115;p5"/>
-          <p:cNvSpPr/>
-          <p:nvPr/>
-        </p:nvSpPr>
-        <p:spPr>
-          <a:xfrm>
-            <a:off x="838200" y="1690688"/>
-            <a:ext cx="10172700" cy="4832092"/>
-          </a:xfrm>
-          <a:prstGeom prst="rect">
-            <a:avLst/>
-          </a:prstGeom>
-          <a:noFill/>
-          <a:ln>
-            <a:noFill/>
-          </a:ln>
-        </p:spPr>
-        <p:txBody>
-          <a:bodyPr spcFirstLastPara="1" wrap="square" lIns="91425" tIns="45700" rIns="91425" bIns="45700" anchor="t" anchorCtr="0">
-            <a:spAutoFit/>
-          </a:bodyPr>
-          <a:lstStyle/>
-          <a:p>
-            <a:pPr marL="0" marR="0" lvl="0" indent="0" algn="l" rtl="0">
-              <a:lnSpc>
-                <a:spcPct val="100000"/>
-              </a:lnSpc>
-              <a:spcBef>
-                <a:spcPts val="0"/>
-              </a:spcBef>
-              <a:spcAft>
-                <a:spcPts val="0"/>
-              </a:spcAft>
-              <a:buClr>
-                <a:srgbClr val="000000"/>
-              </a:buClr>
-              <a:buSzPts val="2800"/>
-              <a:buFont typeface="Arial"/>
-              <a:buNone/>
-            </a:pPr>
-            <a:r>
-              <a:rPr lang="en-US" sz="2800" b="0" i="0" u="none" strike="noStrike" cap="none">
-                <a:solidFill>
-                  <a:schemeClr val="dk1"/>
-                </a:solidFill>
-                <a:latin typeface="Oswald"/>
-                <a:ea typeface="Oswald"/>
-                <a:cs typeface="Oswald"/>
-                <a:sym typeface="Oswald"/>
-              </a:rPr>
-              <a:t>Python ETL: Data from 2 early datasources:</a:t>
-            </a:r>
-            <a:endParaRPr sz="1400" b="0" i="0" u="none" strike="noStrike" cap="none">
-              <a:solidFill>
-                <a:srgbClr val="000000"/>
-              </a:solidFill>
-              <a:latin typeface="Arial"/>
-              <a:ea typeface="Arial"/>
-              <a:cs typeface="Arial"/>
-              <a:sym typeface="Arial"/>
-            </a:endParaRPr>
-          </a:p>
-          <a:p>
-            <a:pPr marL="0" marR="0" lvl="0" indent="0" algn="l" rtl="0">
-              <a:lnSpc>
-                <a:spcPct val="100000"/>
-              </a:lnSpc>
-              <a:spcBef>
-                <a:spcPts val="0"/>
-              </a:spcBef>
-              <a:spcAft>
-                <a:spcPts val="0"/>
-              </a:spcAft>
-              <a:buClr>
-                <a:srgbClr val="000000"/>
-              </a:buClr>
-              <a:buSzPts val="2800"/>
-              <a:buFont typeface="Arial"/>
-              <a:buNone/>
-            </a:pPr>
-            <a:r>
-              <a:rPr lang="en-US" sz="2800" b="0" i="0" u="none" strike="noStrike" cap="none">
-                <a:solidFill>
-                  <a:schemeClr val="dk1"/>
-                </a:solidFill>
-                <a:latin typeface="Oswald"/>
-                <a:ea typeface="Oswald"/>
-                <a:cs typeface="Oswald"/>
-                <a:sym typeface="Oswald"/>
-              </a:rPr>
-              <a:t> 	~1000 closed cases (mostly hospitalizations + death)</a:t>
-            </a:r>
-            <a:endParaRPr sz="1400" b="0" i="0" u="none" strike="noStrike" cap="none">
-              <a:solidFill>
-                <a:srgbClr val="000000"/>
-              </a:solidFill>
-              <a:latin typeface="Arial"/>
-              <a:ea typeface="Arial"/>
-              <a:cs typeface="Arial"/>
-              <a:sym typeface="Arial"/>
-            </a:endParaRPr>
-          </a:p>
-          <a:p>
-            <a:pPr marL="0" marR="0" lvl="0" indent="0" algn="l" rtl="0">
-              <a:lnSpc>
-                <a:spcPct val="100000"/>
-              </a:lnSpc>
-              <a:spcBef>
-                <a:spcPts val="0"/>
-              </a:spcBef>
-              <a:spcAft>
-                <a:spcPts val="0"/>
-              </a:spcAft>
-              <a:buClr>
-                <a:srgbClr val="000000"/>
-              </a:buClr>
-              <a:buSzPts val="2800"/>
-              <a:buFont typeface="Arial"/>
-              <a:buNone/>
-            </a:pPr>
-            <a:r>
-              <a:rPr lang="en-US" sz="2800" b="0" i="0" u="none" strike="noStrike" cap="none">
-                <a:solidFill>
-                  <a:schemeClr val="dk1"/>
-                </a:solidFill>
-                <a:latin typeface="Oswald"/>
-                <a:ea typeface="Oswald"/>
-                <a:cs typeface="Oswald"/>
-                <a:sym typeface="Oswald"/>
-              </a:rPr>
-              <a:t>	~ 14000 open cases (tested positive but never reported back)</a:t>
-            </a:r>
-            <a:endParaRPr sz="1400" b="0" i="0" u="none" strike="noStrike" cap="none">
-              <a:solidFill>
-                <a:srgbClr val="000000"/>
-              </a:solidFill>
-              <a:latin typeface="Arial"/>
-              <a:ea typeface="Arial"/>
-              <a:cs typeface="Arial"/>
-              <a:sym typeface="Arial"/>
-            </a:endParaRPr>
-          </a:p>
-          <a:p>
-            <a:pPr marL="0" marR="0" lvl="0" indent="0" algn="l" rtl="0">
-              <a:lnSpc>
-                <a:spcPct val="100000"/>
-              </a:lnSpc>
-              <a:spcBef>
-                <a:spcPts val="0"/>
-              </a:spcBef>
-              <a:spcAft>
-                <a:spcPts val="0"/>
-              </a:spcAft>
-              <a:buClr>
-                <a:srgbClr val="000000"/>
-              </a:buClr>
-              <a:buSzPts val="2800"/>
-              <a:buFont typeface="Arial"/>
-              <a:buNone/>
-            </a:pPr>
-            <a:endParaRPr sz="2800" b="0" i="0" u="none" strike="noStrike" cap="none">
-              <a:solidFill>
-                <a:schemeClr val="dk1"/>
-              </a:solidFill>
-              <a:latin typeface="Oswald"/>
-              <a:ea typeface="Oswald"/>
-              <a:cs typeface="Oswald"/>
-              <a:sym typeface="Oswald"/>
-            </a:endParaRPr>
-          </a:p>
-          <a:p>
-            <a:pPr marL="0" marR="0" lvl="0" indent="0" algn="l" rtl="0">
-              <a:lnSpc>
-                <a:spcPct val="100000"/>
-              </a:lnSpc>
-              <a:spcBef>
-                <a:spcPts val="0"/>
-              </a:spcBef>
-              <a:spcAft>
-                <a:spcPts val="0"/>
-              </a:spcAft>
-              <a:buClr>
-                <a:srgbClr val="000000"/>
-              </a:buClr>
-              <a:buSzPts val="2800"/>
-              <a:buFont typeface="Arial"/>
-              <a:buNone/>
-            </a:pPr>
-            <a:r>
-              <a:rPr lang="en-US" sz="2800" b="0" i="0" u="none" strike="noStrike" cap="none">
-                <a:solidFill>
-                  <a:schemeClr val="dk1"/>
-                </a:solidFill>
-                <a:latin typeface="Oswald"/>
-                <a:ea typeface="Oswald"/>
-                <a:cs typeface="Oswald"/>
-                <a:sym typeface="Oswald"/>
-              </a:rPr>
-              <a:t>SQL: Data cleanup / reformatting to make consistent reporting possible</a:t>
-            </a:r>
-            <a:endParaRPr sz="1400" b="0" i="0" u="none" strike="noStrike" cap="none">
-              <a:solidFill>
-                <a:srgbClr val="000000"/>
-              </a:solidFill>
-              <a:latin typeface="Arial"/>
-              <a:ea typeface="Arial"/>
-              <a:cs typeface="Arial"/>
-              <a:sym typeface="Arial"/>
-            </a:endParaRPr>
-          </a:p>
-          <a:p>
-            <a:pPr marL="0" marR="0" lvl="0" indent="0" algn="l" rtl="0">
-              <a:lnSpc>
-                <a:spcPct val="100000"/>
-              </a:lnSpc>
-              <a:spcBef>
-                <a:spcPts val="0"/>
-              </a:spcBef>
-              <a:spcAft>
-                <a:spcPts val="0"/>
-              </a:spcAft>
-              <a:buClr>
-                <a:srgbClr val="000000"/>
-              </a:buClr>
-              <a:buSzPts val="2800"/>
-              <a:buFont typeface="Arial"/>
-              <a:buNone/>
-            </a:pPr>
-            <a:endParaRPr sz="2800" b="0" i="0" u="none" strike="noStrike" cap="none">
-              <a:solidFill>
-                <a:schemeClr val="dk1"/>
-              </a:solidFill>
-              <a:latin typeface="Oswald"/>
-              <a:ea typeface="Oswald"/>
-              <a:cs typeface="Oswald"/>
-              <a:sym typeface="Oswald"/>
-            </a:endParaRPr>
-          </a:p>
-          <a:p>
-            <a:pPr marL="0" marR="0" lvl="0" indent="0" algn="l" rtl="0">
-              <a:lnSpc>
-                <a:spcPct val="100000"/>
-              </a:lnSpc>
-              <a:spcBef>
-                <a:spcPts val="0"/>
-              </a:spcBef>
-              <a:spcAft>
-                <a:spcPts val="0"/>
-              </a:spcAft>
-              <a:buClr>
-                <a:srgbClr val="000000"/>
-              </a:buClr>
-              <a:buSzPts val="2800"/>
-              <a:buFont typeface="Arial"/>
-              <a:buNone/>
-            </a:pPr>
-            <a:r>
-              <a:rPr lang="en-US" sz="2800" b="0" i="0" u="none" strike="noStrike" cap="none">
-                <a:solidFill>
-                  <a:schemeClr val="dk1"/>
-                </a:solidFill>
-                <a:latin typeface="Oswald"/>
-                <a:ea typeface="Oswald"/>
-                <a:cs typeface="Oswald"/>
-                <a:sym typeface="Oswald"/>
-              </a:rPr>
-              <a:t>Python 4 Machine Learning models created and saved </a:t>
-            </a:r>
-            <a:endParaRPr sz="1400" b="0" i="0" u="none" strike="noStrike" cap="none">
-              <a:solidFill>
-                <a:srgbClr val="000000"/>
-              </a:solidFill>
-              <a:latin typeface="Arial"/>
-              <a:ea typeface="Arial"/>
-              <a:cs typeface="Arial"/>
-              <a:sym typeface="Arial"/>
-            </a:endParaRPr>
-          </a:p>
-          <a:p>
-            <a:pPr marL="0" marR="0" lvl="0" indent="0" algn="l" rtl="0">
-              <a:lnSpc>
-                <a:spcPct val="100000"/>
-              </a:lnSpc>
-              <a:spcBef>
-                <a:spcPts val="0"/>
-              </a:spcBef>
-              <a:spcAft>
-                <a:spcPts val="0"/>
-              </a:spcAft>
-              <a:buClr>
-                <a:srgbClr val="000000"/>
-              </a:buClr>
-              <a:buSzPts val="2800"/>
-              <a:buFont typeface="Arial"/>
-              <a:buNone/>
-            </a:pPr>
-            <a:r>
-              <a:rPr lang="en-US" sz="2800" b="0" i="0" u="none" strike="noStrike" cap="none">
-                <a:solidFill>
-                  <a:schemeClr val="dk1"/>
-                </a:solidFill>
-                <a:latin typeface="Oswald"/>
-                <a:ea typeface="Oswald"/>
-                <a:cs typeface="Oswald"/>
-                <a:sym typeface="Oswald"/>
-              </a:rPr>
-              <a:t>	Decision Tree</a:t>
-            </a:r>
-            <a:endParaRPr sz="1400" b="0" i="0" u="none" strike="noStrike" cap="none">
-              <a:solidFill>
-                <a:srgbClr val="000000"/>
-              </a:solidFill>
-              <a:latin typeface="Arial"/>
-              <a:ea typeface="Arial"/>
-              <a:cs typeface="Arial"/>
-              <a:sym typeface="Arial"/>
-            </a:endParaRPr>
-          </a:p>
-          <a:p>
-            <a:pPr marL="0" marR="0" lvl="0" indent="0" algn="l" rtl="0">
-              <a:lnSpc>
-                <a:spcPct val="100000"/>
-              </a:lnSpc>
-              <a:spcBef>
-                <a:spcPts val="0"/>
-              </a:spcBef>
-              <a:spcAft>
-                <a:spcPts val="0"/>
-              </a:spcAft>
-              <a:buClr>
-                <a:srgbClr val="000000"/>
-              </a:buClr>
-              <a:buSzPts val="2800"/>
-              <a:buFont typeface="Arial"/>
-              <a:buNone/>
-            </a:pPr>
-            <a:r>
-              <a:rPr lang="en-US" sz="2800" b="0" i="0" u="none" strike="noStrike" cap="none">
-                <a:solidFill>
-                  <a:schemeClr val="dk1"/>
-                </a:solidFill>
-                <a:latin typeface="Oswald"/>
-                <a:ea typeface="Oswald"/>
-                <a:cs typeface="Oswald"/>
-                <a:sym typeface="Oswald"/>
-              </a:rPr>
-              <a:t>	Deep Learning</a:t>
-            </a:r>
-            <a:endParaRPr sz="1400" b="0" i="0" u="none" strike="noStrike" cap="none">
-              <a:solidFill>
-                <a:srgbClr val="000000"/>
-              </a:solidFill>
-              <a:latin typeface="Arial"/>
-              <a:ea typeface="Arial"/>
-              <a:cs typeface="Arial"/>
-              <a:sym typeface="Arial"/>
-            </a:endParaRPr>
-          </a:p>
-          <a:p>
-            <a:pPr marL="0" marR="0" lvl="0" indent="0" algn="l" rtl="0">
-              <a:lnSpc>
-                <a:spcPct val="100000"/>
-              </a:lnSpc>
-              <a:spcBef>
-                <a:spcPts val="0"/>
-              </a:spcBef>
-              <a:spcAft>
-                <a:spcPts val="0"/>
-              </a:spcAft>
-              <a:buClr>
-                <a:srgbClr val="000000"/>
-              </a:buClr>
-              <a:buSzPts val="2800"/>
-              <a:buFont typeface="Arial"/>
-              <a:buNone/>
-            </a:pPr>
-            <a:r>
-              <a:rPr lang="en-US" sz="2800" b="0" i="0" u="none" strike="noStrike" cap="none">
-                <a:solidFill>
-                  <a:schemeClr val="dk1"/>
-                </a:solidFill>
-                <a:latin typeface="Oswald"/>
-                <a:ea typeface="Oswald"/>
-                <a:cs typeface="Oswald"/>
-                <a:sym typeface="Oswald"/>
-              </a:rPr>
-              <a:t>	Random Forest</a:t>
-            </a:r>
-            <a:endParaRPr sz="1400" b="0" i="0" u="none" strike="noStrike" cap="none">
-              <a:solidFill>
-                <a:srgbClr val="000000"/>
-              </a:solidFill>
-              <a:latin typeface="Arial"/>
-              <a:ea typeface="Arial"/>
-              <a:cs typeface="Arial"/>
-              <a:sym typeface="Arial"/>
-            </a:endParaRPr>
-          </a:p>
-          <a:p>
-            <a:pPr marL="0" marR="0" lvl="0" indent="0" algn="l" rtl="0">
-              <a:lnSpc>
-                <a:spcPct val="100000"/>
-              </a:lnSpc>
-              <a:spcBef>
-                <a:spcPts val="0"/>
-              </a:spcBef>
-              <a:spcAft>
-                <a:spcPts val="0"/>
-              </a:spcAft>
-              <a:buClr>
-                <a:srgbClr val="000000"/>
-              </a:buClr>
-              <a:buSzPts val="2800"/>
-              <a:buFont typeface="Arial"/>
-              <a:buNone/>
-            </a:pPr>
-            <a:r>
-              <a:rPr lang="en-US" sz="2800" b="0" i="0" u="none" strike="noStrike" cap="none">
-                <a:solidFill>
-                  <a:schemeClr val="dk1"/>
-                </a:solidFill>
-                <a:latin typeface="Oswald"/>
-                <a:ea typeface="Oswald"/>
-                <a:cs typeface="Oswald"/>
-                <a:sym typeface="Oswald"/>
-              </a:rPr>
-              <a:t>	K-Nearest Neighbor </a:t>
-            </a:r>
-            <a:endParaRPr sz="1400" b="0" i="0" u="none" strike="noStrike" cap="none">
-              <a:solidFill>
-                <a:srgbClr val="000000"/>
-              </a:solidFill>
-              <a:latin typeface="Arial"/>
-              <a:ea typeface="Arial"/>
-              <a:cs typeface="Arial"/>
-              <a:sym typeface="Arial"/>
-            </a:endParaRPr>
-          </a:p>
-        </p:txBody>
-      </p:sp>
-    </p:spTree>
-  </p:cSld>
-  <p:clrMapOvr>
-    <a:masterClrMapping/>
-  </p:clrMapOvr>
-</p:sld>
-</file>
-
-<file path=ppt/slides/slide7.xml><?xml version="1.0" encoding="utf-8"?>
-<p:sld xmlns:a="http://schemas.openxmlformats.org/drawingml/2006/main" xmlns:r="http://schemas.openxmlformats.org/officeDocument/2006/relationships" xmlns:p="http://schemas.openxmlformats.org/presentationml/2006/main">
-  <p:cSld>
-    <p:bg>
-      <p:bgPr>
-        <a:solidFill>
-          <a:schemeClr val="lt1"/>
-        </a:solidFill>
-        <a:effectLst/>
-      </p:bgPr>
-    </p:bg>
-    <p:spTree>
-      <p:nvGrpSpPr>
-        <p:cNvPr id="1" name="Shape 119"/>
-        <p:cNvGrpSpPr/>
-        <p:nvPr/>
-      </p:nvGrpSpPr>
-      <p:grpSpPr>
-        <a:xfrm>
-          <a:off x="0" y="0"/>
-          <a:ext cx="0" cy="0"/>
-          <a:chOff x="0" y="0"/>
-          <a:chExt cx="0" cy="0"/>
-        </a:xfrm>
-      </p:grpSpPr>
-      <p:pic>
-        <p:nvPicPr>
-          <p:cNvPr id="120" name="Google Shape;120;p6" descr="A close up of a person&#10;&#10;Description automatically generated"/>
-          <p:cNvPicPr preferRelativeResize="0"/>
-          <p:nvPr/>
-        </p:nvPicPr>
-        <p:blipFill rotWithShape="1">
-          <a:blip r:embed="rId3">
-            <a:alphaModFix/>
-          </a:blip>
-          <a:srcRect/>
-          <a:stretch/>
-        </p:blipFill>
-        <p:spPr>
-          <a:xfrm>
-            <a:off x="0" y="0"/>
-            <a:ext cx="12192000" cy="6858000"/>
-          </a:xfrm>
-          <a:prstGeom prst="rect">
-            <a:avLst/>
-          </a:prstGeom>
-          <a:noFill/>
-          <a:ln>
-            <a:noFill/>
-          </a:ln>
-        </p:spPr>
-      </p:pic>
-      <p:sp>
-        <p:nvSpPr>
-          <p:cNvPr id="121" name="Google Shape;121;p6"/>
-          <p:cNvSpPr txBox="1">
-            <a:spLocks noGrp="1"/>
-          </p:cNvSpPr>
-          <p:nvPr>
-            <p:ph type="title"/>
-          </p:nvPr>
-        </p:nvSpPr>
-        <p:spPr>
-          <a:xfrm>
-            <a:off x="838200" y="365125"/>
-            <a:ext cx="10960100" cy="1325563"/>
-          </a:xfrm>
-          <a:prstGeom prst="rect">
-            <a:avLst/>
-          </a:prstGeom>
-          <a:noFill/>
-          <a:ln>
-            <a:noFill/>
-          </a:ln>
-        </p:spPr>
-        <p:txBody>
-          <a:bodyPr spcFirstLastPara="1" wrap="square" lIns="91425" tIns="45700" rIns="91425" bIns="45700" anchor="ctr" anchorCtr="0">
-            <a:normAutofit/>
-          </a:bodyPr>
-          <a:lstStyle/>
-          <a:p>
-            <a:pPr marL="0" lvl="0" indent="0" algn="l" rtl="0">
-              <a:lnSpc>
-                <a:spcPct val="90000"/>
-              </a:lnSpc>
-              <a:spcBef>
-                <a:spcPts val="0"/>
-              </a:spcBef>
-              <a:spcAft>
-                <a:spcPts val="0"/>
-              </a:spcAft>
-              <a:buClr>
-                <a:schemeClr val="dk1"/>
-              </a:buClr>
-              <a:buSzPts val="4400"/>
-              <a:buFont typeface="Oswald"/>
-              <a:buNone/>
-            </a:pPr>
-            <a:r>
-              <a:rPr lang="en-US">
-                <a:latin typeface="Oswald"/>
-                <a:ea typeface="Oswald"/>
-                <a:cs typeface="Oswald"/>
-                <a:sym typeface="Oswald"/>
-              </a:rPr>
-              <a:t>Application Functionality: Risk Calculator Page cont.</a:t>
-            </a:r>
-            <a:endParaRPr/>
-          </a:p>
-        </p:txBody>
-      </p:sp>
-      <p:sp>
-        <p:nvSpPr>
-          <p:cNvPr id="122" name="Google Shape;122;p6"/>
-          <p:cNvSpPr/>
-          <p:nvPr/>
-        </p:nvSpPr>
-        <p:spPr>
-          <a:xfrm>
-            <a:off x="838200" y="1690704"/>
-            <a:ext cx="10172700" cy="4695900"/>
-          </a:xfrm>
-          <a:prstGeom prst="rect">
-            <a:avLst/>
-          </a:prstGeom>
-          <a:noFill/>
-          <a:ln>
-            <a:noFill/>
-          </a:ln>
-        </p:spPr>
-        <p:txBody>
-          <a:bodyPr spcFirstLastPara="1" wrap="square" lIns="91425" tIns="45700" rIns="91425" bIns="45700" anchor="t" anchorCtr="0">
-            <a:spAutoFit/>
-          </a:bodyPr>
-          <a:lstStyle/>
-          <a:p>
-            <a:pPr marL="0" marR="0" lvl="0" indent="0" algn="l" rtl="0">
-              <a:lnSpc>
-                <a:spcPct val="100000"/>
-              </a:lnSpc>
-              <a:spcBef>
-                <a:spcPts val="0"/>
-              </a:spcBef>
-              <a:spcAft>
-                <a:spcPts val="0"/>
-              </a:spcAft>
-              <a:buClr>
-                <a:srgbClr val="000000"/>
-              </a:buClr>
-              <a:buSzPts val="2800"/>
-              <a:buFont typeface="Arial"/>
-              <a:buNone/>
-            </a:pPr>
-            <a:r>
-              <a:rPr lang="en-US" sz="2800" b="0" i="0" u="none" strike="noStrike" cap="none">
-                <a:solidFill>
-                  <a:schemeClr val="dk1"/>
-                </a:solidFill>
-                <a:latin typeface="Oswald"/>
-                <a:ea typeface="Oswald"/>
-                <a:cs typeface="Oswald"/>
-                <a:sym typeface="Oswald"/>
-              </a:rPr>
-              <a:t>JavaScript (HTML/CSS) input page allows for choice of:</a:t>
-            </a:r>
-            <a:endParaRPr sz="1400" b="0" i="0" u="none" strike="noStrike" cap="none">
-              <a:solidFill>
-                <a:srgbClr val="000000"/>
-              </a:solidFill>
-              <a:latin typeface="Arial"/>
-              <a:ea typeface="Arial"/>
-              <a:cs typeface="Arial"/>
-              <a:sym typeface="Arial"/>
-            </a:endParaRPr>
-          </a:p>
-          <a:p>
-            <a:pPr marL="914400" marR="0" lvl="1" indent="-457200" algn="l" rtl="0">
-              <a:lnSpc>
-                <a:spcPct val="100000"/>
-              </a:lnSpc>
-              <a:spcBef>
-                <a:spcPts val="0"/>
-              </a:spcBef>
-              <a:spcAft>
-                <a:spcPts val="0"/>
-              </a:spcAft>
-              <a:buClr>
-                <a:schemeClr val="dk1"/>
-              </a:buClr>
-              <a:buSzPts val="2800"/>
-              <a:buFont typeface="Arial"/>
-              <a:buChar char="•"/>
-            </a:pPr>
-            <a:r>
-              <a:rPr lang="en-US" sz="2800" b="0" i="0" u="none" strike="noStrike" cap="none">
-                <a:solidFill>
-                  <a:schemeClr val="dk1"/>
-                </a:solidFill>
-                <a:latin typeface="Oswald"/>
-                <a:ea typeface="Oswald"/>
-                <a:cs typeface="Oswald"/>
-                <a:sym typeface="Oswald"/>
-              </a:rPr>
-              <a:t>Model</a:t>
-            </a:r>
-            <a:endParaRPr sz="1400" b="0" i="0" u="none" strike="noStrike" cap="none">
-              <a:solidFill>
-                <a:srgbClr val="000000"/>
-              </a:solidFill>
-              <a:latin typeface="Arial"/>
-              <a:ea typeface="Arial"/>
-              <a:cs typeface="Arial"/>
-              <a:sym typeface="Arial"/>
-            </a:endParaRPr>
-          </a:p>
-          <a:p>
-            <a:pPr marL="914400" marR="0" lvl="1" indent="-457200" algn="l" rtl="0">
-              <a:lnSpc>
-                <a:spcPct val="100000"/>
-              </a:lnSpc>
-              <a:spcBef>
-                <a:spcPts val="0"/>
-              </a:spcBef>
-              <a:spcAft>
-                <a:spcPts val="0"/>
-              </a:spcAft>
-              <a:buClr>
-                <a:schemeClr val="dk1"/>
-              </a:buClr>
-              <a:buSzPts val="2800"/>
-              <a:buFont typeface="Arial"/>
-              <a:buChar char="•"/>
-            </a:pPr>
-            <a:r>
-              <a:rPr lang="en-US" sz="2800" b="0" i="0" u="none" strike="noStrike" cap="none">
-                <a:solidFill>
-                  <a:schemeClr val="dk1"/>
-                </a:solidFill>
-                <a:latin typeface="Oswald"/>
-                <a:ea typeface="Oswald"/>
-                <a:cs typeface="Oswald"/>
-                <a:sym typeface="Oswald"/>
-              </a:rPr>
-              <a:t>Age/Gender</a:t>
-            </a:r>
-            <a:endParaRPr sz="1400" b="0" i="0" u="none" strike="noStrike" cap="none">
-              <a:solidFill>
-                <a:srgbClr val="000000"/>
-              </a:solidFill>
-              <a:latin typeface="Arial"/>
-              <a:ea typeface="Arial"/>
-              <a:cs typeface="Arial"/>
-              <a:sym typeface="Arial"/>
-            </a:endParaRPr>
-          </a:p>
-          <a:p>
-            <a:pPr marL="914400" marR="0" lvl="1" indent="-457200" algn="l" rtl="0">
-              <a:lnSpc>
-                <a:spcPct val="100000"/>
-              </a:lnSpc>
-              <a:spcBef>
-                <a:spcPts val="0"/>
-              </a:spcBef>
-              <a:spcAft>
-                <a:spcPts val="0"/>
-              </a:spcAft>
-              <a:buClr>
-                <a:schemeClr val="dk1"/>
-              </a:buClr>
-              <a:buSzPts val="2800"/>
-              <a:buFont typeface="Arial"/>
-              <a:buChar char="•"/>
-            </a:pPr>
-            <a:r>
-              <a:rPr lang="en-US" sz="2800" b="0" i="0" u="none" strike="noStrike" cap="none">
-                <a:solidFill>
-                  <a:schemeClr val="dk1"/>
-                </a:solidFill>
-                <a:latin typeface="Oswald"/>
-                <a:ea typeface="Oswald"/>
-                <a:cs typeface="Oswald"/>
-                <a:sym typeface="Oswald"/>
-              </a:rPr>
-              <a:t>Living/Travel Locations</a:t>
-            </a:r>
-            <a:endParaRPr sz="1400" b="0" i="0" u="none" strike="noStrike" cap="none">
-              <a:solidFill>
-                <a:srgbClr val="000000"/>
-              </a:solidFill>
-              <a:latin typeface="Arial"/>
-              <a:ea typeface="Arial"/>
-              <a:cs typeface="Arial"/>
-              <a:sym typeface="Arial"/>
-            </a:endParaRPr>
-          </a:p>
-          <a:p>
-            <a:pPr marL="914400" marR="0" lvl="1" indent="-457200" algn="l" rtl="0">
-              <a:lnSpc>
-                <a:spcPct val="100000"/>
-              </a:lnSpc>
-              <a:spcBef>
-                <a:spcPts val="0"/>
-              </a:spcBef>
-              <a:spcAft>
-                <a:spcPts val="0"/>
-              </a:spcAft>
-              <a:buClr>
-                <a:schemeClr val="dk1"/>
-              </a:buClr>
-              <a:buSzPts val="2800"/>
-              <a:buFont typeface="Arial"/>
-              <a:buChar char="•"/>
-            </a:pPr>
-            <a:r>
-              <a:rPr lang="en-US" sz="2800" b="0" i="0" u="none" strike="noStrike" cap="none">
-                <a:solidFill>
-                  <a:schemeClr val="dk1"/>
-                </a:solidFill>
-                <a:latin typeface="Oswald"/>
-                <a:ea typeface="Oswald"/>
-                <a:cs typeface="Oswald"/>
-                <a:sym typeface="Oswald"/>
-              </a:rPr>
-              <a:t>Preconditions</a:t>
-            </a:r>
-            <a:endParaRPr sz="1400" b="0" i="0" u="none" strike="noStrike" cap="none">
-              <a:solidFill>
-                <a:srgbClr val="000000"/>
-              </a:solidFill>
-              <a:latin typeface="Arial"/>
-              <a:ea typeface="Arial"/>
-              <a:cs typeface="Arial"/>
-              <a:sym typeface="Arial"/>
-            </a:endParaRPr>
-          </a:p>
-          <a:p>
-            <a:pPr marL="914400" marR="0" lvl="1" indent="-457200" algn="l" rtl="0">
-              <a:lnSpc>
-                <a:spcPct val="100000"/>
-              </a:lnSpc>
-              <a:spcBef>
-                <a:spcPts val="0"/>
-              </a:spcBef>
-              <a:spcAft>
-                <a:spcPts val="0"/>
-              </a:spcAft>
-              <a:buClr>
-                <a:schemeClr val="dk1"/>
-              </a:buClr>
-              <a:buSzPts val="2800"/>
-              <a:buFont typeface="Arial"/>
-              <a:buChar char="•"/>
-            </a:pPr>
-            <a:r>
-              <a:rPr lang="en-US" sz="2800" b="0" i="0" u="none" strike="noStrike" cap="none">
-                <a:solidFill>
-                  <a:schemeClr val="dk1"/>
-                </a:solidFill>
-                <a:latin typeface="Oswald"/>
-                <a:ea typeface="Oswald"/>
-                <a:cs typeface="Oswald"/>
-                <a:sym typeface="Oswald"/>
-              </a:rPr>
-              <a:t>Symptoms (12)</a:t>
-            </a:r>
-            <a:endParaRPr sz="1400" b="0" i="0" u="none" strike="noStrike" cap="none">
-              <a:solidFill>
-                <a:srgbClr val="000000"/>
-              </a:solidFill>
-              <a:latin typeface="Arial"/>
-              <a:ea typeface="Arial"/>
-              <a:cs typeface="Arial"/>
-              <a:sym typeface="Arial"/>
-            </a:endParaRPr>
-          </a:p>
-          <a:p>
-            <a:pPr marL="914400" marR="0" lvl="1" indent="-279400" algn="l" rtl="0">
-              <a:lnSpc>
-                <a:spcPct val="100000"/>
-              </a:lnSpc>
-              <a:spcBef>
-                <a:spcPts val="0"/>
-              </a:spcBef>
-              <a:spcAft>
-                <a:spcPts val="0"/>
-              </a:spcAft>
-              <a:buClr>
-                <a:schemeClr val="dk1"/>
-              </a:buClr>
-              <a:buSzPts val="2800"/>
-              <a:buFont typeface="Arial"/>
-              <a:buNone/>
-            </a:pPr>
-            <a:endParaRPr sz="2800" b="0" i="0" u="none" strike="noStrike" cap="none">
-              <a:solidFill>
-                <a:schemeClr val="dk1"/>
-              </a:solidFill>
-              <a:latin typeface="Oswald"/>
-              <a:ea typeface="Oswald"/>
-              <a:cs typeface="Oswald"/>
-              <a:sym typeface="Oswald"/>
-            </a:endParaRPr>
-          </a:p>
-          <a:p>
-            <a:pPr marL="0" marR="0" lvl="0" indent="0" algn="l" rtl="0">
-              <a:lnSpc>
-                <a:spcPct val="100000"/>
-              </a:lnSpc>
-              <a:spcBef>
-                <a:spcPts val="0"/>
-              </a:spcBef>
-              <a:spcAft>
-                <a:spcPts val="0"/>
-              </a:spcAft>
-              <a:buClr>
-                <a:srgbClr val="000000"/>
-              </a:buClr>
-              <a:buSzPts val="2800"/>
-              <a:buFont typeface="Arial"/>
-              <a:buNone/>
-            </a:pPr>
-            <a:r>
-              <a:rPr lang="en-US" sz="2800" b="0" i="0" u="none" strike="noStrike" cap="none">
-                <a:solidFill>
-                  <a:schemeClr val="dk1"/>
-                </a:solidFill>
-                <a:latin typeface="Oswald"/>
-                <a:ea typeface="Oswald"/>
-                <a:cs typeface="Oswald"/>
-                <a:sym typeface="Oswald"/>
-              </a:rPr>
-              <a:t>Result passed through FLASK API to retrieve predictions from chosen model</a:t>
-            </a:r>
-            <a:endParaRPr sz="2800" b="0" i="0" u="none" strike="noStrike" cap="none">
-              <a:solidFill>
-                <a:schemeClr val="dk1"/>
-              </a:solidFill>
-              <a:latin typeface="Oswald"/>
-              <a:ea typeface="Oswald"/>
-              <a:cs typeface="Oswald"/>
-              <a:sym typeface="Oswald"/>
-            </a:endParaRPr>
-          </a:p>
-          <a:p>
-            <a:pPr marL="0" marR="0" lvl="0" indent="0" algn="l" rtl="0">
-              <a:lnSpc>
-                <a:spcPct val="100000"/>
-              </a:lnSpc>
-              <a:spcBef>
-                <a:spcPts val="0"/>
-              </a:spcBef>
-              <a:spcAft>
-                <a:spcPts val="0"/>
-              </a:spcAft>
-              <a:buClr>
-                <a:srgbClr val="000000"/>
-              </a:buClr>
-              <a:buSzPts val="2800"/>
-              <a:buFont typeface="Arial"/>
-              <a:buNone/>
-            </a:pPr>
-            <a:endParaRPr sz="2800">
-              <a:solidFill>
-                <a:schemeClr val="dk1"/>
-              </a:solidFill>
-              <a:latin typeface="Oswald"/>
-              <a:ea typeface="Oswald"/>
-              <a:cs typeface="Oswald"/>
-              <a:sym typeface="Oswald"/>
-            </a:endParaRPr>
-          </a:p>
-          <a:p>
-            <a:pPr marL="0" marR="0" lvl="0" indent="0" algn="l" rtl="0">
-              <a:lnSpc>
-                <a:spcPct val="100000"/>
-              </a:lnSpc>
-              <a:spcBef>
-                <a:spcPts val="0"/>
-              </a:spcBef>
-              <a:spcAft>
-                <a:spcPts val="0"/>
-              </a:spcAft>
-              <a:buClr>
-                <a:srgbClr val="000000"/>
-              </a:buClr>
-              <a:buSzPts val="2800"/>
-              <a:buFont typeface="Arial"/>
-              <a:buNone/>
-            </a:pPr>
-            <a:r>
-              <a:rPr lang="en-US" sz="2800">
-                <a:solidFill>
-                  <a:schemeClr val="dk1"/>
-                </a:solidFill>
-                <a:latin typeface="Oswald"/>
-                <a:ea typeface="Oswald"/>
-                <a:cs typeface="Oswald"/>
-                <a:sym typeface="Oswald"/>
-              </a:rPr>
-              <a:t>‘Model Evaluation’ chart - ML-model accuracy per gender/age subset</a:t>
-            </a:r>
-            <a:endParaRPr sz="2800">
-              <a:solidFill>
-                <a:schemeClr val="dk1"/>
-              </a:solidFill>
-              <a:latin typeface="Oswald"/>
-              <a:ea typeface="Oswald"/>
-              <a:cs typeface="Oswald"/>
-              <a:sym typeface="Oswald"/>
-            </a:endParaRPr>
-          </a:p>
-        </p:txBody>
-      </p:sp>
-    </p:spTree>
-  </p:cSld>
-  <p:clrMapOvr>
-    <a:masterClrMapping/>
-  </p:clrMapOvr>
-</p:sld>
-</file>
-
-<file path=ppt/slides/slide8.xml><?xml version="1.0" encoding="utf-8"?>
-<p:sld xmlns:a="http://schemas.openxmlformats.org/drawingml/2006/main" xmlns:r="http://schemas.openxmlformats.org/officeDocument/2006/relationships" xmlns:p="http://schemas.openxmlformats.org/presentationml/2006/main">
-  <p:cSld>
-    <p:bg>
-      <p:bgPr>
-        <a:solidFill>
-          <a:schemeClr val="lt1"/>
-        </a:solidFill>
-        <a:effectLst/>
-      </p:bgPr>
-    </p:bg>
-    <p:spTree>
-      <p:nvGrpSpPr>
-        <p:cNvPr id="1" name="Shape 126"/>
-        <p:cNvGrpSpPr/>
-        <p:nvPr/>
-      </p:nvGrpSpPr>
-      <p:grpSpPr>
-        <a:xfrm>
-          <a:off x="0" y="0"/>
-          <a:ext cx="0" cy="0"/>
-          <a:chOff x="0" y="0"/>
-          <a:chExt cx="0" cy="0"/>
-        </a:xfrm>
-      </p:grpSpPr>
-      <p:pic>
-        <p:nvPicPr>
-          <p:cNvPr id="127" name="Google Shape;127;p7" descr="A close up of a person&#10;&#10;Description automatically generated"/>
-          <p:cNvPicPr preferRelativeResize="0"/>
-          <p:nvPr/>
-        </p:nvPicPr>
-        <p:blipFill rotWithShape="1">
-          <a:blip r:embed="rId3">
-            <a:alphaModFix/>
-          </a:blip>
-          <a:srcRect/>
-          <a:stretch/>
-        </p:blipFill>
-        <p:spPr>
-          <a:xfrm>
-            <a:off x="0" y="0"/>
-            <a:ext cx="12192000" cy="6858000"/>
-          </a:xfrm>
-          <a:prstGeom prst="rect">
-            <a:avLst/>
-          </a:prstGeom>
-          <a:noFill/>
-          <a:ln>
-            <a:noFill/>
-          </a:ln>
-        </p:spPr>
-      </p:pic>
-      <p:sp>
-        <p:nvSpPr>
-          <p:cNvPr id="128" name="Google Shape;128;p7"/>
-          <p:cNvSpPr txBox="1">
-            <a:spLocks noGrp="1"/>
-          </p:cNvSpPr>
-          <p:nvPr>
-            <p:ph type="title"/>
-          </p:nvPr>
-        </p:nvSpPr>
-        <p:spPr>
-          <a:xfrm>
-            <a:off x="838200" y="365125"/>
-            <a:ext cx="10515600" cy="1325563"/>
-          </a:xfrm>
-          <a:prstGeom prst="rect">
-            <a:avLst/>
-          </a:prstGeom>
-          <a:noFill/>
-          <a:ln>
-            <a:noFill/>
-          </a:ln>
-        </p:spPr>
-        <p:txBody>
-          <a:bodyPr spcFirstLastPara="1" wrap="square" lIns="91425" tIns="45700" rIns="91425" bIns="45700" anchor="ctr" anchorCtr="0">
-            <a:normAutofit/>
-          </a:bodyPr>
-          <a:lstStyle/>
-          <a:p>
-            <a:pPr marL="0" lvl="0" indent="0" algn="l" rtl="0">
-              <a:lnSpc>
-                <a:spcPct val="90000"/>
-              </a:lnSpc>
-              <a:spcBef>
-                <a:spcPts val="0"/>
-              </a:spcBef>
-              <a:spcAft>
-                <a:spcPts val="0"/>
-              </a:spcAft>
-              <a:buClr>
-                <a:schemeClr val="dk1"/>
-              </a:buClr>
-              <a:buSzPts val="4400"/>
-              <a:buFont typeface="Oswald"/>
-              <a:buNone/>
-            </a:pPr>
-            <a:r>
-              <a:rPr lang="en-US">
-                <a:latin typeface="Oswald"/>
-                <a:ea typeface="Oswald"/>
-                <a:cs typeface="Oswald"/>
-                <a:sym typeface="Oswald"/>
-              </a:rPr>
-              <a:t>Application Functionality: Visualization Page</a:t>
-            </a:r>
-            <a:endParaRPr/>
-          </a:p>
-        </p:txBody>
-      </p:sp>
-      <p:sp>
-        <p:nvSpPr>
-          <p:cNvPr id="129" name="Google Shape;129;p7"/>
-          <p:cNvSpPr/>
-          <p:nvPr/>
-        </p:nvSpPr>
-        <p:spPr>
-          <a:xfrm>
-            <a:off x="838200" y="1690688"/>
-            <a:ext cx="9258299" cy="523220"/>
-          </a:xfrm>
-          <a:prstGeom prst="rect">
-            <a:avLst/>
-          </a:prstGeom>
-          <a:noFill/>
-          <a:ln>
-            <a:noFill/>
-          </a:ln>
-        </p:spPr>
-        <p:txBody>
-          <a:bodyPr spcFirstLastPara="1" wrap="square" lIns="91425" tIns="45700" rIns="91425" bIns="45700" anchor="t" anchorCtr="0">
-            <a:spAutoFit/>
-          </a:bodyPr>
-          <a:lstStyle/>
-          <a:p>
-            <a:pPr marL="0" marR="0" lvl="0" indent="0" algn="l" rtl="0">
-              <a:lnSpc>
-                <a:spcPct val="100000"/>
-              </a:lnSpc>
-              <a:spcBef>
-                <a:spcPts val="0"/>
-              </a:spcBef>
-              <a:spcAft>
-                <a:spcPts val="0"/>
-              </a:spcAft>
-              <a:buClr>
-                <a:srgbClr val="000000"/>
-              </a:buClr>
-              <a:buSzPts val="2800"/>
-              <a:buFont typeface="Arial"/>
-              <a:buNone/>
-            </a:pPr>
-            <a:endParaRPr sz="1400" b="0" i="0" u="none" strike="noStrike" cap="none">
-              <a:solidFill>
-                <a:srgbClr val="000000"/>
-              </a:solidFill>
-              <a:latin typeface="Arial"/>
-              <a:ea typeface="Arial"/>
-              <a:cs typeface="Arial"/>
-              <a:sym typeface="Arial"/>
-            </a:endParaRPr>
-          </a:p>
-        </p:txBody>
-      </p:sp>
-      <p:pic>
-        <p:nvPicPr>
-          <p:cNvPr id="130" name="Google Shape;130;p7"/>
-          <p:cNvPicPr preferRelativeResize="0"/>
-          <p:nvPr/>
-        </p:nvPicPr>
-        <p:blipFill>
-          <a:blip r:embed="rId4">
-            <a:alphaModFix/>
-          </a:blip>
-          <a:stretch>
-            <a:fillRect/>
-          </a:stretch>
-        </p:blipFill>
-        <p:spPr>
-          <a:xfrm>
-            <a:off x="1213623" y="1571625"/>
-            <a:ext cx="7202724" cy="5029200"/>
-          </a:xfrm>
-          <a:prstGeom prst="rect">
-            <a:avLst/>
-          </a:prstGeom>
-          <a:noFill/>
-          <a:ln>
-            <a:noFill/>
-          </a:ln>
-        </p:spPr>
-      </p:pic>
-    </p:spTree>
-  </p:cSld>
-  <p:clrMapOvr>
-    <a:masterClrMapping/>
-  </p:clrMapOvr>
-</p:sld>
-</file>
-
-<file path=ppt/slides/slide9.xml><?xml version="1.0" encoding="utf-8"?>
-<p:sld xmlns:a="http://schemas.openxmlformats.org/drawingml/2006/main" xmlns:r="http://schemas.openxmlformats.org/officeDocument/2006/relationships" xmlns:p="http://schemas.openxmlformats.org/presentationml/2006/main">
-  <p:cSld>
-    <p:bg>
-      <p:bgPr>
-        <a:solidFill>
-          <a:schemeClr val="lt1"/>
-        </a:solidFill>
-        <a:effectLst/>
-      </p:bgPr>
-    </p:bg>
-    <p:spTree>
-      <p:nvGrpSpPr>
-        <p:cNvPr id="1" name="Shape 134"/>
-        <p:cNvGrpSpPr/>
-        <p:nvPr/>
-      </p:nvGrpSpPr>
-      <p:grpSpPr>
-        <a:xfrm>
-          <a:off x="0" y="0"/>
-          <a:ext cx="0" cy="0"/>
-          <a:chOff x="0" y="0"/>
-          <a:chExt cx="0" cy="0"/>
-        </a:xfrm>
-      </p:grpSpPr>
-      <p:pic>
-        <p:nvPicPr>
-          <p:cNvPr id="135" name="Google Shape;135;p8" descr="A close up of a person&#10;&#10;Description automatically generated"/>
-          <p:cNvPicPr preferRelativeResize="0"/>
-          <p:nvPr/>
-        </p:nvPicPr>
-        <p:blipFill rotWithShape="1">
-          <a:blip r:embed="rId3">
-            <a:alphaModFix/>
-          </a:blip>
-          <a:srcRect/>
-          <a:stretch/>
-        </p:blipFill>
-        <p:spPr>
-          <a:xfrm>
-            <a:off x="0" y="0"/>
-            <a:ext cx="12192000" cy="6858000"/>
-          </a:xfrm>
-          <a:prstGeom prst="rect">
-            <a:avLst/>
-          </a:prstGeom>
-          <a:noFill/>
-          <a:ln>
-            <a:noFill/>
-          </a:ln>
-        </p:spPr>
-      </p:pic>
-      <p:sp>
-        <p:nvSpPr>
-          <p:cNvPr id="136" name="Google Shape;136;p8"/>
-          <p:cNvSpPr txBox="1">
-            <a:spLocks noGrp="1"/>
-          </p:cNvSpPr>
-          <p:nvPr>
-            <p:ph type="title"/>
-          </p:nvPr>
-        </p:nvSpPr>
-        <p:spPr>
-          <a:xfrm>
-            <a:off x="838200" y="365125"/>
-            <a:ext cx="10515600" cy="1325563"/>
-          </a:xfrm>
-          <a:prstGeom prst="rect">
-            <a:avLst/>
-          </a:prstGeom>
-          <a:noFill/>
-          <a:ln>
-            <a:noFill/>
-          </a:ln>
-        </p:spPr>
-        <p:txBody>
-          <a:bodyPr spcFirstLastPara="1" wrap="square" lIns="91425" tIns="45700" rIns="91425" bIns="45700" anchor="ctr" anchorCtr="0">
-            <a:normAutofit/>
-          </a:bodyPr>
-          <a:lstStyle/>
-          <a:p>
-            <a:pPr marL="0" lvl="0" indent="0" algn="l" rtl="0">
-              <a:lnSpc>
-                <a:spcPct val="90000"/>
-              </a:lnSpc>
-              <a:spcBef>
-                <a:spcPts val="0"/>
-              </a:spcBef>
-              <a:spcAft>
-                <a:spcPts val="0"/>
-              </a:spcAft>
-              <a:buClr>
-                <a:schemeClr val="dk1"/>
-              </a:buClr>
-              <a:buSzPts val="4400"/>
-              <a:buFont typeface="Oswald"/>
-              <a:buNone/>
-            </a:pPr>
-            <a:r>
-              <a:rPr lang="en-US">
-                <a:latin typeface="Oswald"/>
-                <a:ea typeface="Oswald"/>
-                <a:cs typeface="Oswald"/>
-                <a:sym typeface="Oswald"/>
-              </a:rPr>
-              <a:t>Application Functionality: Charts Page</a:t>
-            </a:r>
-            <a:endParaRPr/>
-          </a:p>
-        </p:txBody>
-      </p:sp>
-      <p:sp>
-        <p:nvSpPr>
-          <p:cNvPr id="137" name="Google Shape;137;p8"/>
-          <p:cNvSpPr/>
-          <p:nvPr/>
-        </p:nvSpPr>
-        <p:spPr>
-          <a:xfrm>
-            <a:off x="838200" y="1690688"/>
-            <a:ext cx="9867900" cy="3539430"/>
-          </a:xfrm>
-          <a:prstGeom prst="rect">
-            <a:avLst/>
-          </a:prstGeom>
-          <a:noFill/>
-          <a:ln>
-            <a:noFill/>
-          </a:ln>
-        </p:spPr>
-        <p:txBody>
-          <a:bodyPr spcFirstLastPara="1" wrap="square" lIns="91425" tIns="45700" rIns="91425" bIns="45700" anchor="t" anchorCtr="0">
-            <a:spAutoFit/>
-          </a:bodyPr>
-          <a:lstStyle/>
-          <a:p>
-            <a:pPr marL="0" marR="0" lvl="0" indent="0" algn="l" rtl="0">
-              <a:lnSpc>
-                <a:spcPct val="100000"/>
-              </a:lnSpc>
-              <a:spcBef>
-                <a:spcPts val="0"/>
-              </a:spcBef>
-              <a:spcAft>
-                <a:spcPts val="0"/>
-              </a:spcAft>
-              <a:buClr>
-                <a:srgbClr val="000000"/>
-              </a:buClr>
-              <a:buSzPts val="3200"/>
-              <a:buFont typeface="Arial"/>
-              <a:buNone/>
-            </a:pPr>
-            <a:r>
-              <a:rPr lang="en-US" sz="3200" b="0" i="0" u="none" strike="noStrike" cap="none">
-                <a:solidFill>
-                  <a:schemeClr val="dk1"/>
-                </a:solidFill>
-                <a:latin typeface="Oswald"/>
-                <a:ea typeface="Oswald"/>
-                <a:cs typeface="Oswald"/>
-                <a:sym typeface="Oswald"/>
-              </a:rPr>
-              <a:t>5 Graphs with dropdown boxes for selection:</a:t>
-            </a:r>
-            <a:endParaRPr sz="1400" b="0" i="0" u="none" strike="noStrike" cap="none">
-              <a:solidFill>
-                <a:srgbClr val="000000"/>
-              </a:solidFill>
-              <a:latin typeface="Arial"/>
-              <a:ea typeface="Arial"/>
-              <a:cs typeface="Arial"/>
-              <a:sym typeface="Arial"/>
-            </a:endParaRPr>
-          </a:p>
-          <a:p>
-            <a:pPr marL="0" marR="0" lvl="0" indent="0" algn="l" rtl="0">
-              <a:lnSpc>
-                <a:spcPct val="100000"/>
-              </a:lnSpc>
-              <a:spcBef>
-                <a:spcPts val="0"/>
-              </a:spcBef>
-              <a:spcAft>
-                <a:spcPts val="0"/>
-              </a:spcAft>
-              <a:buClr>
-                <a:srgbClr val="000000"/>
-              </a:buClr>
-              <a:buSzPts val="3200"/>
-              <a:buFont typeface="Arial"/>
-              <a:buNone/>
-            </a:pPr>
-            <a:endParaRPr sz="3200" b="0" i="0" u="none" strike="noStrike" cap="none">
-              <a:solidFill>
-                <a:schemeClr val="dk1"/>
-              </a:solidFill>
-              <a:latin typeface="Oswald"/>
-              <a:ea typeface="Oswald"/>
-              <a:cs typeface="Oswald"/>
-              <a:sym typeface="Oswald"/>
-            </a:endParaRPr>
-          </a:p>
-          <a:p>
-            <a:pPr marL="457200" marR="0" lvl="0" indent="-457200" algn="l" rtl="0">
-              <a:lnSpc>
-                <a:spcPct val="100000"/>
-              </a:lnSpc>
-              <a:spcBef>
-                <a:spcPts val="0"/>
-              </a:spcBef>
-              <a:spcAft>
-                <a:spcPts val="0"/>
-              </a:spcAft>
-              <a:buClr>
-                <a:schemeClr val="dk1"/>
-              </a:buClr>
-              <a:buSzPts val="3200"/>
-              <a:buFont typeface="Arial"/>
-              <a:buChar char="•"/>
-            </a:pPr>
-            <a:r>
-              <a:rPr lang="en-US" sz="3200" b="0" i="0" u="none" strike="noStrike" cap="none">
-                <a:solidFill>
-                  <a:schemeClr val="dk1"/>
-                </a:solidFill>
-                <a:latin typeface="Oswald"/>
-                <a:ea typeface="Oswald"/>
-                <a:cs typeface="Oswald"/>
-                <a:sym typeface="Oswald"/>
-              </a:rPr>
-              <a:t>by Country – total positive, recovered, deceased</a:t>
-            </a:r>
-            <a:endParaRPr sz="1400" b="0" i="0" u="none" strike="noStrike" cap="none">
-              <a:solidFill>
-                <a:srgbClr val="000000"/>
-              </a:solidFill>
-              <a:latin typeface="Arial"/>
-              <a:ea typeface="Arial"/>
-              <a:cs typeface="Arial"/>
-              <a:sym typeface="Arial"/>
-            </a:endParaRPr>
-          </a:p>
-          <a:p>
-            <a:pPr marL="457200" marR="0" lvl="0" indent="-457200" algn="l" rtl="0">
-              <a:lnSpc>
-                <a:spcPct val="100000"/>
-              </a:lnSpc>
-              <a:spcBef>
-                <a:spcPts val="0"/>
-              </a:spcBef>
-              <a:spcAft>
-                <a:spcPts val="0"/>
-              </a:spcAft>
-              <a:buClr>
-                <a:schemeClr val="dk1"/>
-              </a:buClr>
-              <a:buSzPts val="3200"/>
-              <a:buFont typeface="Arial"/>
-              <a:buChar char="•"/>
-            </a:pPr>
-            <a:r>
-              <a:rPr lang="en-US" sz="3200" b="0" i="0" u="none" strike="noStrike" cap="none">
-                <a:solidFill>
-                  <a:schemeClr val="dk1"/>
-                </a:solidFill>
-                <a:latin typeface="Oswald"/>
-                <a:ea typeface="Oswald"/>
-                <a:cs typeface="Oswald"/>
-                <a:sym typeface="Oswald"/>
-              </a:rPr>
-              <a:t>by State – total home and hospitalized, recovered, deceased</a:t>
-            </a:r>
-            <a:endParaRPr sz="1400" b="0" i="0" u="none" strike="noStrike" cap="none">
-              <a:solidFill>
-                <a:srgbClr val="000000"/>
-              </a:solidFill>
-              <a:latin typeface="Arial"/>
-              <a:ea typeface="Arial"/>
-              <a:cs typeface="Arial"/>
-              <a:sym typeface="Arial"/>
-            </a:endParaRPr>
-          </a:p>
-          <a:p>
-            <a:pPr marL="457200" marR="0" lvl="0" indent="-457200" algn="l" rtl="0">
-              <a:lnSpc>
-                <a:spcPct val="100000"/>
-              </a:lnSpc>
-              <a:spcBef>
-                <a:spcPts val="0"/>
-              </a:spcBef>
-              <a:spcAft>
-                <a:spcPts val="0"/>
-              </a:spcAft>
-              <a:buClr>
-                <a:schemeClr val="dk1"/>
-              </a:buClr>
-              <a:buSzPts val="3200"/>
-              <a:buFont typeface="Arial"/>
-              <a:buChar char="•"/>
-            </a:pPr>
-            <a:r>
-              <a:rPr lang="en-US" sz="3200" b="0" i="0" u="none" strike="noStrike" cap="none">
-                <a:solidFill>
-                  <a:schemeClr val="dk1"/>
-                </a:solidFill>
-                <a:latin typeface="Oswald"/>
-                <a:ea typeface="Oswald"/>
-                <a:cs typeface="Oswald"/>
-                <a:sym typeface="Oswald"/>
-              </a:rPr>
-              <a:t>by State – daily positive case increase</a:t>
-            </a:r>
-            <a:endParaRPr sz="1400" b="0" i="0" u="none" strike="noStrike" cap="none">
-              <a:solidFill>
-                <a:srgbClr val="000000"/>
-              </a:solidFill>
-              <a:latin typeface="Arial"/>
-              <a:ea typeface="Arial"/>
-              <a:cs typeface="Arial"/>
-              <a:sym typeface="Arial"/>
-            </a:endParaRPr>
-          </a:p>
-          <a:p>
-            <a:pPr marL="457200" marR="0" lvl="0" indent="-457200" algn="l" rtl="0">
-              <a:lnSpc>
-                <a:spcPct val="100000"/>
-              </a:lnSpc>
-              <a:spcBef>
-                <a:spcPts val="0"/>
-              </a:spcBef>
-              <a:spcAft>
-                <a:spcPts val="0"/>
-              </a:spcAft>
-              <a:buClr>
-                <a:schemeClr val="dk1"/>
-              </a:buClr>
-              <a:buSzPts val="3200"/>
-              <a:buFont typeface="Arial"/>
-              <a:buChar char="•"/>
-            </a:pPr>
-            <a:r>
-              <a:rPr lang="en-US" sz="3200" b="0" i="0" u="none" strike="noStrike" cap="none">
-                <a:solidFill>
-                  <a:schemeClr val="dk1"/>
-                </a:solidFill>
-                <a:latin typeface="Oswald"/>
-                <a:ea typeface="Oswald"/>
-                <a:cs typeface="Oswald"/>
-                <a:sym typeface="Oswald"/>
-              </a:rPr>
-              <a:t>by State – daily hospitalized and deceased increase</a:t>
-            </a:r>
-            <a:endParaRPr sz="1400" b="0" i="0" u="none" strike="noStrike" cap="none">
-              <a:solidFill>
-                <a:srgbClr val="000000"/>
-              </a:solidFill>
-              <a:latin typeface="Arial"/>
-              <a:ea typeface="Arial"/>
-              <a:cs typeface="Arial"/>
-              <a:sym typeface="Arial"/>
-            </a:endParaRPr>
-          </a:p>
-          <a:p>
-            <a:pPr marL="457200" marR="0" lvl="0" indent="-457200" algn="l" rtl="0">
-              <a:lnSpc>
-                <a:spcPct val="100000"/>
-              </a:lnSpc>
-              <a:spcBef>
-                <a:spcPts val="0"/>
-              </a:spcBef>
-              <a:spcAft>
-                <a:spcPts val="0"/>
-              </a:spcAft>
-              <a:buClr>
-                <a:schemeClr val="dk1"/>
-              </a:buClr>
-              <a:buSzPts val="3200"/>
-              <a:buFont typeface="Arial"/>
-              <a:buChar char="•"/>
-            </a:pPr>
-            <a:r>
-              <a:rPr lang="en-US" sz="3200" b="0" i="0" u="none" strike="noStrike" cap="none">
-                <a:solidFill>
-                  <a:schemeClr val="dk1"/>
-                </a:solidFill>
-                <a:latin typeface="Oswald"/>
-                <a:ea typeface="Oswald"/>
-                <a:cs typeface="Oswald"/>
-                <a:sym typeface="Oswald"/>
-              </a:rPr>
-              <a:t>by County – total positive, recovered, deceased </a:t>
-            </a:r>
-            <a:endParaRPr sz="1400" b="0" i="0" u="none" strike="noStrike" cap="none">
-              <a:solidFill>
-                <a:srgbClr val="000000"/>
-              </a:solidFill>
-              <a:latin typeface="Arial"/>
-              <a:ea typeface="Arial"/>
-              <a:cs typeface="Arial"/>
-              <a:sym typeface="Arial"/>
             </a:endParaRPr>
           </a:p>
         </p:txBody>
